--- a/become-a-metadata-driven-dba/become-a-metadata-driven-dba.pptx
+++ b/become-a-metadata-driven-dba/become-a-metadata-driven-dba.pptx
@@ -3,22 +3,27 @@
 <p:presentation xmlns:a="http://schemas.openxmlformats.org/drawingml/2006/main" xmlns:r="http://schemas.openxmlformats.org/officeDocument/2006/relationships" xmlns:p="http://schemas.openxmlformats.org/presentationml/2006/main" saveSubsetFonts="1">
   <p:sldMasterIdLst>
     <p:sldMasterId id="2147483648" r:id="rId1"/>
+    <p:sldMasterId id="2147483660" r:id="rId2"/>
   </p:sldMasterIdLst>
   <p:sldIdLst>
-    <p:sldId id="256" r:id="rId2"/>
-    <p:sldId id="257" r:id="rId3"/>
-    <p:sldId id="258" r:id="rId4"/>
-    <p:sldId id="259" r:id="rId5"/>
-    <p:sldId id="270" r:id="rId6"/>
-    <p:sldId id="267" r:id="rId7"/>
-    <p:sldId id="268" r:id="rId8"/>
-    <p:sldId id="261" r:id="rId9"/>
-    <p:sldId id="262" r:id="rId10"/>
-    <p:sldId id="264" r:id="rId11"/>
-    <p:sldId id="263" r:id="rId12"/>
-    <p:sldId id="265" r:id="rId13"/>
-    <p:sldId id="266" r:id="rId14"/>
-    <p:sldId id="269" r:id="rId15"/>
+    <p:sldId id="256" r:id="rId3"/>
+    <p:sldId id="257" r:id="rId4"/>
+    <p:sldId id="258" r:id="rId5"/>
+    <p:sldId id="271" r:id="rId6"/>
+    <p:sldId id="272" r:id="rId7"/>
+    <p:sldId id="259" r:id="rId8"/>
+    <p:sldId id="270" r:id="rId9"/>
+    <p:sldId id="267" r:id="rId10"/>
+    <p:sldId id="268" r:id="rId11"/>
+    <p:sldId id="261" r:id="rId12"/>
+    <p:sldId id="262" r:id="rId13"/>
+    <p:sldId id="264" r:id="rId14"/>
+    <p:sldId id="263" r:id="rId15"/>
+    <p:sldId id="265" r:id="rId16"/>
+    <p:sldId id="266" r:id="rId17"/>
+    <p:sldId id="269" r:id="rId18"/>
+    <p:sldId id="273" r:id="rId19"/>
+    <p:sldId id="274" r:id="rId20"/>
   </p:sldIdLst>
   <p:sldSz cx="12192000" cy="6858000"/>
   <p:notesSz cx="6858000" cy="9144000"/>
@@ -14533,7 +14538,7 @@
           <a:p>
             <a:fld id="{96FF6413-3139-4955-9DFE-23DDB370AD4E}" type="datetimeFigureOut">
               <a:rPr lang="LID4096" smtClean="0"/>
-              <a:t>06/14/2024</a:t>
+              <a:t>09/07/2024</a:t>
             </a:fld>
             <a:endParaRPr lang="LID4096" dirty="0"/>
           </a:p>
@@ -14771,7 +14776,7 @@
           <a:p>
             <a:fld id="{96FF6413-3139-4955-9DFE-23DDB370AD4E}" type="datetimeFigureOut">
               <a:rPr lang="LID4096" smtClean="0"/>
-              <a:t>06/14/2024</a:t>
+              <a:t>09/07/2024</a:t>
             </a:fld>
             <a:endParaRPr lang="LID4096"/>
           </a:p>
@@ -15019,7 +15024,7 @@
           <a:p>
             <a:fld id="{96FF6413-3139-4955-9DFE-23DDB370AD4E}" type="datetimeFigureOut">
               <a:rPr lang="LID4096" smtClean="0"/>
-              <a:t>06/14/2024</a:t>
+              <a:t>09/07/2024</a:t>
             </a:fld>
             <a:endParaRPr lang="LID4096"/>
           </a:p>
@@ -15083,6 +15088,1941 @@
     <p:extLst>
       <p:ext uri="{BB962C8B-B14F-4D97-AF65-F5344CB8AC3E}">
         <p14:creationId xmlns:p14="http://schemas.microsoft.com/office/powerpoint/2010/main" val="3600554580"/>
+      </p:ext>
+    </p:extLst>
+  </p:cSld>
+  <p:clrMapOvr>
+    <a:masterClrMapping/>
+  </p:clrMapOvr>
+</p:sldLayout>
+</file>
+
+<file path=ppt/slideLayouts/slideLayout12.xml><?xml version="1.0" encoding="utf-8"?>
+<p:sldLayout xmlns:a="http://schemas.openxmlformats.org/drawingml/2006/main" xmlns:r="http://schemas.openxmlformats.org/officeDocument/2006/relationships" xmlns:p="http://schemas.openxmlformats.org/presentationml/2006/main" type="title" preserve="1">
+  <p:cSld name="Rubrikbild">
+    <p:spTree>
+      <p:nvGrpSpPr>
+        <p:cNvPr id="1" name=""/>
+        <p:cNvGrpSpPr/>
+        <p:nvPr/>
+      </p:nvGrpSpPr>
+      <p:grpSpPr>
+        <a:xfrm>
+          <a:off x="0" y="0"/>
+          <a:ext cx="0" cy="0"/>
+          <a:chOff x="0" y="0"/>
+          <a:chExt cx="0" cy="0"/>
+        </a:xfrm>
+      </p:grpSpPr>
+      <p:sp>
+        <p:nvSpPr>
+          <p:cNvPr id="2" name="Rubrik 1">
+            <a:extLst>
+              <a:ext uri="{FF2B5EF4-FFF2-40B4-BE49-F238E27FC236}">
+                <a16:creationId xmlns:a16="http://schemas.microsoft.com/office/drawing/2014/main" id="{70F57A4A-2A27-8BB2-4968-5831827389EC}"/>
+              </a:ext>
+            </a:extLst>
+          </p:cNvPr>
+          <p:cNvSpPr>
+            <a:spLocks noGrp="1"/>
+          </p:cNvSpPr>
+          <p:nvPr>
+            <p:ph type="ctrTitle"/>
+          </p:nvPr>
+        </p:nvSpPr>
+        <p:spPr>
+          <a:xfrm>
+            <a:off x="1524000" y="1122363"/>
+            <a:ext cx="9144000" cy="2387600"/>
+          </a:xfrm>
+        </p:spPr>
+        <p:txBody>
+          <a:bodyPr anchor="b"/>
+          <a:lstStyle>
+            <a:lvl1pPr algn="ctr">
+              <a:defRPr sz="6000"/>
+            </a:lvl1pPr>
+          </a:lstStyle>
+          <a:p>
+            <a:r>
+              <a:rPr lang="sv-SE"/>
+              <a:t>Klicka här för att ändra mall för rubrikformat</a:t>
+            </a:r>
+          </a:p>
+        </p:txBody>
+      </p:sp>
+      <p:sp>
+        <p:nvSpPr>
+          <p:cNvPr id="3" name="Underrubrik 2">
+            <a:extLst>
+              <a:ext uri="{FF2B5EF4-FFF2-40B4-BE49-F238E27FC236}">
+                <a16:creationId xmlns:a16="http://schemas.microsoft.com/office/drawing/2014/main" id="{F1EDA261-0E9A-6736-8D3D-B061B35EB5EB}"/>
+              </a:ext>
+            </a:extLst>
+          </p:cNvPr>
+          <p:cNvSpPr>
+            <a:spLocks noGrp="1"/>
+          </p:cNvSpPr>
+          <p:nvPr>
+            <p:ph type="subTitle" idx="1"/>
+          </p:nvPr>
+        </p:nvSpPr>
+        <p:spPr>
+          <a:xfrm>
+            <a:off x="1524000" y="3602038"/>
+            <a:ext cx="9144000" cy="1655762"/>
+          </a:xfrm>
+        </p:spPr>
+        <p:txBody>
+          <a:bodyPr/>
+          <a:lstStyle>
+            <a:lvl1pPr marL="0" indent="0" algn="ctr">
+              <a:buNone/>
+              <a:defRPr sz="2400"/>
+            </a:lvl1pPr>
+            <a:lvl2pPr marL="457200" indent="0" algn="ctr">
+              <a:buNone/>
+              <a:defRPr sz="2000"/>
+            </a:lvl2pPr>
+            <a:lvl3pPr marL="914400" indent="0" algn="ctr">
+              <a:buNone/>
+              <a:defRPr sz="1800"/>
+            </a:lvl3pPr>
+            <a:lvl4pPr marL="1371600" indent="0" algn="ctr">
+              <a:buNone/>
+              <a:defRPr sz="1600"/>
+            </a:lvl4pPr>
+            <a:lvl5pPr marL="1828800" indent="0" algn="ctr">
+              <a:buNone/>
+              <a:defRPr sz="1600"/>
+            </a:lvl5pPr>
+            <a:lvl6pPr marL="2286000" indent="0" algn="ctr">
+              <a:buNone/>
+              <a:defRPr sz="1600"/>
+            </a:lvl6pPr>
+            <a:lvl7pPr marL="2743200" indent="0" algn="ctr">
+              <a:buNone/>
+              <a:defRPr sz="1600"/>
+            </a:lvl7pPr>
+            <a:lvl8pPr marL="3200400" indent="0" algn="ctr">
+              <a:buNone/>
+              <a:defRPr sz="1600"/>
+            </a:lvl8pPr>
+            <a:lvl9pPr marL="3657600" indent="0" algn="ctr">
+              <a:buNone/>
+              <a:defRPr sz="1600"/>
+            </a:lvl9pPr>
+          </a:lstStyle>
+          <a:p>
+            <a:r>
+              <a:rPr lang="sv-SE"/>
+              <a:t>Klicka här för att ändra mall för underrubrikformat</a:t>
+            </a:r>
+          </a:p>
+        </p:txBody>
+      </p:sp>
+      <p:sp>
+        <p:nvSpPr>
+          <p:cNvPr id="4" name="Platshållare för datum 3">
+            <a:extLst>
+              <a:ext uri="{FF2B5EF4-FFF2-40B4-BE49-F238E27FC236}">
+                <a16:creationId xmlns:a16="http://schemas.microsoft.com/office/drawing/2014/main" id="{780902CB-ECCB-AD3F-705E-39FB05B3B31D}"/>
+              </a:ext>
+            </a:extLst>
+          </p:cNvPr>
+          <p:cNvSpPr>
+            <a:spLocks noGrp="1"/>
+          </p:cNvSpPr>
+          <p:nvPr>
+            <p:ph type="dt" sz="half" idx="10"/>
+          </p:nvPr>
+        </p:nvSpPr>
+        <p:spPr/>
+        <p:txBody>
+          <a:bodyPr/>
+          <a:lstStyle/>
+          <a:p>
+            <a:fld id="{4617FB60-BF3C-4081-9AB7-A4E16EDB9E9D}" type="datetimeFigureOut">
+              <a:rPr lang="sv-SE" smtClean="0"/>
+              <a:t>2024-09-07</a:t>
+            </a:fld>
+            <a:endParaRPr lang="sv-SE"/>
+          </a:p>
+        </p:txBody>
+      </p:sp>
+      <p:sp>
+        <p:nvSpPr>
+          <p:cNvPr id="5" name="Platshållare för sidfot 4">
+            <a:extLst>
+              <a:ext uri="{FF2B5EF4-FFF2-40B4-BE49-F238E27FC236}">
+                <a16:creationId xmlns:a16="http://schemas.microsoft.com/office/drawing/2014/main" id="{969BC4B8-57BC-E27C-7230-C79EFD98777D}"/>
+              </a:ext>
+            </a:extLst>
+          </p:cNvPr>
+          <p:cNvSpPr>
+            <a:spLocks noGrp="1"/>
+          </p:cNvSpPr>
+          <p:nvPr>
+            <p:ph type="ftr" sz="quarter" idx="11"/>
+          </p:nvPr>
+        </p:nvSpPr>
+        <p:spPr/>
+        <p:txBody>
+          <a:bodyPr/>
+          <a:lstStyle/>
+          <a:p>
+            <a:endParaRPr lang="sv-SE"/>
+          </a:p>
+        </p:txBody>
+      </p:sp>
+      <p:sp>
+        <p:nvSpPr>
+          <p:cNvPr id="6" name="Platshållare för bildnummer 5">
+            <a:extLst>
+              <a:ext uri="{FF2B5EF4-FFF2-40B4-BE49-F238E27FC236}">
+                <a16:creationId xmlns:a16="http://schemas.microsoft.com/office/drawing/2014/main" id="{9262F283-B0A9-EEBF-BA8C-D2421E6F0B93}"/>
+              </a:ext>
+            </a:extLst>
+          </p:cNvPr>
+          <p:cNvSpPr>
+            <a:spLocks noGrp="1"/>
+          </p:cNvSpPr>
+          <p:nvPr>
+            <p:ph type="sldNum" sz="quarter" idx="12"/>
+          </p:nvPr>
+        </p:nvSpPr>
+        <p:spPr/>
+        <p:txBody>
+          <a:bodyPr/>
+          <a:lstStyle/>
+          <a:p>
+            <a:fld id="{35855755-DE42-431D-889F-A55AD89DA05D}" type="slidenum">
+              <a:rPr lang="sv-SE" smtClean="0"/>
+              <a:t>‹#›</a:t>
+            </a:fld>
+            <a:endParaRPr lang="sv-SE"/>
+          </a:p>
+        </p:txBody>
+      </p:sp>
+    </p:spTree>
+    <p:extLst>
+      <p:ext uri="{BB962C8B-B14F-4D97-AF65-F5344CB8AC3E}">
+        <p14:creationId xmlns:p14="http://schemas.microsoft.com/office/powerpoint/2010/main" val="2375788688"/>
+      </p:ext>
+    </p:extLst>
+  </p:cSld>
+  <p:clrMapOvr>
+    <a:masterClrMapping/>
+  </p:clrMapOvr>
+</p:sldLayout>
+</file>
+
+<file path=ppt/slideLayouts/slideLayout13.xml><?xml version="1.0" encoding="utf-8"?>
+<p:sldLayout xmlns:a="http://schemas.openxmlformats.org/drawingml/2006/main" xmlns:r="http://schemas.openxmlformats.org/officeDocument/2006/relationships" xmlns:p="http://schemas.openxmlformats.org/presentationml/2006/main" type="obj" preserve="1">
+  <p:cSld name="Rubrik och innehåll">
+    <p:spTree>
+      <p:nvGrpSpPr>
+        <p:cNvPr id="1" name=""/>
+        <p:cNvGrpSpPr/>
+        <p:nvPr/>
+      </p:nvGrpSpPr>
+      <p:grpSpPr>
+        <a:xfrm>
+          <a:off x="0" y="0"/>
+          <a:ext cx="0" cy="0"/>
+          <a:chOff x="0" y="0"/>
+          <a:chExt cx="0" cy="0"/>
+        </a:xfrm>
+      </p:grpSpPr>
+      <p:sp>
+        <p:nvSpPr>
+          <p:cNvPr id="2" name="Rubrik 1">
+            <a:extLst>
+              <a:ext uri="{FF2B5EF4-FFF2-40B4-BE49-F238E27FC236}">
+                <a16:creationId xmlns:a16="http://schemas.microsoft.com/office/drawing/2014/main" id="{777340CB-E5B4-E328-16B5-399CD0E1D743}"/>
+              </a:ext>
+            </a:extLst>
+          </p:cNvPr>
+          <p:cNvSpPr>
+            <a:spLocks noGrp="1"/>
+          </p:cNvSpPr>
+          <p:nvPr>
+            <p:ph type="title"/>
+          </p:nvPr>
+        </p:nvSpPr>
+        <p:spPr/>
+        <p:txBody>
+          <a:bodyPr/>
+          <a:lstStyle/>
+          <a:p>
+            <a:r>
+              <a:rPr lang="sv-SE"/>
+              <a:t>Klicka här för att ändra mall för rubrikformat</a:t>
+            </a:r>
+          </a:p>
+        </p:txBody>
+      </p:sp>
+      <p:sp>
+        <p:nvSpPr>
+          <p:cNvPr id="3" name="Platshållare för innehåll 2">
+            <a:extLst>
+              <a:ext uri="{FF2B5EF4-FFF2-40B4-BE49-F238E27FC236}">
+                <a16:creationId xmlns:a16="http://schemas.microsoft.com/office/drawing/2014/main" id="{BD11EF37-ECC1-14DB-FDF8-438962DF972B}"/>
+              </a:ext>
+            </a:extLst>
+          </p:cNvPr>
+          <p:cNvSpPr>
+            <a:spLocks noGrp="1"/>
+          </p:cNvSpPr>
+          <p:nvPr>
+            <p:ph idx="1"/>
+          </p:nvPr>
+        </p:nvSpPr>
+        <p:spPr/>
+        <p:txBody>
+          <a:bodyPr/>
+          <a:lstStyle/>
+          <a:p>
+            <a:pPr lvl="0"/>
+            <a:r>
+              <a:rPr lang="sv-SE"/>
+              <a:t>Klicka här för att ändra format på bakgrundstexten</a:t>
+            </a:r>
+          </a:p>
+          <a:p>
+            <a:pPr lvl="1"/>
+            <a:r>
+              <a:rPr lang="sv-SE"/>
+              <a:t>Nivå två</a:t>
+            </a:r>
+          </a:p>
+          <a:p>
+            <a:pPr lvl="2"/>
+            <a:r>
+              <a:rPr lang="sv-SE"/>
+              <a:t>Nivå tre</a:t>
+            </a:r>
+          </a:p>
+          <a:p>
+            <a:pPr lvl="3"/>
+            <a:r>
+              <a:rPr lang="sv-SE"/>
+              <a:t>Nivå fyra</a:t>
+            </a:r>
+          </a:p>
+          <a:p>
+            <a:pPr lvl="4"/>
+            <a:r>
+              <a:rPr lang="sv-SE"/>
+              <a:t>Nivå fem</a:t>
+            </a:r>
+          </a:p>
+        </p:txBody>
+      </p:sp>
+      <p:sp>
+        <p:nvSpPr>
+          <p:cNvPr id="4" name="Platshållare för datum 3">
+            <a:extLst>
+              <a:ext uri="{FF2B5EF4-FFF2-40B4-BE49-F238E27FC236}">
+                <a16:creationId xmlns:a16="http://schemas.microsoft.com/office/drawing/2014/main" id="{33A45318-C0E0-28BD-FF04-071EF7A562C2}"/>
+              </a:ext>
+            </a:extLst>
+          </p:cNvPr>
+          <p:cNvSpPr>
+            <a:spLocks noGrp="1"/>
+          </p:cNvSpPr>
+          <p:nvPr>
+            <p:ph type="dt" sz="half" idx="10"/>
+          </p:nvPr>
+        </p:nvSpPr>
+        <p:spPr/>
+        <p:txBody>
+          <a:bodyPr/>
+          <a:lstStyle/>
+          <a:p>
+            <a:fld id="{4617FB60-BF3C-4081-9AB7-A4E16EDB9E9D}" type="datetimeFigureOut">
+              <a:rPr lang="sv-SE" smtClean="0"/>
+              <a:t>2024-09-07</a:t>
+            </a:fld>
+            <a:endParaRPr lang="sv-SE"/>
+          </a:p>
+        </p:txBody>
+      </p:sp>
+      <p:sp>
+        <p:nvSpPr>
+          <p:cNvPr id="5" name="Platshållare för sidfot 4">
+            <a:extLst>
+              <a:ext uri="{FF2B5EF4-FFF2-40B4-BE49-F238E27FC236}">
+                <a16:creationId xmlns:a16="http://schemas.microsoft.com/office/drawing/2014/main" id="{E82F8C4E-BAF1-689A-F752-0905D2ABA95D}"/>
+              </a:ext>
+            </a:extLst>
+          </p:cNvPr>
+          <p:cNvSpPr>
+            <a:spLocks noGrp="1"/>
+          </p:cNvSpPr>
+          <p:nvPr>
+            <p:ph type="ftr" sz="quarter" idx="11"/>
+          </p:nvPr>
+        </p:nvSpPr>
+        <p:spPr/>
+        <p:txBody>
+          <a:bodyPr/>
+          <a:lstStyle/>
+          <a:p>
+            <a:endParaRPr lang="sv-SE"/>
+          </a:p>
+        </p:txBody>
+      </p:sp>
+      <p:sp>
+        <p:nvSpPr>
+          <p:cNvPr id="6" name="Platshållare för bildnummer 5">
+            <a:extLst>
+              <a:ext uri="{FF2B5EF4-FFF2-40B4-BE49-F238E27FC236}">
+                <a16:creationId xmlns:a16="http://schemas.microsoft.com/office/drawing/2014/main" id="{CFE13C01-0573-8874-37F0-084AE1CBA10D}"/>
+              </a:ext>
+            </a:extLst>
+          </p:cNvPr>
+          <p:cNvSpPr>
+            <a:spLocks noGrp="1"/>
+          </p:cNvSpPr>
+          <p:nvPr>
+            <p:ph type="sldNum" sz="quarter" idx="12"/>
+          </p:nvPr>
+        </p:nvSpPr>
+        <p:spPr/>
+        <p:txBody>
+          <a:bodyPr/>
+          <a:lstStyle/>
+          <a:p>
+            <a:fld id="{35855755-DE42-431D-889F-A55AD89DA05D}" type="slidenum">
+              <a:rPr lang="sv-SE" smtClean="0"/>
+              <a:t>‹#›</a:t>
+            </a:fld>
+            <a:endParaRPr lang="sv-SE"/>
+          </a:p>
+        </p:txBody>
+      </p:sp>
+    </p:spTree>
+    <p:extLst>
+      <p:ext uri="{BB962C8B-B14F-4D97-AF65-F5344CB8AC3E}">
+        <p14:creationId xmlns:p14="http://schemas.microsoft.com/office/powerpoint/2010/main" val="343384584"/>
+      </p:ext>
+    </p:extLst>
+  </p:cSld>
+  <p:clrMapOvr>
+    <a:masterClrMapping/>
+  </p:clrMapOvr>
+</p:sldLayout>
+</file>
+
+<file path=ppt/slideLayouts/slideLayout14.xml><?xml version="1.0" encoding="utf-8"?>
+<p:sldLayout xmlns:a="http://schemas.openxmlformats.org/drawingml/2006/main" xmlns:r="http://schemas.openxmlformats.org/officeDocument/2006/relationships" xmlns:p="http://schemas.openxmlformats.org/presentationml/2006/main" type="secHead" preserve="1">
+  <p:cSld name="Avsnittsrubrik">
+    <p:spTree>
+      <p:nvGrpSpPr>
+        <p:cNvPr id="1" name=""/>
+        <p:cNvGrpSpPr/>
+        <p:nvPr/>
+      </p:nvGrpSpPr>
+      <p:grpSpPr>
+        <a:xfrm>
+          <a:off x="0" y="0"/>
+          <a:ext cx="0" cy="0"/>
+          <a:chOff x="0" y="0"/>
+          <a:chExt cx="0" cy="0"/>
+        </a:xfrm>
+      </p:grpSpPr>
+      <p:sp>
+        <p:nvSpPr>
+          <p:cNvPr id="2" name="Rubrik 1">
+            <a:extLst>
+              <a:ext uri="{FF2B5EF4-FFF2-40B4-BE49-F238E27FC236}">
+                <a16:creationId xmlns:a16="http://schemas.microsoft.com/office/drawing/2014/main" id="{7991EB17-7972-3FE1-2EE1-6476E1317E3E}"/>
+              </a:ext>
+            </a:extLst>
+          </p:cNvPr>
+          <p:cNvSpPr>
+            <a:spLocks noGrp="1"/>
+          </p:cNvSpPr>
+          <p:nvPr>
+            <p:ph type="title"/>
+          </p:nvPr>
+        </p:nvSpPr>
+        <p:spPr>
+          <a:xfrm>
+            <a:off x="831850" y="1709738"/>
+            <a:ext cx="10515600" cy="2852737"/>
+          </a:xfrm>
+        </p:spPr>
+        <p:txBody>
+          <a:bodyPr anchor="b"/>
+          <a:lstStyle>
+            <a:lvl1pPr>
+              <a:defRPr sz="6000"/>
+            </a:lvl1pPr>
+          </a:lstStyle>
+          <a:p>
+            <a:r>
+              <a:rPr lang="sv-SE"/>
+              <a:t>Klicka här för att ändra mall för rubrikformat</a:t>
+            </a:r>
+          </a:p>
+        </p:txBody>
+      </p:sp>
+      <p:sp>
+        <p:nvSpPr>
+          <p:cNvPr id="3" name="Platshållare för text 2">
+            <a:extLst>
+              <a:ext uri="{FF2B5EF4-FFF2-40B4-BE49-F238E27FC236}">
+                <a16:creationId xmlns:a16="http://schemas.microsoft.com/office/drawing/2014/main" id="{DCA7D8AF-572F-6164-371F-78340D637546}"/>
+              </a:ext>
+            </a:extLst>
+          </p:cNvPr>
+          <p:cNvSpPr>
+            <a:spLocks noGrp="1"/>
+          </p:cNvSpPr>
+          <p:nvPr>
+            <p:ph type="body" idx="1"/>
+          </p:nvPr>
+        </p:nvSpPr>
+        <p:spPr>
+          <a:xfrm>
+            <a:off x="831850" y="4589463"/>
+            <a:ext cx="10515600" cy="1500187"/>
+          </a:xfrm>
+        </p:spPr>
+        <p:txBody>
+          <a:bodyPr/>
+          <a:lstStyle>
+            <a:lvl1pPr marL="0" indent="0">
+              <a:buNone/>
+              <a:defRPr sz="2400">
+                <a:solidFill>
+                  <a:schemeClr val="tx1">
+                    <a:tint val="75000"/>
+                  </a:schemeClr>
+                </a:solidFill>
+              </a:defRPr>
+            </a:lvl1pPr>
+            <a:lvl2pPr marL="457200" indent="0">
+              <a:buNone/>
+              <a:defRPr sz="2000">
+                <a:solidFill>
+                  <a:schemeClr val="tx1">
+                    <a:tint val="75000"/>
+                  </a:schemeClr>
+                </a:solidFill>
+              </a:defRPr>
+            </a:lvl2pPr>
+            <a:lvl3pPr marL="914400" indent="0">
+              <a:buNone/>
+              <a:defRPr sz="1800">
+                <a:solidFill>
+                  <a:schemeClr val="tx1">
+                    <a:tint val="75000"/>
+                  </a:schemeClr>
+                </a:solidFill>
+              </a:defRPr>
+            </a:lvl3pPr>
+            <a:lvl4pPr marL="1371600" indent="0">
+              <a:buNone/>
+              <a:defRPr sz="1600">
+                <a:solidFill>
+                  <a:schemeClr val="tx1">
+                    <a:tint val="75000"/>
+                  </a:schemeClr>
+                </a:solidFill>
+              </a:defRPr>
+            </a:lvl4pPr>
+            <a:lvl5pPr marL="1828800" indent="0">
+              <a:buNone/>
+              <a:defRPr sz="1600">
+                <a:solidFill>
+                  <a:schemeClr val="tx1">
+                    <a:tint val="75000"/>
+                  </a:schemeClr>
+                </a:solidFill>
+              </a:defRPr>
+            </a:lvl5pPr>
+            <a:lvl6pPr marL="2286000" indent="0">
+              <a:buNone/>
+              <a:defRPr sz="1600">
+                <a:solidFill>
+                  <a:schemeClr val="tx1">
+                    <a:tint val="75000"/>
+                  </a:schemeClr>
+                </a:solidFill>
+              </a:defRPr>
+            </a:lvl6pPr>
+            <a:lvl7pPr marL="2743200" indent="0">
+              <a:buNone/>
+              <a:defRPr sz="1600">
+                <a:solidFill>
+                  <a:schemeClr val="tx1">
+                    <a:tint val="75000"/>
+                  </a:schemeClr>
+                </a:solidFill>
+              </a:defRPr>
+            </a:lvl7pPr>
+            <a:lvl8pPr marL="3200400" indent="0">
+              <a:buNone/>
+              <a:defRPr sz="1600">
+                <a:solidFill>
+                  <a:schemeClr val="tx1">
+                    <a:tint val="75000"/>
+                  </a:schemeClr>
+                </a:solidFill>
+              </a:defRPr>
+            </a:lvl8pPr>
+            <a:lvl9pPr marL="3657600" indent="0">
+              <a:buNone/>
+              <a:defRPr sz="1600">
+                <a:solidFill>
+                  <a:schemeClr val="tx1">
+                    <a:tint val="75000"/>
+                  </a:schemeClr>
+                </a:solidFill>
+              </a:defRPr>
+            </a:lvl9pPr>
+          </a:lstStyle>
+          <a:p>
+            <a:pPr lvl="0"/>
+            <a:r>
+              <a:rPr lang="sv-SE"/>
+              <a:t>Klicka här för att ändra format på bakgrundstexten</a:t>
+            </a:r>
+          </a:p>
+        </p:txBody>
+      </p:sp>
+      <p:sp>
+        <p:nvSpPr>
+          <p:cNvPr id="4" name="Platshållare för datum 3">
+            <a:extLst>
+              <a:ext uri="{FF2B5EF4-FFF2-40B4-BE49-F238E27FC236}">
+                <a16:creationId xmlns:a16="http://schemas.microsoft.com/office/drawing/2014/main" id="{071B93D9-E653-E244-1802-D7F855E6622D}"/>
+              </a:ext>
+            </a:extLst>
+          </p:cNvPr>
+          <p:cNvSpPr>
+            <a:spLocks noGrp="1"/>
+          </p:cNvSpPr>
+          <p:nvPr>
+            <p:ph type="dt" sz="half" idx="10"/>
+          </p:nvPr>
+        </p:nvSpPr>
+        <p:spPr/>
+        <p:txBody>
+          <a:bodyPr/>
+          <a:lstStyle/>
+          <a:p>
+            <a:fld id="{4617FB60-BF3C-4081-9AB7-A4E16EDB9E9D}" type="datetimeFigureOut">
+              <a:rPr lang="sv-SE" smtClean="0"/>
+              <a:t>2024-09-07</a:t>
+            </a:fld>
+            <a:endParaRPr lang="sv-SE"/>
+          </a:p>
+        </p:txBody>
+      </p:sp>
+      <p:sp>
+        <p:nvSpPr>
+          <p:cNvPr id="5" name="Platshållare för sidfot 4">
+            <a:extLst>
+              <a:ext uri="{FF2B5EF4-FFF2-40B4-BE49-F238E27FC236}">
+                <a16:creationId xmlns:a16="http://schemas.microsoft.com/office/drawing/2014/main" id="{CBB48C1C-DB1D-E3C8-69E5-8A8B55B7F6CC}"/>
+              </a:ext>
+            </a:extLst>
+          </p:cNvPr>
+          <p:cNvSpPr>
+            <a:spLocks noGrp="1"/>
+          </p:cNvSpPr>
+          <p:nvPr>
+            <p:ph type="ftr" sz="quarter" idx="11"/>
+          </p:nvPr>
+        </p:nvSpPr>
+        <p:spPr/>
+        <p:txBody>
+          <a:bodyPr/>
+          <a:lstStyle/>
+          <a:p>
+            <a:endParaRPr lang="sv-SE"/>
+          </a:p>
+        </p:txBody>
+      </p:sp>
+      <p:sp>
+        <p:nvSpPr>
+          <p:cNvPr id="6" name="Platshållare för bildnummer 5">
+            <a:extLst>
+              <a:ext uri="{FF2B5EF4-FFF2-40B4-BE49-F238E27FC236}">
+                <a16:creationId xmlns:a16="http://schemas.microsoft.com/office/drawing/2014/main" id="{8BCF13BA-77D0-9041-2E4D-60046AAEF103}"/>
+              </a:ext>
+            </a:extLst>
+          </p:cNvPr>
+          <p:cNvSpPr>
+            <a:spLocks noGrp="1"/>
+          </p:cNvSpPr>
+          <p:nvPr>
+            <p:ph type="sldNum" sz="quarter" idx="12"/>
+          </p:nvPr>
+        </p:nvSpPr>
+        <p:spPr/>
+        <p:txBody>
+          <a:bodyPr/>
+          <a:lstStyle/>
+          <a:p>
+            <a:fld id="{35855755-DE42-431D-889F-A55AD89DA05D}" type="slidenum">
+              <a:rPr lang="sv-SE" smtClean="0"/>
+              <a:t>‹#›</a:t>
+            </a:fld>
+            <a:endParaRPr lang="sv-SE"/>
+          </a:p>
+        </p:txBody>
+      </p:sp>
+    </p:spTree>
+    <p:extLst>
+      <p:ext uri="{BB962C8B-B14F-4D97-AF65-F5344CB8AC3E}">
+        <p14:creationId xmlns:p14="http://schemas.microsoft.com/office/powerpoint/2010/main" val="2702265904"/>
+      </p:ext>
+    </p:extLst>
+  </p:cSld>
+  <p:clrMapOvr>
+    <a:masterClrMapping/>
+  </p:clrMapOvr>
+</p:sldLayout>
+</file>
+
+<file path=ppt/slideLayouts/slideLayout15.xml><?xml version="1.0" encoding="utf-8"?>
+<p:sldLayout xmlns:a="http://schemas.openxmlformats.org/drawingml/2006/main" xmlns:r="http://schemas.openxmlformats.org/officeDocument/2006/relationships" xmlns:p="http://schemas.openxmlformats.org/presentationml/2006/main" type="twoObj" preserve="1">
+  <p:cSld name="Två delar">
+    <p:spTree>
+      <p:nvGrpSpPr>
+        <p:cNvPr id="1" name=""/>
+        <p:cNvGrpSpPr/>
+        <p:nvPr/>
+      </p:nvGrpSpPr>
+      <p:grpSpPr>
+        <a:xfrm>
+          <a:off x="0" y="0"/>
+          <a:ext cx="0" cy="0"/>
+          <a:chOff x="0" y="0"/>
+          <a:chExt cx="0" cy="0"/>
+        </a:xfrm>
+      </p:grpSpPr>
+      <p:sp>
+        <p:nvSpPr>
+          <p:cNvPr id="2" name="Rubrik 1">
+            <a:extLst>
+              <a:ext uri="{FF2B5EF4-FFF2-40B4-BE49-F238E27FC236}">
+                <a16:creationId xmlns:a16="http://schemas.microsoft.com/office/drawing/2014/main" id="{F89A8ECF-F381-AA25-13C6-87AFDA153542}"/>
+              </a:ext>
+            </a:extLst>
+          </p:cNvPr>
+          <p:cNvSpPr>
+            <a:spLocks noGrp="1"/>
+          </p:cNvSpPr>
+          <p:nvPr>
+            <p:ph type="title"/>
+          </p:nvPr>
+        </p:nvSpPr>
+        <p:spPr/>
+        <p:txBody>
+          <a:bodyPr/>
+          <a:lstStyle/>
+          <a:p>
+            <a:r>
+              <a:rPr lang="sv-SE"/>
+              <a:t>Klicka här för att ändra mall för rubrikformat</a:t>
+            </a:r>
+          </a:p>
+        </p:txBody>
+      </p:sp>
+      <p:sp>
+        <p:nvSpPr>
+          <p:cNvPr id="3" name="Platshållare för innehåll 2">
+            <a:extLst>
+              <a:ext uri="{FF2B5EF4-FFF2-40B4-BE49-F238E27FC236}">
+                <a16:creationId xmlns:a16="http://schemas.microsoft.com/office/drawing/2014/main" id="{0FFFD47C-DBBA-C696-EDC3-903E173F0239}"/>
+              </a:ext>
+            </a:extLst>
+          </p:cNvPr>
+          <p:cNvSpPr>
+            <a:spLocks noGrp="1"/>
+          </p:cNvSpPr>
+          <p:nvPr>
+            <p:ph sz="half" idx="1"/>
+          </p:nvPr>
+        </p:nvSpPr>
+        <p:spPr>
+          <a:xfrm>
+            <a:off x="838200" y="1825625"/>
+            <a:ext cx="5181600" cy="4351338"/>
+          </a:xfrm>
+        </p:spPr>
+        <p:txBody>
+          <a:bodyPr/>
+          <a:lstStyle/>
+          <a:p>
+            <a:pPr lvl="0"/>
+            <a:r>
+              <a:rPr lang="sv-SE"/>
+              <a:t>Klicka här för att ändra format på bakgrundstexten</a:t>
+            </a:r>
+          </a:p>
+          <a:p>
+            <a:pPr lvl="1"/>
+            <a:r>
+              <a:rPr lang="sv-SE"/>
+              <a:t>Nivå två</a:t>
+            </a:r>
+          </a:p>
+          <a:p>
+            <a:pPr lvl="2"/>
+            <a:r>
+              <a:rPr lang="sv-SE"/>
+              <a:t>Nivå tre</a:t>
+            </a:r>
+          </a:p>
+          <a:p>
+            <a:pPr lvl="3"/>
+            <a:r>
+              <a:rPr lang="sv-SE"/>
+              <a:t>Nivå fyra</a:t>
+            </a:r>
+          </a:p>
+          <a:p>
+            <a:pPr lvl="4"/>
+            <a:r>
+              <a:rPr lang="sv-SE"/>
+              <a:t>Nivå fem</a:t>
+            </a:r>
+          </a:p>
+        </p:txBody>
+      </p:sp>
+      <p:sp>
+        <p:nvSpPr>
+          <p:cNvPr id="4" name="Platshållare för innehåll 3">
+            <a:extLst>
+              <a:ext uri="{FF2B5EF4-FFF2-40B4-BE49-F238E27FC236}">
+                <a16:creationId xmlns:a16="http://schemas.microsoft.com/office/drawing/2014/main" id="{ABB67142-6563-6166-1A86-07C5F7ED4187}"/>
+              </a:ext>
+            </a:extLst>
+          </p:cNvPr>
+          <p:cNvSpPr>
+            <a:spLocks noGrp="1"/>
+          </p:cNvSpPr>
+          <p:nvPr>
+            <p:ph sz="half" idx="2"/>
+          </p:nvPr>
+        </p:nvSpPr>
+        <p:spPr>
+          <a:xfrm>
+            <a:off x="6172200" y="1825625"/>
+            <a:ext cx="5181600" cy="4351338"/>
+          </a:xfrm>
+        </p:spPr>
+        <p:txBody>
+          <a:bodyPr/>
+          <a:lstStyle/>
+          <a:p>
+            <a:pPr lvl="0"/>
+            <a:r>
+              <a:rPr lang="sv-SE"/>
+              <a:t>Klicka här för att ändra format på bakgrundstexten</a:t>
+            </a:r>
+          </a:p>
+          <a:p>
+            <a:pPr lvl="1"/>
+            <a:r>
+              <a:rPr lang="sv-SE"/>
+              <a:t>Nivå två</a:t>
+            </a:r>
+          </a:p>
+          <a:p>
+            <a:pPr lvl="2"/>
+            <a:r>
+              <a:rPr lang="sv-SE"/>
+              <a:t>Nivå tre</a:t>
+            </a:r>
+          </a:p>
+          <a:p>
+            <a:pPr lvl="3"/>
+            <a:r>
+              <a:rPr lang="sv-SE"/>
+              <a:t>Nivå fyra</a:t>
+            </a:r>
+          </a:p>
+          <a:p>
+            <a:pPr lvl="4"/>
+            <a:r>
+              <a:rPr lang="sv-SE"/>
+              <a:t>Nivå fem</a:t>
+            </a:r>
+          </a:p>
+        </p:txBody>
+      </p:sp>
+      <p:sp>
+        <p:nvSpPr>
+          <p:cNvPr id="5" name="Platshållare för datum 4">
+            <a:extLst>
+              <a:ext uri="{FF2B5EF4-FFF2-40B4-BE49-F238E27FC236}">
+                <a16:creationId xmlns:a16="http://schemas.microsoft.com/office/drawing/2014/main" id="{5C6E62CC-77E1-1AAF-961C-E299820DC5FE}"/>
+              </a:ext>
+            </a:extLst>
+          </p:cNvPr>
+          <p:cNvSpPr>
+            <a:spLocks noGrp="1"/>
+          </p:cNvSpPr>
+          <p:nvPr>
+            <p:ph type="dt" sz="half" idx="10"/>
+          </p:nvPr>
+        </p:nvSpPr>
+        <p:spPr/>
+        <p:txBody>
+          <a:bodyPr/>
+          <a:lstStyle/>
+          <a:p>
+            <a:fld id="{4617FB60-BF3C-4081-9AB7-A4E16EDB9E9D}" type="datetimeFigureOut">
+              <a:rPr lang="sv-SE" smtClean="0"/>
+              <a:t>2024-09-07</a:t>
+            </a:fld>
+            <a:endParaRPr lang="sv-SE"/>
+          </a:p>
+        </p:txBody>
+      </p:sp>
+      <p:sp>
+        <p:nvSpPr>
+          <p:cNvPr id="6" name="Platshållare för sidfot 5">
+            <a:extLst>
+              <a:ext uri="{FF2B5EF4-FFF2-40B4-BE49-F238E27FC236}">
+                <a16:creationId xmlns:a16="http://schemas.microsoft.com/office/drawing/2014/main" id="{54BB5857-01B6-0C30-D064-A1BE5C4B5ACE}"/>
+              </a:ext>
+            </a:extLst>
+          </p:cNvPr>
+          <p:cNvSpPr>
+            <a:spLocks noGrp="1"/>
+          </p:cNvSpPr>
+          <p:nvPr>
+            <p:ph type="ftr" sz="quarter" idx="11"/>
+          </p:nvPr>
+        </p:nvSpPr>
+        <p:spPr/>
+        <p:txBody>
+          <a:bodyPr/>
+          <a:lstStyle/>
+          <a:p>
+            <a:endParaRPr lang="sv-SE"/>
+          </a:p>
+        </p:txBody>
+      </p:sp>
+      <p:sp>
+        <p:nvSpPr>
+          <p:cNvPr id="7" name="Platshållare för bildnummer 6">
+            <a:extLst>
+              <a:ext uri="{FF2B5EF4-FFF2-40B4-BE49-F238E27FC236}">
+                <a16:creationId xmlns:a16="http://schemas.microsoft.com/office/drawing/2014/main" id="{B6C1C410-DB3E-D9E6-2D23-4E225596F30F}"/>
+              </a:ext>
+            </a:extLst>
+          </p:cNvPr>
+          <p:cNvSpPr>
+            <a:spLocks noGrp="1"/>
+          </p:cNvSpPr>
+          <p:nvPr>
+            <p:ph type="sldNum" sz="quarter" idx="12"/>
+          </p:nvPr>
+        </p:nvSpPr>
+        <p:spPr/>
+        <p:txBody>
+          <a:bodyPr/>
+          <a:lstStyle/>
+          <a:p>
+            <a:fld id="{35855755-DE42-431D-889F-A55AD89DA05D}" type="slidenum">
+              <a:rPr lang="sv-SE" smtClean="0"/>
+              <a:t>‹#›</a:t>
+            </a:fld>
+            <a:endParaRPr lang="sv-SE"/>
+          </a:p>
+        </p:txBody>
+      </p:sp>
+    </p:spTree>
+    <p:extLst>
+      <p:ext uri="{BB962C8B-B14F-4D97-AF65-F5344CB8AC3E}">
+        <p14:creationId xmlns:p14="http://schemas.microsoft.com/office/powerpoint/2010/main" val="973371386"/>
+      </p:ext>
+    </p:extLst>
+  </p:cSld>
+  <p:clrMapOvr>
+    <a:masterClrMapping/>
+  </p:clrMapOvr>
+</p:sldLayout>
+</file>
+
+<file path=ppt/slideLayouts/slideLayout16.xml><?xml version="1.0" encoding="utf-8"?>
+<p:sldLayout xmlns:a="http://schemas.openxmlformats.org/drawingml/2006/main" xmlns:r="http://schemas.openxmlformats.org/officeDocument/2006/relationships" xmlns:p="http://schemas.openxmlformats.org/presentationml/2006/main" type="twoTxTwoObj" preserve="1">
+  <p:cSld name="Jämförelse">
+    <p:spTree>
+      <p:nvGrpSpPr>
+        <p:cNvPr id="1" name=""/>
+        <p:cNvGrpSpPr/>
+        <p:nvPr/>
+      </p:nvGrpSpPr>
+      <p:grpSpPr>
+        <a:xfrm>
+          <a:off x="0" y="0"/>
+          <a:ext cx="0" cy="0"/>
+          <a:chOff x="0" y="0"/>
+          <a:chExt cx="0" cy="0"/>
+        </a:xfrm>
+      </p:grpSpPr>
+      <p:sp>
+        <p:nvSpPr>
+          <p:cNvPr id="2" name="Rubrik 1">
+            <a:extLst>
+              <a:ext uri="{FF2B5EF4-FFF2-40B4-BE49-F238E27FC236}">
+                <a16:creationId xmlns:a16="http://schemas.microsoft.com/office/drawing/2014/main" id="{DB717EE5-DCF7-E6F8-717A-75786E247CBA}"/>
+              </a:ext>
+            </a:extLst>
+          </p:cNvPr>
+          <p:cNvSpPr>
+            <a:spLocks noGrp="1"/>
+          </p:cNvSpPr>
+          <p:nvPr>
+            <p:ph type="title"/>
+          </p:nvPr>
+        </p:nvSpPr>
+        <p:spPr>
+          <a:xfrm>
+            <a:off x="839788" y="365125"/>
+            <a:ext cx="10515600" cy="1325563"/>
+          </a:xfrm>
+        </p:spPr>
+        <p:txBody>
+          <a:bodyPr/>
+          <a:lstStyle/>
+          <a:p>
+            <a:r>
+              <a:rPr lang="sv-SE"/>
+              <a:t>Klicka här för att ändra mall för rubrikformat</a:t>
+            </a:r>
+          </a:p>
+        </p:txBody>
+      </p:sp>
+      <p:sp>
+        <p:nvSpPr>
+          <p:cNvPr id="3" name="Platshållare för text 2">
+            <a:extLst>
+              <a:ext uri="{FF2B5EF4-FFF2-40B4-BE49-F238E27FC236}">
+                <a16:creationId xmlns:a16="http://schemas.microsoft.com/office/drawing/2014/main" id="{6BDA7E72-0A20-E116-3084-7FF472483C84}"/>
+              </a:ext>
+            </a:extLst>
+          </p:cNvPr>
+          <p:cNvSpPr>
+            <a:spLocks noGrp="1"/>
+          </p:cNvSpPr>
+          <p:nvPr>
+            <p:ph type="body" idx="1"/>
+          </p:nvPr>
+        </p:nvSpPr>
+        <p:spPr>
+          <a:xfrm>
+            <a:off x="839788" y="1681163"/>
+            <a:ext cx="5157787" cy="823912"/>
+          </a:xfrm>
+        </p:spPr>
+        <p:txBody>
+          <a:bodyPr anchor="b"/>
+          <a:lstStyle>
+            <a:lvl1pPr marL="0" indent="0">
+              <a:buNone/>
+              <a:defRPr sz="2400" b="1"/>
+            </a:lvl1pPr>
+            <a:lvl2pPr marL="457200" indent="0">
+              <a:buNone/>
+              <a:defRPr sz="2000" b="1"/>
+            </a:lvl2pPr>
+            <a:lvl3pPr marL="914400" indent="0">
+              <a:buNone/>
+              <a:defRPr sz="1800" b="1"/>
+            </a:lvl3pPr>
+            <a:lvl4pPr marL="1371600" indent="0">
+              <a:buNone/>
+              <a:defRPr sz="1600" b="1"/>
+            </a:lvl4pPr>
+            <a:lvl5pPr marL="1828800" indent="0">
+              <a:buNone/>
+              <a:defRPr sz="1600" b="1"/>
+            </a:lvl5pPr>
+            <a:lvl6pPr marL="2286000" indent="0">
+              <a:buNone/>
+              <a:defRPr sz="1600" b="1"/>
+            </a:lvl6pPr>
+            <a:lvl7pPr marL="2743200" indent="0">
+              <a:buNone/>
+              <a:defRPr sz="1600" b="1"/>
+            </a:lvl7pPr>
+            <a:lvl8pPr marL="3200400" indent="0">
+              <a:buNone/>
+              <a:defRPr sz="1600" b="1"/>
+            </a:lvl8pPr>
+            <a:lvl9pPr marL="3657600" indent="0">
+              <a:buNone/>
+              <a:defRPr sz="1600" b="1"/>
+            </a:lvl9pPr>
+          </a:lstStyle>
+          <a:p>
+            <a:pPr lvl="0"/>
+            <a:r>
+              <a:rPr lang="sv-SE"/>
+              <a:t>Klicka här för att ändra format på bakgrundstexten</a:t>
+            </a:r>
+          </a:p>
+        </p:txBody>
+      </p:sp>
+      <p:sp>
+        <p:nvSpPr>
+          <p:cNvPr id="4" name="Platshållare för innehåll 3">
+            <a:extLst>
+              <a:ext uri="{FF2B5EF4-FFF2-40B4-BE49-F238E27FC236}">
+                <a16:creationId xmlns:a16="http://schemas.microsoft.com/office/drawing/2014/main" id="{6B12EBD6-6362-DD1C-7308-4F1EC1075764}"/>
+              </a:ext>
+            </a:extLst>
+          </p:cNvPr>
+          <p:cNvSpPr>
+            <a:spLocks noGrp="1"/>
+          </p:cNvSpPr>
+          <p:nvPr>
+            <p:ph sz="half" idx="2"/>
+          </p:nvPr>
+        </p:nvSpPr>
+        <p:spPr>
+          <a:xfrm>
+            <a:off x="839788" y="2505075"/>
+            <a:ext cx="5157787" cy="3684588"/>
+          </a:xfrm>
+        </p:spPr>
+        <p:txBody>
+          <a:bodyPr/>
+          <a:lstStyle/>
+          <a:p>
+            <a:pPr lvl="0"/>
+            <a:r>
+              <a:rPr lang="sv-SE"/>
+              <a:t>Klicka här för att ändra format på bakgrundstexten</a:t>
+            </a:r>
+          </a:p>
+          <a:p>
+            <a:pPr lvl="1"/>
+            <a:r>
+              <a:rPr lang="sv-SE"/>
+              <a:t>Nivå två</a:t>
+            </a:r>
+          </a:p>
+          <a:p>
+            <a:pPr lvl="2"/>
+            <a:r>
+              <a:rPr lang="sv-SE"/>
+              <a:t>Nivå tre</a:t>
+            </a:r>
+          </a:p>
+          <a:p>
+            <a:pPr lvl="3"/>
+            <a:r>
+              <a:rPr lang="sv-SE"/>
+              <a:t>Nivå fyra</a:t>
+            </a:r>
+          </a:p>
+          <a:p>
+            <a:pPr lvl="4"/>
+            <a:r>
+              <a:rPr lang="sv-SE"/>
+              <a:t>Nivå fem</a:t>
+            </a:r>
+          </a:p>
+        </p:txBody>
+      </p:sp>
+      <p:sp>
+        <p:nvSpPr>
+          <p:cNvPr id="5" name="Platshållare för text 4">
+            <a:extLst>
+              <a:ext uri="{FF2B5EF4-FFF2-40B4-BE49-F238E27FC236}">
+                <a16:creationId xmlns:a16="http://schemas.microsoft.com/office/drawing/2014/main" id="{E4B8DE60-1CA3-ACFD-A5AE-10C7AF46D21B}"/>
+              </a:ext>
+            </a:extLst>
+          </p:cNvPr>
+          <p:cNvSpPr>
+            <a:spLocks noGrp="1"/>
+          </p:cNvSpPr>
+          <p:nvPr>
+            <p:ph type="body" sz="quarter" idx="3"/>
+          </p:nvPr>
+        </p:nvSpPr>
+        <p:spPr>
+          <a:xfrm>
+            <a:off x="6172200" y="1681163"/>
+            <a:ext cx="5183188" cy="823912"/>
+          </a:xfrm>
+        </p:spPr>
+        <p:txBody>
+          <a:bodyPr anchor="b"/>
+          <a:lstStyle>
+            <a:lvl1pPr marL="0" indent="0">
+              <a:buNone/>
+              <a:defRPr sz="2400" b="1"/>
+            </a:lvl1pPr>
+            <a:lvl2pPr marL="457200" indent="0">
+              <a:buNone/>
+              <a:defRPr sz="2000" b="1"/>
+            </a:lvl2pPr>
+            <a:lvl3pPr marL="914400" indent="0">
+              <a:buNone/>
+              <a:defRPr sz="1800" b="1"/>
+            </a:lvl3pPr>
+            <a:lvl4pPr marL="1371600" indent="0">
+              <a:buNone/>
+              <a:defRPr sz="1600" b="1"/>
+            </a:lvl4pPr>
+            <a:lvl5pPr marL="1828800" indent="0">
+              <a:buNone/>
+              <a:defRPr sz="1600" b="1"/>
+            </a:lvl5pPr>
+            <a:lvl6pPr marL="2286000" indent="0">
+              <a:buNone/>
+              <a:defRPr sz="1600" b="1"/>
+            </a:lvl6pPr>
+            <a:lvl7pPr marL="2743200" indent="0">
+              <a:buNone/>
+              <a:defRPr sz="1600" b="1"/>
+            </a:lvl7pPr>
+            <a:lvl8pPr marL="3200400" indent="0">
+              <a:buNone/>
+              <a:defRPr sz="1600" b="1"/>
+            </a:lvl8pPr>
+            <a:lvl9pPr marL="3657600" indent="0">
+              <a:buNone/>
+              <a:defRPr sz="1600" b="1"/>
+            </a:lvl9pPr>
+          </a:lstStyle>
+          <a:p>
+            <a:pPr lvl="0"/>
+            <a:r>
+              <a:rPr lang="sv-SE"/>
+              <a:t>Klicka här för att ändra format på bakgrundstexten</a:t>
+            </a:r>
+          </a:p>
+        </p:txBody>
+      </p:sp>
+      <p:sp>
+        <p:nvSpPr>
+          <p:cNvPr id="6" name="Platshållare för innehåll 5">
+            <a:extLst>
+              <a:ext uri="{FF2B5EF4-FFF2-40B4-BE49-F238E27FC236}">
+                <a16:creationId xmlns:a16="http://schemas.microsoft.com/office/drawing/2014/main" id="{697CDA45-0419-5273-3B74-E7C105C21E9D}"/>
+              </a:ext>
+            </a:extLst>
+          </p:cNvPr>
+          <p:cNvSpPr>
+            <a:spLocks noGrp="1"/>
+          </p:cNvSpPr>
+          <p:nvPr>
+            <p:ph sz="quarter" idx="4"/>
+          </p:nvPr>
+        </p:nvSpPr>
+        <p:spPr>
+          <a:xfrm>
+            <a:off x="6172200" y="2505075"/>
+            <a:ext cx="5183188" cy="3684588"/>
+          </a:xfrm>
+        </p:spPr>
+        <p:txBody>
+          <a:bodyPr/>
+          <a:lstStyle/>
+          <a:p>
+            <a:pPr lvl="0"/>
+            <a:r>
+              <a:rPr lang="sv-SE"/>
+              <a:t>Klicka här för att ändra format på bakgrundstexten</a:t>
+            </a:r>
+          </a:p>
+          <a:p>
+            <a:pPr lvl="1"/>
+            <a:r>
+              <a:rPr lang="sv-SE"/>
+              <a:t>Nivå två</a:t>
+            </a:r>
+          </a:p>
+          <a:p>
+            <a:pPr lvl="2"/>
+            <a:r>
+              <a:rPr lang="sv-SE"/>
+              <a:t>Nivå tre</a:t>
+            </a:r>
+          </a:p>
+          <a:p>
+            <a:pPr lvl="3"/>
+            <a:r>
+              <a:rPr lang="sv-SE"/>
+              <a:t>Nivå fyra</a:t>
+            </a:r>
+          </a:p>
+          <a:p>
+            <a:pPr lvl="4"/>
+            <a:r>
+              <a:rPr lang="sv-SE"/>
+              <a:t>Nivå fem</a:t>
+            </a:r>
+          </a:p>
+        </p:txBody>
+      </p:sp>
+      <p:sp>
+        <p:nvSpPr>
+          <p:cNvPr id="7" name="Platshållare för datum 6">
+            <a:extLst>
+              <a:ext uri="{FF2B5EF4-FFF2-40B4-BE49-F238E27FC236}">
+                <a16:creationId xmlns:a16="http://schemas.microsoft.com/office/drawing/2014/main" id="{F9602FBE-A3DE-91A3-9244-F5ACD8BB5C7D}"/>
+              </a:ext>
+            </a:extLst>
+          </p:cNvPr>
+          <p:cNvSpPr>
+            <a:spLocks noGrp="1"/>
+          </p:cNvSpPr>
+          <p:nvPr>
+            <p:ph type="dt" sz="half" idx="10"/>
+          </p:nvPr>
+        </p:nvSpPr>
+        <p:spPr/>
+        <p:txBody>
+          <a:bodyPr/>
+          <a:lstStyle/>
+          <a:p>
+            <a:fld id="{4617FB60-BF3C-4081-9AB7-A4E16EDB9E9D}" type="datetimeFigureOut">
+              <a:rPr lang="sv-SE" smtClean="0"/>
+              <a:t>2024-09-07</a:t>
+            </a:fld>
+            <a:endParaRPr lang="sv-SE"/>
+          </a:p>
+        </p:txBody>
+      </p:sp>
+      <p:sp>
+        <p:nvSpPr>
+          <p:cNvPr id="8" name="Platshållare för sidfot 7">
+            <a:extLst>
+              <a:ext uri="{FF2B5EF4-FFF2-40B4-BE49-F238E27FC236}">
+                <a16:creationId xmlns:a16="http://schemas.microsoft.com/office/drawing/2014/main" id="{3FEB56B8-F1EA-1F7D-5380-5B4BED688308}"/>
+              </a:ext>
+            </a:extLst>
+          </p:cNvPr>
+          <p:cNvSpPr>
+            <a:spLocks noGrp="1"/>
+          </p:cNvSpPr>
+          <p:nvPr>
+            <p:ph type="ftr" sz="quarter" idx="11"/>
+          </p:nvPr>
+        </p:nvSpPr>
+        <p:spPr/>
+        <p:txBody>
+          <a:bodyPr/>
+          <a:lstStyle/>
+          <a:p>
+            <a:endParaRPr lang="sv-SE"/>
+          </a:p>
+        </p:txBody>
+      </p:sp>
+      <p:sp>
+        <p:nvSpPr>
+          <p:cNvPr id="9" name="Platshållare för bildnummer 8">
+            <a:extLst>
+              <a:ext uri="{FF2B5EF4-FFF2-40B4-BE49-F238E27FC236}">
+                <a16:creationId xmlns:a16="http://schemas.microsoft.com/office/drawing/2014/main" id="{2AD709DC-8201-1FD9-AB2A-64EAA68FB84A}"/>
+              </a:ext>
+            </a:extLst>
+          </p:cNvPr>
+          <p:cNvSpPr>
+            <a:spLocks noGrp="1"/>
+          </p:cNvSpPr>
+          <p:nvPr>
+            <p:ph type="sldNum" sz="quarter" idx="12"/>
+          </p:nvPr>
+        </p:nvSpPr>
+        <p:spPr/>
+        <p:txBody>
+          <a:bodyPr/>
+          <a:lstStyle/>
+          <a:p>
+            <a:fld id="{35855755-DE42-431D-889F-A55AD89DA05D}" type="slidenum">
+              <a:rPr lang="sv-SE" smtClean="0"/>
+              <a:t>‹#›</a:t>
+            </a:fld>
+            <a:endParaRPr lang="sv-SE"/>
+          </a:p>
+        </p:txBody>
+      </p:sp>
+    </p:spTree>
+    <p:extLst>
+      <p:ext uri="{BB962C8B-B14F-4D97-AF65-F5344CB8AC3E}">
+        <p14:creationId xmlns:p14="http://schemas.microsoft.com/office/powerpoint/2010/main" val="2019069302"/>
+      </p:ext>
+    </p:extLst>
+  </p:cSld>
+  <p:clrMapOvr>
+    <a:masterClrMapping/>
+  </p:clrMapOvr>
+</p:sldLayout>
+</file>
+
+<file path=ppt/slideLayouts/slideLayout17.xml><?xml version="1.0" encoding="utf-8"?>
+<p:sldLayout xmlns:a="http://schemas.openxmlformats.org/drawingml/2006/main" xmlns:r="http://schemas.openxmlformats.org/officeDocument/2006/relationships" xmlns:p="http://schemas.openxmlformats.org/presentationml/2006/main" type="titleOnly" preserve="1">
+  <p:cSld name="Endast rubrik">
+    <p:spTree>
+      <p:nvGrpSpPr>
+        <p:cNvPr id="1" name=""/>
+        <p:cNvGrpSpPr/>
+        <p:nvPr/>
+      </p:nvGrpSpPr>
+      <p:grpSpPr>
+        <a:xfrm>
+          <a:off x="0" y="0"/>
+          <a:ext cx="0" cy="0"/>
+          <a:chOff x="0" y="0"/>
+          <a:chExt cx="0" cy="0"/>
+        </a:xfrm>
+      </p:grpSpPr>
+      <p:sp>
+        <p:nvSpPr>
+          <p:cNvPr id="2" name="Rubrik 1">
+            <a:extLst>
+              <a:ext uri="{FF2B5EF4-FFF2-40B4-BE49-F238E27FC236}">
+                <a16:creationId xmlns:a16="http://schemas.microsoft.com/office/drawing/2014/main" id="{E990354C-0BFA-E43E-F4F1-3D999BD92698}"/>
+              </a:ext>
+            </a:extLst>
+          </p:cNvPr>
+          <p:cNvSpPr>
+            <a:spLocks noGrp="1"/>
+          </p:cNvSpPr>
+          <p:nvPr>
+            <p:ph type="title"/>
+          </p:nvPr>
+        </p:nvSpPr>
+        <p:spPr/>
+        <p:txBody>
+          <a:bodyPr/>
+          <a:lstStyle/>
+          <a:p>
+            <a:r>
+              <a:rPr lang="sv-SE"/>
+              <a:t>Klicka här för att ändra mall för rubrikformat</a:t>
+            </a:r>
+          </a:p>
+        </p:txBody>
+      </p:sp>
+      <p:sp>
+        <p:nvSpPr>
+          <p:cNvPr id="3" name="Platshållare för datum 2">
+            <a:extLst>
+              <a:ext uri="{FF2B5EF4-FFF2-40B4-BE49-F238E27FC236}">
+                <a16:creationId xmlns:a16="http://schemas.microsoft.com/office/drawing/2014/main" id="{F8F25C5D-D569-F9D6-729B-0F438F0A2E47}"/>
+              </a:ext>
+            </a:extLst>
+          </p:cNvPr>
+          <p:cNvSpPr>
+            <a:spLocks noGrp="1"/>
+          </p:cNvSpPr>
+          <p:nvPr>
+            <p:ph type="dt" sz="half" idx="10"/>
+          </p:nvPr>
+        </p:nvSpPr>
+        <p:spPr/>
+        <p:txBody>
+          <a:bodyPr/>
+          <a:lstStyle/>
+          <a:p>
+            <a:fld id="{4617FB60-BF3C-4081-9AB7-A4E16EDB9E9D}" type="datetimeFigureOut">
+              <a:rPr lang="sv-SE" smtClean="0"/>
+              <a:t>2024-09-07</a:t>
+            </a:fld>
+            <a:endParaRPr lang="sv-SE"/>
+          </a:p>
+        </p:txBody>
+      </p:sp>
+      <p:sp>
+        <p:nvSpPr>
+          <p:cNvPr id="4" name="Platshållare för sidfot 3">
+            <a:extLst>
+              <a:ext uri="{FF2B5EF4-FFF2-40B4-BE49-F238E27FC236}">
+                <a16:creationId xmlns:a16="http://schemas.microsoft.com/office/drawing/2014/main" id="{5D66E877-9743-6BF1-B941-CC8FC019CA65}"/>
+              </a:ext>
+            </a:extLst>
+          </p:cNvPr>
+          <p:cNvSpPr>
+            <a:spLocks noGrp="1"/>
+          </p:cNvSpPr>
+          <p:nvPr>
+            <p:ph type="ftr" sz="quarter" idx="11"/>
+          </p:nvPr>
+        </p:nvSpPr>
+        <p:spPr/>
+        <p:txBody>
+          <a:bodyPr/>
+          <a:lstStyle/>
+          <a:p>
+            <a:endParaRPr lang="sv-SE"/>
+          </a:p>
+        </p:txBody>
+      </p:sp>
+      <p:sp>
+        <p:nvSpPr>
+          <p:cNvPr id="5" name="Platshållare för bildnummer 4">
+            <a:extLst>
+              <a:ext uri="{FF2B5EF4-FFF2-40B4-BE49-F238E27FC236}">
+                <a16:creationId xmlns:a16="http://schemas.microsoft.com/office/drawing/2014/main" id="{528F4523-2B5F-F6C6-944B-B6E44518745B}"/>
+              </a:ext>
+            </a:extLst>
+          </p:cNvPr>
+          <p:cNvSpPr>
+            <a:spLocks noGrp="1"/>
+          </p:cNvSpPr>
+          <p:nvPr>
+            <p:ph type="sldNum" sz="quarter" idx="12"/>
+          </p:nvPr>
+        </p:nvSpPr>
+        <p:spPr/>
+        <p:txBody>
+          <a:bodyPr/>
+          <a:lstStyle/>
+          <a:p>
+            <a:fld id="{35855755-DE42-431D-889F-A55AD89DA05D}" type="slidenum">
+              <a:rPr lang="sv-SE" smtClean="0"/>
+              <a:t>‹#›</a:t>
+            </a:fld>
+            <a:endParaRPr lang="sv-SE"/>
+          </a:p>
+        </p:txBody>
+      </p:sp>
+    </p:spTree>
+    <p:extLst>
+      <p:ext uri="{BB962C8B-B14F-4D97-AF65-F5344CB8AC3E}">
+        <p14:creationId xmlns:p14="http://schemas.microsoft.com/office/powerpoint/2010/main" val="1382161068"/>
+      </p:ext>
+    </p:extLst>
+  </p:cSld>
+  <p:clrMapOvr>
+    <a:masterClrMapping/>
+  </p:clrMapOvr>
+</p:sldLayout>
+</file>
+
+<file path=ppt/slideLayouts/slideLayout18.xml><?xml version="1.0" encoding="utf-8"?>
+<p:sldLayout xmlns:a="http://schemas.openxmlformats.org/drawingml/2006/main" xmlns:r="http://schemas.openxmlformats.org/officeDocument/2006/relationships" xmlns:p="http://schemas.openxmlformats.org/presentationml/2006/main" type="blank" preserve="1">
+  <p:cSld name="Tom">
+    <p:spTree>
+      <p:nvGrpSpPr>
+        <p:cNvPr id="1" name=""/>
+        <p:cNvGrpSpPr/>
+        <p:nvPr/>
+      </p:nvGrpSpPr>
+      <p:grpSpPr>
+        <a:xfrm>
+          <a:off x="0" y="0"/>
+          <a:ext cx="0" cy="0"/>
+          <a:chOff x="0" y="0"/>
+          <a:chExt cx="0" cy="0"/>
+        </a:xfrm>
+      </p:grpSpPr>
+      <p:sp>
+        <p:nvSpPr>
+          <p:cNvPr id="2" name="Platshållare för datum 1">
+            <a:extLst>
+              <a:ext uri="{FF2B5EF4-FFF2-40B4-BE49-F238E27FC236}">
+                <a16:creationId xmlns:a16="http://schemas.microsoft.com/office/drawing/2014/main" id="{47E44435-7B9D-92AF-540B-DFC25DB7C1E7}"/>
+              </a:ext>
+            </a:extLst>
+          </p:cNvPr>
+          <p:cNvSpPr>
+            <a:spLocks noGrp="1"/>
+          </p:cNvSpPr>
+          <p:nvPr>
+            <p:ph type="dt" sz="half" idx="10"/>
+          </p:nvPr>
+        </p:nvSpPr>
+        <p:spPr/>
+        <p:txBody>
+          <a:bodyPr/>
+          <a:lstStyle/>
+          <a:p>
+            <a:fld id="{4617FB60-BF3C-4081-9AB7-A4E16EDB9E9D}" type="datetimeFigureOut">
+              <a:rPr lang="sv-SE" smtClean="0"/>
+              <a:t>2024-09-07</a:t>
+            </a:fld>
+            <a:endParaRPr lang="sv-SE"/>
+          </a:p>
+        </p:txBody>
+      </p:sp>
+      <p:sp>
+        <p:nvSpPr>
+          <p:cNvPr id="3" name="Platshållare för sidfot 2">
+            <a:extLst>
+              <a:ext uri="{FF2B5EF4-FFF2-40B4-BE49-F238E27FC236}">
+                <a16:creationId xmlns:a16="http://schemas.microsoft.com/office/drawing/2014/main" id="{C2D619BC-80F6-0B93-AE02-521AC667DF43}"/>
+              </a:ext>
+            </a:extLst>
+          </p:cNvPr>
+          <p:cNvSpPr>
+            <a:spLocks noGrp="1"/>
+          </p:cNvSpPr>
+          <p:nvPr>
+            <p:ph type="ftr" sz="quarter" idx="11"/>
+          </p:nvPr>
+        </p:nvSpPr>
+        <p:spPr/>
+        <p:txBody>
+          <a:bodyPr/>
+          <a:lstStyle/>
+          <a:p>
+            <a:endParaRPr lang="sv-SE"/>
+          </a:p>
+        </p:txBody>
+      </p:sp>
+      <p:sp>
+        <p:nvSpPr>
+          <p:cNvPr id="4" name="Platshållare för bildnummer 3">
+            <a:extLst>
+              <a:ext uri="{FF2B5EF4-FFF2-40B4-BE49-F238E27FC236}">
+                <a16:creationId xmlns:a16="http://schemas.microsoft.com/office/drawing/2014/main" id="{17A19141-7B28-A91F-E0F2-721C2B0B2D78}"/>
+              </a:ext>
+            </a:extLst>
+          </p:cNvPr>
+          <p:cNvSpPr>
+            <a:spLocks noGrp="1"/>
+          </p:cNvSpPr>
+          <p:nvPr>
+            <p:ph type="sldNum" sz="quarter" idx="12"/>
+          </p:nvPr>
+        </p:nvSpPr>
+        <p:spPr/>
+        <p:txBody>
+          <a:bodyPr/>
+          <a:lstStyle/>
+          <a:p>
+            <a:fld id="{35855755-DE42-431D-889F-A55AD89DA05D}" type="slidenum">
+              <a:rPr lang="sv-SE" smtClean="0"/>
+              <a:t>‹#›</a:t>
+            </a:fld>
+            <a:endParaRPr lang="sv-SE"/>
+          </a:p>
+        </p:txBody>
+      </p:sp>
+    </p:spTree>
+    <p:extLst>
+      <p:ext uri="{BB962C8B-B14F-4D97-AF65-F5344CB8AC3E}">
+        <p14:creationId xmlns:p14="http://schemas.microsoft.com/office/powerpoint/2010/main" val="1043028949"/>
+      </p:ext>
+    </p:extLst>
+  </p:cSld>
+  <p:clrMapOvr>
+    <a:masterClrMapping/>
+  </p:clrMapOvr>
+</p:sldLayout>
+</file>
+
+<file path=ppt/slideLayouts/slideLayout19.xml><?xml version="1.0" encoding="utf-8"?>
+<p:sldLayout xmlns:a="http://schemas.openxmlformats.org/drawingml/2006/main" xmlns:r="http://schemas.openxmlformats.org/officeDocument/2006/relationships" xmlns:p="http://schemas.openxmlformats.org/presentationml/2006/main" type="objTx" preserve="1">
+  <p:cSld name="Text med bildtext">
+    <p:spTree>
+      <p:nvGrpSpPr>
+        <p:cNvPr id="1" name=""/>
+        <p:cNvGrpSpPr/>
+        <p:nvPr/>
+      </p:nvGrpSpPr>
+      <p:grpSpPr>
+        <a:xfrm>
+          <a:off x="0" y="0"/>
+          <a:ext cx="0" cy="0"/>
+          <a:chOff x="0" y="0"/>
+          <a:chExt cx="0" cy="0"/>
+        </a:xfrm>
+      </p:grpSpPr>
+      <p:sp>
+        <p:nvSpPr>
+          <p:cNvPr id="2" name="Rubrik 1">
+            <a:extLst>
+              <a:ext uri="{FF2B5EF4-FFF2-40B4-BE49-F238E27FC236}">
+                <a16:creationId xmlns:a16="http://schemas.microsoft.com/office/drawing/2014/main" id="{BD0A5C3D-F3DE-D632-FE6E-AA2C97F5D798}"/>
+              </a:ext>
+            </a:extLst>
+          </p:cNvPr>
+          <p:cNvSpPr>
+            <a:spLocks noGrp="1"/>
+          </p:cNvSpPr>
+          <p:nvPr>
+            <p:ph type="title"/>
+          </p:nvPr>
+        </p:nvSpPr>
+        <p:spPr>
+          <a:xfrm>
+            <a:off x="839788" y="457200"/>
+            <a:ext cx="3932237" cy="1600200"/>
+          </a:xfrm>
+        </p:spPr>
+        <p:txBody>
+          <a:bodyPr anchor="b"/>
+          <a:lstStyle>
+            <a:lvl1pPr>
+              <a:defRPr sz="3200"/>
+            </a:lvl1pPr>
+          </a:lstStyle>
+          <a:p>
+            <a:r>
+              <a:rPr lang="sv-SE"/>
+              <a:t>Klicka här för att ändra mall för rubrikformat</a:t>
+            </a:r>
+          </a:p>
+        </p:txBody>
+      </p:sp>
+      <p:sp>
+        <p:nvSpPr>
+          <p:cNvPr id="3" name="Platshållare för innehåll 2">
+            <a:extLst>
+              <a:ext uri="{FF2B5EF4-FFF2-40B4-BE49-F238E27FC236}">
+                <a16:creationId xmlns:a16="http://schemas.microsoft.com/office/drawing/2014/main" id="{80D88D97-3BAF-CCEF-20DA-09623CB119A8}"/>
+              </a:ext>
+            </a:extLst>
+          </p:cNvPr>
+          <p:cNvSpPr>
+            <a:spLocks noGrp="1"/>
+          </p:cNvSpPr>
+          <p:nvPr>
+            <p:ph idx="1"/>
+          </p:nvPr>
+        </p:nvSpPr>
+        <p:spPr>
+          <a:xfrm>
+            <a:off x="5183188" y="987425"/>
+            <a:ext cx="6172200" cy="4873625"/>
+          </a:xfrm>
+        </p:spPr>
+        <p:txBody>
+          <a:bodyPr/>
+          <a:lstStyle>
+            <a:lvl1pPr>
+              <a:defRPr sz="3200"/>
+            </a:lvl1pPr>
+            <a:lvl2pPr>
+              <a:defRPr sz="2800"/>
+            </a:lvl2pPr>
+            <a:lvl3pPr>
+              <a:defRPr sz="2400"/>
+            </a:lvl3pPr>
+            <a:lvl4pPr>
+              <a:defRPr sz="2000"/>
+            </a:lvl4pPr>
+            <a:lvl5pPr>
+              <a:defRPr sz="2000"/>
+            </a:lvl5pPr>
+            <a:lvl6pPr>
+              <a:defRPr sz="2000"/>
+            </a:lvl6pPr>
+            <a:lvl7pPr>
+              <a:defRPr sz="2000"/>
+            </a:lvl7pPr>
+            <a:lvl8pPr>
+              <a:defRPr sz="2000"/>
+            </a:lvl8pPr>
+            <a:lvl9pPr>
+              <a:defRPr sz="2000"/>
+            </a:lvl9pPr>
+          </a:lstStyle>
+          <a:p>
+            <a:pPr lvl="0"/>
+            <a:r>
+              <a:rPr lang="sv-SE"/>
+              <a:t>Klicka här för att ändra format på bakgrundstexten</a:t>
+            </a:r>
+          </a:p>
+          <a:p>
+            <a:pPr lvl="1"/>
+            <a:r>
+              <a:rPr lang="sv-SE"/>
+              <a:t>Nivå två</a:t>
+            </a:r>
+          </a:p>
+          <a:p>
+            <a:pPr lvl="2"/>
+            <a:r>
+              <a:rPr lang="sv-SE"/>
+              <a:t>Nivå tre</a:t>
+            </a:r>
+          </a:p>
+          <a:p>
+            <a:pPr lvl="3"/>
+            <a:r>
+              <a:rPr lang="sv-SE"/>
+              <a:t>Nivå fyra</a:t>
+            </a:r>
+          </a:p>
+          <a:p>
+            <a:pPr lvl="4"/>
+            <a:r>
+              <a:rPr lang="sv-SE"/>
+              <a:t>Nivå fem</a:t>
+            </a:r>
+          </a:p>
+        </p:txBody>
+      </p:sp>
+      <p:sp>
+        <p:nvSpPr>
+          <p:cNvPr id="4" name="Platshållare för text 3">
+            <a:extLst>
+              <a:ext uri="{FF2B5EF4-FFF2-40B4-BE49-F238E27FC236}">
+                <a16:creationId xmlns:a16="http://schemas.microsoft.com/office/drawing/2014/main" id="{9D540503-2F21-9662-0F03-8C85B4DAB3AF}"/>
+              </a:ext>
+            </a:extLst>
+          </p:cNvPr>
+          <p:cNvSpPr>
+            <a:spLocks noGrp="1"/>
+          </p:cNvSpPr>
+          <p:nvPr>
+            <p:ph type="body" sz="half" idx="2"/>
+          </p:nvPr>
+        </p:nvSpPr>
+        <p:spPr>
+          <a:xfrm>
+            <a:off x="839788" y="2057400"/>
+            <a:ext cx="3932237" cy="3811588"/>
+          </a:xfrm>
+        </p:spPr>
+        <p:txBody>
+          <a:bodyPr/>
+          <a:lstStyle>
+            <a:lvl1pPr marL="0" indent="0">
+              <a:buNone/>
+              <a:defRPr sz="1600"/>
+            </a:lvl1pPr>
+            <a:lvl2pPr marL="457200" indent="0">
+              <a:buNone/>
+              <a:defRPr sz="1400"/>
+            </a:lvl2pPr>
+            <a:lvl3pPr marL="914400" indent="0">
+              <a:buNone/>
+              <a:defRPr sz="1200"/>
+            </a:lvl3pPr>
+            <a:lvl4pPr marL="1371600" indent="0">
+              <a:buNone/>
+              <a:defRPr sz="1000"/>
+            </a:lvl4pPr>
+            <a:lvl5pPr marL="1828800" indent="0">
+              <a:buNone/>
+              <a:defRPr sz="1000"/>
+            </a:lvl5pPr>
+            <a:lvl6pPr marL="2286000" indent="0">
+              <a:buNone/>
+              <a:defRPr sz="1000"/>
+            </a:lvl6pPr>
+            <a:lvl7pPr marL="2743200" indent="0">
+              <a:buNone/>
+              <a:defRPr sz="1000"/>
+            </a:lvl7pPr>
+            <a:lvl8pPr marL="3200400" indent="0">
+              <a:buNone/>
+              <a:defRPr sz="1000"/>
+            </a:lvl8pPr>
+            <a:lvl9pPr marL="3657600" indent="0">
+              <a:buNone/>
+              <a:defRPr sz="1000"/>
+            </a:lvl9pPr>
+          </a:lstStyle>
+          <a:p>
+            <a:pPr lvl="0"/>
+            <a:r>
+              <a:rPr lang="sv-SE"/>
+              <a:t>Klicka här för att ändra format på bakgrundstexten</a:t>
+            </a:r>
+          </a:p>
+        </p:txBody>
+      </p:sp>
+      <p:sp>
+        <p:nvSpPr>
+          <p:cNvPr id="5" name="Platshållare för datum 4">
+            <a:extLst>
+              <a:ext uri="{FF2B5EF4-FFF2-40B4-BE49-F238E27FC236}">
+                <a16:creationId xmlns:a16="http://schemas.microsoft.com/office/drawing/2014/main" id="{AB659DB2-0CF8-7E7D-61BB-8F6697BD1C11}"/>
+              </a:ext>
+            </a:extLst>
+          </p:cNvPr>
+          <p:cNvSpPr>
+            <a:spLocks noGrp="1"/>
+          </p:cNvSpPr>
+          <p:nvPr>
+            <p:ph type="dt" sz="half" idx="10"/>
+          </p:nvPr>
+        </p:nvSpPr>
+        <p:spPr/>
+        <p:txBody>
+          <a:bodyPr/>
+          <a:lstStyle/>
+          <a:p>
+            <a:fld id="{4617FB60-BF3C-4081-9AB7-A4E16EDB9E9D}" type="datetimeFigureOut">
+              <a:rPr lang="sv-SE" smtClean="0"/>
+              <a:t>2024-09-07</a:t>
+            </a:fld>
+            <a:endParaRPr lang="sv-SE"/>
+          </a:p>
+        </p:txBody>
+      </p:sp>
+      <p:sp>
+        <p:nvSpPr>
+          <p:cNvPr id="6" name="Platshållare för sidfot 5">
+            <a:extLst>
+              <a:ext uri="{FF2B5EF4-FFF2-40B4-BE49-F238E27FC236}">
+                <a16:creationId xmlns:a16="http://schemas.microsoft.com/office/drawing/2014/main" id="{6480EB28-7284-89B9-05F4-2A0F49ADF07B}"/>
+              </a:ext>
+            </a:extLst>
+          </p:cNvPr>
+          <p:cNvSpPr>
+            <a:spLocks noGrp="1"/>
+          </p:cNvSpPr>
+          <p:nvPr>
+            <p:ph type="ftr" sz="quarter" idx="11"/>
+          </p:nvPr>
+        </p:nvSpPr>
+        <p:spPr/>
+        <p:txBody>
+          <a:bodyPr/>
+          <a:lstStyle/>
+          <a:p>
+            <a:endParaRPr lang="sv-SE"/>
+          </a:p>
+        </p:txBody>
+      </p:sp>
+      <p:sp>
+        <p:nvSpPr>
+          <p:cNvPr id="7" name="Platshållare för bildnummer 6">
+            <a:extLst>
+              <a:ext uri="{FF2B5EF4-FFF2-40B4-BE49-F238E27FC236}">
+                <a16:creationId xmlns:a16="http://schemas.microsoft.com/office/drawing/2014/main" id="{A55CC8C1-23D1-5DEA-E42F-364BD20CA71C}"/>
+              </a:ext>
+            </a:extLst>
+          </p:cNvPr>
+          <p:cNvSpPr>
+            <a:spLocks noGrp="1"/>
+          </p:cNvSpPr>
+          <p:nvPr>
+            <p:ph type="sldNum" sz="quarter" idx="12"/>
+          </p:nvPr>
+        </p:nvSpPr>
+        <p:spPr/>
+        <p:txBody>
+          <a:bodyPr/>
+          <a:lstStyle/>
+          <a:p>
+            <a:fld id="{35855755-DE42-431D-889F-A55AD89DA05D}" type="slidenum">
+              <a:rPr lang="sv-SE" smtClean="0"/>
+              <a:t>‹#›</a:t>
+            </a:fld>
+            <a:endParaRPr lang="sv-SE"/>
+          </a:p>
+        </p:txBody>
+      </p:sp>
+    </p:spTree>
+    <p:extLst>
+      <p:ext uri="{BB962C8B-B14F-4D97-AF65-F5344CB8AC3E}">
+        <p14:creationId xmlns:p14="http://schemas.microsoft.com/office/powerpoint/2010/main" val="4035036325"/>
       </p:ext>
     </p:extLst>
   </p:cSld>
@@ -15257,7 +17197,7 @@
           <a:p>
             <a:fld id="{96FF6413-3139-4955-9DFE-23DDB370AD4E}" type="datetimeFigureOut">
               <a:rPr lang="LID4096" smtClean="0"/>
-              <a:t>06/14/2024</a:t>
+              <a:t>09/07/2024</a:t>
             </a:fld>
             <a:endParaRPr lang="LID4096"/>
           </a:p>
@@ -15321,6 +17261,700 @@
     <p:extLst>
       <p:ext uri="{BB962C8B-B14F-4D97-AF65-F5344CB8AC3E}">
         <p14:creationId xmlns:p14="http://schemas.microsoft.com/office/powerpoint/2010/main" val="1091726022"/>
+      </p:ext>
+    </p:extLst>
+  </p:cSld>
+  <p:clrMapOvr>
+    <a:masterClrMapping/>
+  </p:clrMapOvr>
+</p:sldLayout>
+</file>
+
+<file path=ppt/slideLayouts/slideLayout20.xml><?xml version="1.0" encoding="utf-8"?>
+<p:sldLayout xmlns:a="http://schemas.openxmlformats.org/drawingml/2006/main" xmlns:r="http://schemas.openxmlformats.org/officeDocument/2006/relationships" xmlns:p="http://schemas.openxmlformats.org/presentationml/2006/main" type="picTx" preserve="1">
+  <p:cSld name="Bild med bildtext">
+    <p:spTree>
+      <p:nvGrpSpPr>
+        <p:cNvPr id="1" name=""/>
+        <p:cNvGrpSpPr/>
+        <p:nvPr/>
+      </p:nvGrpSpPr>
+      <p:grpSpPr>
+        <a:xfrm>
+          <a:off x="0" y="0"/>
+          <a:ext cx="0" cy="0"/>
+          <a:chOff x="0" y="0"/>
+          <a:chExt cx="0" cy="0"/>
+        </a:xfrm>
+      </p:grpSpPr>
+      <p:sp>
+        <p:nvSpPr>
+          <p:cNvPr id="2" name="Rubrik 1">
+            <a:extLst>
+              <a:ext uri="{FF2B5EF4-FFF2-40B4-BE49-F238E27FC236}">
+                <a16:creationId xmlns:a16="http://schemas.microsoft.com/office/drawing/2014/main" id="{B539B344-57E8-3046-171C-F66FD05F86F6}"/>
+              </a:ext>
+            </a:extLst>
+          </p:cNvPr>
+          <p:cNvSpPr>
+            <a:spLocks noGrp="1"/>
+          </p:cNvSpPr>
+          <p:nvPr>
+            <p:ph type="title"/>
+          </p:nvPr>
+        </p:nvSpPr>
+        <p:spPr>
+          <a:xfrm>
+            <a:off x="839788" y="457200"/>
+            <a:ext cx="3932237" cy="1600200"/>
+          </a:xfrm>
+        </p:spPr>
+        <p:txBody>
+          <a:bodyPr anchor="b"/>
+          <a:lstStyle>
+            <a:lvl1pPr>
+              <a:defRPr sz="3200"/>
+            </a:lvl1pPr>
+          </a:lstStyle>
+          <a:p>
+            <a:r>
+              <a:rPr lang="sv-SE"/>
+              <a:t>Klicka här för att ändra mall för rubrikformat</a:t>
+            </a:r>
+          </a:p>
+        </p:txBody>
+      </p:sp>
+      <p:sp>
+        <p:nvSpPr>
+          <p:cNvPr id="3" name="Platshållare för bild 2">
+            <a:extLst>
+              <a:ext uri="{FF2B5EF4-FFF2-40B4-BE49-F238E27FC236}">
+                <a16:creationId xmlns:a16="http://schemas.microsoft.com/office/drawing/2014/main" id="{F06E8EDE-2B1A-BDBE-42A8-F55101F9E604}"/>
+              </a:ext>
+            </a:extLst>
+          </p:cNvPr>
+          <p:cNvSpPr>
+            <a:spLocks noGrp="1"/>
+          </p:cNvSpPr>
+          <p:nvPr>
+            <p:ph type="pic" idx="1"/>
+          </p:nvPr>
+        </p:nvSpPr>
+        <p:spPr>
+          <a:xfrm>
+            <a:off x="5183188" y="987425"/>
+            <a:ext cx="6172200" cy="4873625"/>
+          </a:xfrm>
+        </p:spPr>
+        <p:txBody>
+          <a:bodyPr/>
+          <a:lstStyle>
+            <a:lvl1pPr marL="0" indent="0">
+              <a:buNone/>
+              <a:defRPr sz="3200"/>
+            </a:lvl1pPr>
+            <a:lvl2pPr marL="457200" indent="0">
+              <a:buNone/>
+              <a:defRPr sz="2800"/>
+            </a:lvl2pPr>
+            <a:lvl3pPr marL="914400" indent="0">
+              <a:buNone/>
+              <a:defRPr sz="2400"/>
+            </a:lvl3pPr>
+            <a:lvl4pPr marL="1371600" indent="0">
+              <a:buNone/>
+              <a:defRPr sz="2000"/>
+            </a:lvl4pPr>
+            <a:lvl5pPr marL="1828800" indent="0">
+              <a:buNone/>
+              <a:defRPr sz="2000"/>
+            </a:lvl5pPr>
+            <a:lvl6pPr marL="2286000" indent="0">
+              <a:buNone/>
+              <a:defRPr sz="2000"/>
+            </a:lvl6pPr>
+            <a:lvl7pPr marL="2743200" indent="0">
+              <a:buNone/>
+              <a:defRPr sz="2000"/>
+            </a:lvl7pPr>
+            <a:lvl8pPr marL="3200400" indent="0">
+              <a:buNone/>
+              <a:defRPr sz="2000"/>
+            </a:lvl8pPr>
+            <a:lvl9pPr marL="3657600" indent="0">
+              <a:buNone/>
+              <a:defRPr sz="2000"/>
+            </a:lvl9pPr>
+          </a:lstStyle>
+          <a:p>
+            <a:endParaRPr lang="sv-SE"/>
+          </a:p>
+        </p:txBody>
+      </p:sp>
+      <p:sp>
+        <p:nvSpPr>
+          <p:cNvPr id="4" name="Platshållare för text 3">
+            <a:extLst>
+              <a:ext uri="{FF2B5EF4-FFF2-40B4-BE49-F238E27FC236}">
+                <a16:creationId xmlns:a16="http://schemas.microsoft.com/office/drawing/2014/main" id="{DCE2C55D-13A4-3B25-7509-33725EE95293}"/>
+              </a:ext>
+            </a:extLst>
+          </p:cNvPr>
+          <p:cNvSpPr>
+            <a:spLocks noGrp="1"/>
+          </p:cNvSpPr>
+          <p:nvPr>
+            <p:ph type="body" sz="half" idx="2"/>
+          </p:nvPr>
+        </p:nvSpPr>
+        <p:spPr>
+          <a:xfrm>
+            <a:off x="839788" y="2057400"/>
+            <a:ext cx="3932237" cy="3811588"/>
+          </a:xfrm>
+        </p:spPr>
+        <p:txBody>
+          <a:bodyPr/>
+          <a:lstStyle>
+            <a:lvl1pPr marL="0" indent="0">
+              <a:buNone/>
+              <a:defRPr sz="1600"/>
+            </a:lvl1pPr>
+            <a:lvl2pPr marL="457200" indent="0">
+              <a:buNone/>
+              <a:defRPr sz="1400"/>
+            </a:lvl2pPr>
+            <a:lvl3pPr marL="914400" indent="0">
+              <a:buNone/>
+              <a:defRPr sz="1200"/>
+            </a:lvl3pPr>
+            <a:lvl4pPr marL="1371600" indent="0">
+              <a:buNone/>
+              <a:defRPr sz="1000"/>
+            </a:lvl4pPr>
+            <a:lvl5pPr marL="1828800" indent="0">
+              <a:buNone/>
+              <a:defRPr sz="1000"/>
+            </a:lvl5pPr>
+            <a:lvl6pPr marL="2286000" indent="0">
+              <a:buNone/>
+              <a:defRPr sz="1000"/>
+            </a:lvl6pPr>
+            <a:lvl7pPr marL="2743200" indent="0">
+              <a:buNone/>
+              <a:defRPr sz="1000"/>
+            </a:lvl7pPr>
+            <a:lvl8pPr marL="3200400" indent="0">
+              <a:buNone/>
+              <a:defRPr sz="1000"/>
+            </a:lvl8pPr>
+            <a:lvl9pPr marL="3657600" indent="0">
+              <a:buNone/>
+              <a:defRPr sz="1000"/>
+            </a:lvl9pPr>
+          </a:lstStyle>
+          <a:p>
+            <a:pPr lvl="0"/>
+            <a:r>
+              <a:rPr lang="sv-SE"/>
+              <a:t>Klicka här för att ändra format på bakgrundstexten</a:t>
+            </a:r>
+          </a:p>
+        </p:txBody>
+      </p:sp>
+      <p:sp>
+        <p:nvSpPr>
+          <p:cNvPr id="5" name="Platshållare för datum 4">
+            <a:extLst>
+              <a:ext uri="{FF2B5EF4-FFF2-40B4-BE49-F238E27FC236}">
+                <a16:creationId xmlns:a16="http://schemas.microsoft.com/office/drawing/2014/main" id="{77EF3AE5-6248-DC88-0A95-7F712A51C645}"/>
+              </a:ext>
+            </a:extLst>
+          </p:cNvPr>
+          <p:cNvSpPr>
+            <a:spLocks noGrp="1"/>
+          </p:cNvSpPr>
+          <p:nvPr>
+            <p:ph type="dt" sz="half" idx="10"/>
+          </p:nvPr>
+        </p:nvSpPr>
+        <p:spPr/>
+        <p:txBody>
+          <a:bodyPr/>
+          <a:lstStyle/>
+          <a:p>
+            <a:fld id="{4617FB60-BF3C-4081-9AB7-A4E16EDB9E9D}" type="datetimeFigureOut">
+              <a:rPr lang="sv-SE" smtClean="0"/>
+              <a:t>2024-09-07</a:t>
+            </a:fld>
+            <a:endParaRPr lang="sv-SE"/>
+          </a:p>
+        </p:txBody>
+      </p:sp>
+      <p:sp>
+        <p:nvSpPr>
+          <p:cNvPr id="6" name="Platshållare för sidfot 5">
+            <a:extLst>
+              <a:ext uri="{FF2B5EF4-FFF2-40B4-BE49-F238E27FC236}">
+                <a16:creationId xmlns:a16="http://schemas.microsoft.com/office/drawing/2014/main" id="{4E80E32F-5C4A-3B9B-50E0-D346B190741A}"/>
+              </a:ext>
+            </a:extLst>
+          </p:cNvPr>
+          <p:cNvSpPr>
+            <a:spLocks noGrp="1"/>
+          </p:cNvSpPr>
+          <p:nvPr>
+            <p:ph type="ftr" sz="quarter" idx="11"/>
+          </p:nvPr>
+        </p:nvSpPr>
+        <p:spPr/>
+        <p:txBody>
+          <a:bodyPr/>
+          <a:lstStyle/>
+          <a:p>
+            <a:endParaRPr lang="sv-SE"/>
+          </a:p>
+        </p:txBody>
+      </p:sp>
+      <p:sp>
+        <p:nvSpPr>
+          <p:cNvPr id="7" name="Platshållare för bildnummer 6">
+            <a:extLst>
+              <a:ext uri="{FF2B5EF4-FFF2-40B4-BE49-F238E27FC236}">
+                <a16:creationId xmlns:a16="http://schemas.microsoft.com/office/drawing/2014/main" id="{2C568CDA-6612-12B1-068D-3E883809CF3D}"/>
+              </a:ext>
+            </a:extLst>
+          </p:cNvPr>
+          <p:cNvSpPr>
+            <a:spLocks noGrp="1"/>
+          </p:cNvSpPr>
+          <p:nvPr>
+            <p:ph type="sldNum" sz="quarter" idx="12"/>
+          </p:nvPr>
+        </p:nvSpPr>
+        <p:spPr/>
+        <p:txBody>
+          <a:bodyPr/>
+          <a:lstStyle/>
+          <a:p>
+            <a:fld id="{35855755-DE42-431D-889F-A55AD89DA05D}" type="slidenum">
+              <a:rPr lang="sv-SE" smtClean="0"/>
+              <a:t>‹#›</a:t>
+            </a:fld>
+            <a:endParaRPr lang="sv-SE"/>
+          </a:p>
+        </p:txBody>
+      </p:sp>
+    </p:spTree>
+    <p:extLst>
+      <p:ext uri="{BB962C8B-B14F-4D97-AF65-F5344CB8AC3E}">
+        <p14:creationId xmlns:p14="http://schemas.microsoft.com/office/powerpoint/2010/main" val="2436091719"/>
+      </p:ext>
+    </p:extLst>
+  </p:cSld>
+  <p:clrMapOvr>
+    <a:masterClrMapping/>
+  </p:clrMapOvr>
+</p:sldLayout>
+</file>
+
+<file path=ppt/slideLayouts/slideLayout21.xml><?xml version="1.0" encoding="utf-8"?>
+<p:sldLayout xmlns:a="http://schemas.openxmlformats.org/drawingml/2006/main" xmlns:r="http://schemas.openxmlformats.org/officeDocument/2006/relationships" xmlns:p="http://schemas.openxmlformats.org/presentationml/2006/main" type="vertTx" preserve="1">
+  <p:cSld name="Rubrik och lodrät text">
+    <p:spTree>
+      <p:nvGrpSpPr>
+        <p:cNvPr id="1" name=""/>
+        <p:cNvGrpSpPr/>
+        <p:nvPr/>
+      </p:nvGrpSpPr>
+      <p:grpSpPr>
+        <a:xfrm>
+          <a:off x="0" y="0"/>
+          <a:ext cx="0" cy="0"/>
+          <a:chOff x="0" y="0"/>
+          <a:chExt cx="0" cy="0"/>
+        </a:xfrm>
+      </p:grpSpPr>
+      <p:sp>
+        <p:nvSpPr>
+          <p:cNvPr id="2" name="Rubrik 1">
+            <a:extLst>
+              <a:ext uri="{FF2B5EF4-FFF2-40B4-BE49-F238E27FC236}">
+                <a16:creationId xmlns:a16="http://schemas.microsoft.com/office/drawing/2014/main" id="{15AE3191-222D-83E2-E1F5-3C641E7E6B50}"/>
+              </a:ext>
+            </a:extLst>
+          </p:cNvPr>
+          <p:cNvSpPr>
+            <a:spLocks noGrp="1"/>
+          </p:cNvSpPr>
+          <p:nvPr>
+            <p:ph type="title"/>
+          </p:nvPr>
+        </p:nvSpPr>
+        <p:spPr/>
+        <p:txBody>
+          <a:bodyPr/>
+          <a:lstStyle/>
+          <a:p>
+            <a:r>
+              <a:rPr lang="sv-SE"/>
+              <a:t>Klicka här för att ändra mall för rubrikformat</a:t>
+            </a:r>
+          </a:p>
+        </p:txBody>
+      </p:sp>
+      <p:sp>
+        <p:nvSpPr>
+          <p:cNvPr id="3" name="Platshållare för lodrät text 2">
+            <a:extLst>
+              <a:ext uri="{FF2B5EF4-FFF2-40B4-BE49-F238E27FC236}">
+                <a16:creationId xmlns:a16="http://schemas.microsoft.com/office/drawing/2014/main" id="{9E746675-E2E4-C15D-0DA3-95514BEE5916}"/>
+              </a:ext>
+            </a:extLst>
+          </p:cNvPr>
+          <p:cNvSpPr>
+            <a:spLocks noGrp="1"/>
+          </p:cNvSpPr>
+          <p:nvPr>
+            <p:ph type="body" orient="vert" idx="1"/>
+          </p:nvPr>
+        </p:nvSpPr>
+        <p:spPr/>
+        <p:txBody>
+          <a:bodyPr vert="eaVert"/>
+          <a:lstStyle/>
+          <a:p>
+            <a:pPr lvl="0"/>
+            <a:r>
+              <a:rPr lang="sv-SE"/>
+              <a:t>Klicka här för att ändra format på bakgrundstexten</a:t>
+            </a:r>
+          </a:p>
+          <a:p>
+            <a:pPr lvl="1"/>
+            <a:r>
+              <a:rPr lang="sv-SE"/>
+              <a:t>Nivå två</a:t>
+            </a:r>
+          </a:p>
+          <a:p>
+            <a:pPr lvl="2"/>
+            <a:r>
+              <a:rPr lang="sv-SE"/>
+              <a:t>Nivå tre</a:t>
+            </a:r>
+          </a:p>
+          <a:p>
+            <a:pPr lvl="3"/>
+            <a:r>
+              <a:rPr lang="sv-SE"/>
+              <a:t>Nivå fyra</a:t>
+            </a:r>
+          </a:p>
+          <a:p>
+            <a:pPr lvl="4"/>
+            <a:r>
+              <a:rPr lang="sv-SE"/>
+              <a:t>Nivå fem</a:t>
+            </a:r>
+          </a:p>
+        </p:txBody>
+      </p:sp>
+      <p:sp>
+        <p:nvSpPr>
+          <p:cNvPr id="4" name="Platshållare för datum 3">
+            <a:extLst>
+              <a:ext uri="{FF2B5EF4-FFF2-40B4-BE49-F238E27FC236}">
+                <a16:creationId xmlns:a16="http://schemas.microsoft.com/office/drawing/2014/main" id="{05500CE9-98C0-5825-56C5-0AE950B5E154}"/>
+              </a:ext>
+            </a:extLst>
+          </p:cNvPr>
+          <p:cNvSpPr>
+            <a:spLocks noGrp="1"/>
+          </p:cNvSpPr>
+          <p:nvPr>
+            <p:ph type="dt" sz="half" idx="10"/>
+          </p:nvPr>
+        </p:nvSpPr>
+        <p:spPr/>
+        <p:txBody>
+          <a:bodyPr/>
+          <a:lstStyle/>
+          <a:p>
+            <a:fld id="{4617FB60-BF3C-4081-9AB7-A4E16EDB9E9D}" type="datetimeFigureOut">
+              <a:rPr lang="sv-SE" smtClean="0"/>
+              <a:t>2024-09-07</a:t>
+            </a:fld>
+            <a:endParaRPr lang="sv-SE"/>
+          </a:p>
+        </p:txBody>
+      </p:sp>
+      <p:sp>
+        <p:nvSpPr>
+          <p:cNvPr id="5" name="Platshållare för sidfot 4">
+            <a:extLst>
+              <a:ext uri="{FF2B5EF4-FFF2-40B4-BE49-F238E27FC236}">
+                <a16:creationId xmlns:a16="http://schemas.microsoft.com/office/drawing/2014/main" id="{F89E4652-60C9-6D7C-2678-71E8B6E0BC53}"/>
+              </a:ext>
+            </a:extLst>
+          </p:cNvPr>
+          <p:cNvSpPr>
+            <a:spLocks noGrp="1"/>
+          </p:cNvSpPr>
+          <p:nvPr>
+            <p:ph type="ftr" sz="quarter" idx="11"/>
+          </p:nvPr>
+        </p:nvSpPr>
+        <p:spPr/>
+        <p:txBody>
+          <a:bodyPr/>
+          <a:lstStyle/>
+          <a:p>
+            <a:endParaRPr lang="sv-SE"/>
+          </a:p>
+        </p:txBody>
+      </p:sp>
+      <p:sp>
+        <p:nvSpPr>
+          <p:cNvPr id="6" name="Platshållare för bildnummer 5">
+            <a:extLst>
+              <a:ext uri="{FF2B5EF4-FFF2-40B4-BE49-F238E27FC236}">
+                <a16:creationId xmlns:a16="http://schemas.microsoft.com/office/drawing/2014/main" id="{ECC05122-8521-0657-0183-A65D51EA5B63}"/>
+              </a:ext>
+            </a:extLst>
+          </p:cNvPr>
+          <p:cNvSpPr>
+            <a:spLocks noGrp="1"/>
+          </p:cNvSpPr>
+          <p:nvPr>
+            <p:ph type="sldNum" sz="quarter" idx="12"/>
+          </p:nvPr>
+        </p:nvSpPr>
+        <p:spPr/>
+        <p:txBody>
+          <a:bodyPr/>
+          <a:lstStyle/>
+          <a:p>
+            <a:fld id="{35855755-DE42-431D-889F-A55AD89DA05D}" type="slidenum">
+              <a:rPr lang="sv-SE" smtClean="0"/>
+              <a:t>‹#›</a:t>
+            </a:fld>
+            <a:endParaRPr lang="sv-SE"/>
+          </a:p>
+        </p:txBody>
+      </p:sp>
+    </p:spTree>
+    <p:extLst>
+      <p:ext uri="{BB962C8B-B14F-4D97-AF65-F5344CB8AC3E}">
+        <p14:creationId xmlns:p14="http://schemas.microsoft.com/office/powerpoint/2010/main" val="4130794852"/>
+      </p:ext>
+    </p:extLst>
+  </p:cSld>
+  <p:clrMapOvr>
+    <a:masterClrMapping/>
+  </p:clrMapOvr>
+</p:sldLayout>
+</file>
+
+<file path=ppt/slideLayouts/slideLayout22.xml><?xml version="1.0" encoding="utf-8"?>
+<p:sldLayout xmlns:a="http://schemas.openxmlformats.org/drawingml/2006/main" xmlns:r="http://schemas.openxmlformats.org/officeDocument/2006/relationships" xmlns:p="http://schemas.openxmlformats.org/presentationml/2006/main" type="vertTitleAndTx" preserve="1">
+  <p:cSld name="Lodrät rubrik och text">
+    <p:spTree>
+      <p:nvGrpSpPr>
+        <p:cNvPr id="1" name=""/>
+        <p:cNvGrpSpPr/>
+        <p:nvPr/>
+      </p:nvGrpSpPr>
+      <p:grpSpPr>
+        <a:xfrm>
+          <a:off x="0" y="0"/>
+          <a:ext cx="0" cy="0"/>
+          <a:chOff x="0" y="0"/>
+          <a:chExt cx="0" cy="0"/>
+        </a:xfrm>
+      </p:grpSpPr>
+      <p:sp>
+        <p:nvSpPr>
+          <p:cNvPr id="2" name="Lodrät rubrik 1">
+            <a:extLst>
+              <a:ext uri="{FF2B5EF4-FFF2-40B4-BE49-F238E27FC236}">
+                <a16:creationId xmlns:a16="http://schemas.microsoft.com/office/drawing/2014/main" id="{CD737527-71CF-CE01-F372-9EE08C365C9D}"/>
+              </a:ext>
+            </a:extLst>
+          </p:cNvPr>
+          <p:cNvSpPr>
+            <a:spLocks noGrp="1"/>
+          </p:cNvSpPr>
+          <p:nvPr>
+            <p:ph type="title" orient="vert"/>
+          </p:nvPr>
+        </p:nvSpPr>
+        <p:spPr>
+          <a:xfrm>
+            <a:off x="8724900" y="365125"/>
+            <a:ext cx="2628900" cy="5811838"/>
+          </a:xfrm>
+        </p:spPr>
+        <p:txBody>
+          <a:bodyPr vert="eaVert"/>
+          <a:lstStyle/>
+          <a:p>
+            <a:r>
+              <a:rPr lang="sv-SE"/>
+              <a:t>Klicka här för att ändra mall för rubrikformat</a:t>
+            </a:r>
+          </a:p>
+        </p:txBody>
+      </p:sp>
+      <p:sp>
+        <p:nvSpPr>
+          <p:cNvPr id="3" name="Platshållare för lodrät text 2">
+            <a:extLst>
+              <a:ext uri="{FF2B5EF4-FFF2-40B4-BE49-F238E27FC236}">
+                <a16:creationId xmlns:a16="http://schemas.microsoft.com/office/drawing/2014/main" id="{5054B8F6-CF76-9E0C-B9D1-AB487901F175}"/>
+              </a:ext>
+            </a:extLst>
+          </p:cNvPr>
+          <p:cNvSpPr>
+            <a:spLocks noGrp="1"/>
+          </p:cNvSpPr>
+          <p:nvPr>
+            <p:ph type="body" orient="vert" idx="1"/>
+          </p:nvPr>
+        </p:nvSpPr>
+        <p:spPr>
+          <a:xfrm>
+            <a:off x="838200" y="365125"/>
+            <a:ext cx="7734300" cy="5811838"/>
+          </a:xfrm>
+        </p:spPr>
+        <p:txBody>
+          <a:bodyPr vert="eaVert"/>
+          <a:lstStyle/>
+          <a:p>
+            <a:pPr lvl="0"/>
+            <a:r>
+              <a:rPr lang="sv-SE"/>
+              <a:t>Klicka här för att ändra format på bakgrundstexten</a:t>
+            </a:r>
+          </a:p>
+          <a:p>
+            <a:pPr lvl="1"/>
+            <a:r>
+              <a:rPr lang="sv-SE"/>
+              <a:t>Nivå två</a:t>
+            </a:r>
+          </a:p>
+          <a:p>
+            <a:pPr lvl="2"/>
+            <a:r>
+              <a:rPr lang="sv-SE"/>
+              <a:t>Nivå tre</a:t>
+            </a:r>
+          </a:p>
+          <a:p>
+            <a:pPr lvl="3"/>
+            <a:r>
+              <a:rPr lang="sv-SE"/>
+              <a:t>Nivå fyra</a:t>
+            </a:r>
+          </a:p>
+          <a:p>
+            <a:pPr lvl="4"/>
+            <a:r>
+              <a:rPr lang="sv-SE"/>
+              <a:t>Nivå fem</a:t>
+            </a:r>
+          </a:p>
+        </p:txBody>
+      </p:sp>
+      <p:sp>
+        <p:nvSpPr>
+          <p:cNvPr id="4" name="Platshållare för datum 3">
+            <a:extLst>
+              <a:ext uri="{FF2B5EF4-FFF2-40B4-BE49-F238E27FC236}">
+                <a16:creationId xmlns:a16="http://schemas.microsoft.com/office/drawing/2014/main" id="{76FB98AA-FE35-BA41-B745-8AF50D5B6211}"/>
+              </a:ext>
+            </a:extLst>
+          </p:cNvPr>
+          <p:cNvSpPr>
+            <a:spLocks noGrp="1"/>
+          </p:cNvSpPr>
+          <p:nvPr>
+            <p:ph type="dt" sz="half" idx="10"/>
+          </p:nvPr>
+        </p:nvSpPr>
+        <p:spPr/>
+        <p:txBody>
+          <a:bodyPr/>
+          <a:lstStyle/>
+          <a:p>
+            <a:fld id="{4617FB60-BF3C-4081-9AB7-A4E16EDB9E9D}" type="datetimeFigureOut">
+              <a:rPr lang="sv-SE" smtClean="0"/>
+              <a:t>2024-09-07</a:t>
+            </a:fld>
+            <a:endParaRPr lang="sv-SE"/>
+          </a:p>
+        </p:txBody>
+      </p:sp>
+      <p:sp>
+        <p:nvSpPr>
+          <p:cNvPr id="5" name="Platshållare för sidfot 4">
+            <a:extLst>
+              <a:ext uri="{FF2B5EF4-FFF2-40B4-BE49-F238E27FC236}">
+                <a16:creationId xmlns:a16="http://schemas.microsoft.com/office/drawing/2014/main" id="{7147481E-EFA0-5604-EA0B-4CD223F6C50F}"/>
+              </a:ext>
+            </a:extLst>
+          </p:cNvPr>
+          <p:cNvSpPr>
+            <a:spLocks noGrp="1"/>
+          </p:cNvSpPr>
+          <p:nvPr>
+            <p:ph type="ftr" sz="quarter" idx="11"/>
+          </p:nvPr>
+        </p:nvSpPr>
+        <p:spPr/>
+        <p:txBody>
+          <a:bodyPr/>
+          <a:lstStyle/>
+          <a:p>
+            <a:endParaRPr lang="sv-SE"/>
+          </a:p>
+        </p:txBody>
+      </p:sp>
+      <p:sp>
+        <p:nvSpPr>
+          <p:cNvPr id="6" name="Platshållare för bildnummer 5">
+            <a:extLst>
+              <a:ext uri="{FF2B5EF4-FFF2-40B4-BE49-F238E27FC236}">
+                <a16:creationId xmlns:a16="http://schemas.microsoft.com/office/drawing/2014/main" id="{DF467474-F9BF-AFC9-793A-819ED4F4BBA9}"/>
+              </a:ext>
+            </a:extLst>
+          </p:cNvPr>
+          <p:cNvSpPr>
+            <a:spLocks noGrp="1"/>
+          </p:cNvSpPr>
+          <p:nvPr>
+            <p:ph type="sldNum" sz="quarter" idx="12"/>
+          </p:nvPr>
+        </p:nvSpPr>
+        <p:spPr/>
+        <p:txBody>
+          <a:bodyPr/>
+          <a:lstStyle/>
+          <a:p>
+            <a:fld id="{35855755-DE42-431D-889F-A55AD89DA05D}" type="slidenum">
+              <a:rPr lang="sv-SE" smtClean="0"/>
+              <a:t>‹#›</a:t>
+            </a:fld>
+            <a:endParaRPr lang="sv-SE"/>
+          </a:p>
+        </p:txBody>
+      </p:sp>
+    </p:spTree>
+    <p:extLst>
+      <p:ext uri="{BB962C8B-B14F-4D97-AF65-F5344CB8AC3E}">
+        <p14:creationId xmlns:p14="http://schemas.microsoft.com/office/powerpoint/2010/main" val="561513121"/>
       </p:ext>
     </p:extLst>
   </p:cSld>
@@ -15538,7 +18172,7 @@
           <a:p>
             <a:fld id="{96FF6413-3139-4955-9DFE-23DDB370AD4E}" type="datetimeFigureOut">
               <a:rPr lang="LID4096" smtClean="0"/>
-              <a:t>06/14/2024</a:t>
+              <a:t>09/07/2024</a:t>
             </a:fld>
             <a:endParaRPr lang="LID4096"/>
           </a:p>
@@ -15875,7 +18509,7 @@
           <a:p>
             <a:fld id="{96FF6413-3139-4955-9DFE-23DDB370AD4E}" type="datetimeFigureOut">
               <a:rPr lang="LID4096" smtClean="0"/>
-              <a:t>06/14/2024</a:t>
+              <a:t>09/07/2024</a:t>
             </a:fld>
             <a:endParaRPr lang="LID4096"/>
           </a:p>
@@ -16365,7 +18999,7 @@
           <a:p>
             <a:fld id="{96FF6413-3139-4955-9DFE-23DDB370AD4E}" type="datetimeFigureOut">
               <a:rPr lang="LID4096" smtClean="0"/>
-              <a:t>06/14/2024</a:t>
+              <a:t>09/07/2024</a:t>
             </a:fld>
             <a:endParaRPr lang="LID4096"/>
           </a:p>
@@ -16514,7 +19148,7 @@
           <a:p>
             <a:fld id="{96FF6413-3139-4955-9DFE-23DDB370AD4E}" type="datetimeFigureOut">
               <a:rPr lang="LID4096" smtClean="0"/>
-              <a:t>06/14/2024</a:t>
+              <a:t>09/07/2024</a:t>
             </a:fld>
             <a:endParaRPr lang="LID4096"/>
           </a:p>
@@ -16627,7 +19261,7 @@
           <a:p>
             <a:fld id="{96FF6413-3139-4955-9DFE-23DDB370AD4E}" type="datetimeFigureOut">
               <a:rPr lang="LID4096" smtClean="0"/>
-              <a:t>06/14/2024</a:t>
+              <a:t>09/07/2024</a:t>
             </a:fld>
             <a:endParaRPr lang="LID4096"/>
           </a:p>
@@ -16961,7 +19595,7 @@
           <a:p>
             <a:fld id="{96FF6413-3139-4955-9DFE-23DDB370AD4E}" type="datetimeFigureOut">
               <a:rPr lang="LID4096" smtClean="0"/>
-              <a:t>06/14/2024</a:t>
+              <a:t>09/07/2024</a:t>
             </a:fld>
             <a:endParaRPr lang="LID4096"/>
           </a:p>
@@ -17256,7 +19890,7 @@
           <a:p>
             <a:fld id="{96FF6413-3139-4955-9DFE-23DDB370AD4E}" type="datetimeFigureOut">
               <a:rPr lang="LID4096" smtClean="0"/>
-              <a:t>06/14/2024</a:t>
+              <a:t>09/07/2024</a:t>
             </a:fld>
             <a:endParaRPr lang="LID4096"/>
           </a:p>
@@ -17508,7 +20142,7 @@
             <a:fld id="{96FF6413-3139-4955-9DFE-23DDB370AD4E}" type="datetimeFigureOut">
               <a:rPr lang="LID4096" smtClean="0"/>
               <a:pPr/>
-              <a:t>06/14/2024</a:t>
+              <a:t>09/07/2024</a:t>
             </a:fld>
             <a:endParaRPr lang="LID4096" dirty="0"/>
           </a:p>
@@ -17949,6 +20583,574 @@
 </p:sldMaster>
 </file>
 
+<file path=ppt/slideMasters/slideMaster2.xml><?xml version="1.0" encoding="utf-8"?>
+<p:sldMaster xmlns:a="http://schemas.openxmlformats.org/drawingml/2006/main" xmlns:r="http://schemas.openxmlformats.org/officeDocument/2006/relationships" xmlns:p="http://schemas.openxmlformats.org/presentationml/2006/main">
+  <p:cSld>
+    <p:bg>
+      <p:bgRef idx="1001">
+        <a:schemeClr val="bg1"/>
+      </p:bgRef>
+    </p:bg>
+    <p:spTree>
+      <p:nvGrpSpPr>
+        <p:cNvPr id="1" name=""/>
+        <p:cNvGrpSpPr/>
+        <p:nvPr/>
+      </p:nvGrpSpPr>
+      <p:grpSpPr>
+        <a:xfrm>
+          <a:off x="0" y="0"/>
+          <a:ext cx="0" cy="0"/>
+          <a:chOff x="0" y="0"/>
+          <a:chExt cx="0" cy="0"/>
+        </a:xfrm>
+      </p:grpSpPr>
+      <p:sp>
+        <p:nvSpPr>
+          <p:cNvPr id="2" name="Platshållare för rubrik 1">
+            <a:extLst>
+              <a:ext uri="{FF2B5EF4-FFF2-40B4-BE49-F238E27FC236}">
+                <a16:creationId xmlns:a16="http://schemas.microsoft.com/office/drawing/2014/main" id="{857F1F53-6748-451A-718E-F6EA308F4D49}"/>
+              </a:ext>
+            </a:extLst>
+          </p:cNvPr>
+          <p:cNvSpPr>
+            <a:spLocks noGrp="1"/>
+          </p:cNvSpPr>
+          <p:nvPr>
+            <p:ph type="title"/>
+          </p:nvPr>
+        </p:nvSpPr>
+        <p:spPr>
+          <a:xfrm>
+            <a:off x="838200" y="365125"/>
+            <a:ext cx="10515600" cy="1325563"/>
+          </a:xfrm>
+          <a:prstGeom prst="rect">
+            <a:avLst/>
+          </a:prstGeom>
+        </p:spPr>
+        <p:txBody>
+          <a:bodyPr vert="horz" lIns="91440" tIns="45720" rIns="91440" bIns="45720" rtlCol="0" anchor="ctr">
+            <a:normAutofit/>
+          </a:bodyPr>
+          <a:lstStyle/>
+          <a:p>
+            <a:r>
+              <a:rPr lang="sv-SE"/>
+              <a:t>Klicka här för att ändra mall för rubrikformat</a:t>
+            </a:r>
+          </a:p>
+        </p:txBody>
+      </p:sp>
+      <p:sp>
+        <p:nvSpPr>
+          <p:cNvPr id="3" name="Platshållare för text 2">
+            <a:extLst>
+              <a:ext uri="{FF2B5EF4-FFF2-40B4-BE49-F238E27FC236}">
+                <a16:creationId xmlns:a16="http://schemas.microsoft.com/office/drawing/2014/main" id="{A90C4885-EAC9-6492-A642-F02C23518A20}"/>
+              </a:ext>
+            </a:extLst>
+          </p:cNvPr>
+          <p:cNvSpPr>
+            <a:spLocks noGrp="1"/>
+          </p:cNvSpPr>
+          <p:nvPr>
+            <p:ph type="body" idx="1"/>
+          </p:nvPr>
+        </p:nvSpPr>
+        <p:spPr>
+          <a:xfrm>
+            <a:off x="838200" y="1825625"/>
+            <a:ext cx="10515600" cy="4351338"/>
+          </a:xfrm>
+          <a:prstGeom prst="rect">
+            <a:avLst/>
+          </a:prstGeom>
+        </p:spPr>
+        <p:txBody>
+          <a:bodyPr vert="horz" lIns="91440" tIns="45720" rIns="91440" bIns="45720" rtlCol="0">
+            <a:normAutofit/>
+          </a:bodyPr>
+          <a:lstStyle/>
+          <a:p>
+            <a:pPr lvl="0"/>
+            <a:r>
+              <a:rPr lang="sv-SE"/>
+              <a:t>Klicka här för att ändra format på bakgrundstexten</a:t>
+            </a:r>
+          </a:p>
+          <a:p>
+            <a:pPr lvl="1"/>
+            <a:r>
+              <a:rPr lang="sv-SE"/>
+              <a:t>Nivå två</a:t>
+            </a:r>
+          </a:p>
+          <a:p>
+            <a:pPr lvl="2"/>
+            <a:r>
+              <a:rPr lang="sv-SE"/>
+              <a:t>Nivå tre</a:t>
+            </a:r>
+          </a:p>
+          <a:p>
+            <a:pPr lvl="3"/>
+            <a:r>
+              <a:rPr lang="sv-SE"/>
+              <a:t>Nivå fyra</a:t>
+            </a:r>
+          </a:p>
+          <a:p>
+            <a:pPr lvl="4"/>
+            <a:r>
+              <a:rPr lang="sv-SE"/>
+              <a:t>Nivå fem</a:t>
+            </a:r>
+          </a:p>
+        </p:txBody>
+      </p:sp>
+      <p:sp>
+        <p:nvSpPr>
+          <p:cNvPr id="4" name="Platshållare för datum 3">
+            <a:extLst>
+              <a:ext uri="{FF2B5EF4-FFF2-40B4-BE49-F238E27FC236}">
+                <a16:creationId xmlns:a16="http://schemas.microsoft.com/office/drawing/2014/main" id="{63F0E55A-0598-5F95-661D-9D844D9113BE}"/>
+              </a:ext>
+            </a:extLst>
+          </p:cNvPr>
+          <p:cNvSpPr>
+            <a:spLocks noGrp="1"/>
+          </p:cNvSpPr>
+          <p:nvPr>
+            <p:ph type="dt" sz="half" idx="2"/>
+          </p:nvPr>
+        </p:nvSpPr>
+        <p:spPr>
+          <a:xfrm>
+            <a:off x="838200" y="6356350"/>
+            <a:ext cx="2743200" cy="365125"/>
+          </a:xfrm>
+          <a:prstGeom prst="rect">
+            <a:avLst/>
+          </a:prstGeom>
+        </p:spPr>
+        <p:txBody>
+          <a:bodyPr vert="horz" lIns="91440" tIns="45720" rIns="91440" bIns="45720" rtlCol="0" anchor="ctr"/>
+          <a:lstStyle>
+            <a:lvl1pPr algn="l">
+              <a:defRPr sz="1200">
+                <a:solidFill>
+                  <a:schemeClr val="tx1">
+                    <a:tint val="75000"/>
+                  </a:schemeClr>
+                </a:solidFill>
+              </a:defRPr>
+            </a:lvl1pPr>
+          </a:lstStyle>
+          <a:p>
+            <a:fld id="{4617FB60-BF3C-4081-9AB7-A4E16EDB9E9D}" type="datetimeFigureOut">
+              <a:rPr lang="sv-SE" smtClean="0"/>
+              <a:t>2024-09-07</a:t>
+            </a:fld>
+            <a:endParaRPr lang="sv-SE"/>
+          </a:p>
+        </p:txBody>
+      </p:sp>
+      <p:sp>
+        <p:nvSpPr>
+          <p:cNvPr id="5" name="Platshållare för sidfot 4">
+            <a:extLst>
+              <a:ext uri="{FF2B5EF4-FFF2-40B4-BE49-F238E27FC236}">
+                <a16:creationId xmlns:a16="http://schemas.microsoft.com/office/drawing/2014/main" id="{F7C21EE0-170C-18B8-07C0-D0771243952C}"/>
+              </a:ext>
+            </a:extLst>
+          </p:cNvPr>
+          <p:cNvSpPr>
+            <a:spLocks noGrp="1"/>
+          </p:cNvSpPr>
+          <p:nvPr>
+            <p:ph type="ftr" sz="quarter" idx="3"/>
+          </p:nvPr>
+        </p:nvSpPr>
+        <p:spPr>
+          <a:xfrm>
+            <a:off x="4038600" y="6356350"/>
+            <a:ext cx="4114800" cy="365125"/>
+          </a:xfrm>
+          <a:prstGeom prst="rect">
+            <a:avLst/>
+          </a:prstGeom>
+        </p:spPr>
+        <p:txBody>
+          <a:bodyPr vert="horz" lIns="91440" tIns="45720" rIns="91440" bIns="45720" rtlCol="0" anchor="ctr"/>
+          <a:lstStyle>
+            <a:lvl1pPr algn="ctr">
+              <a:defRPr sz="1200">
+                <a:solidFill>
+                  <a:schemeClr val="tx1">
+                    <a:tint val="75000"/>
+                  </a:schemeClr>
+                </a:solidFill>
+              </a:defRPr>
+            </a:lvl1pPr>
+          </a:lstStyle>
+          <a:p>
+            <a:endParaRPr lang="sv-SE"/>
+          </a:p>
+        </p:txBody>
+      </p:sp>
+      <p:sp>
+        <p:nvSpPr>
+          <p:cNvPr id="6" name="Platshållare för bildnummer 5">
+            <a:extLst>
+              <a:ext uri="{FF2B5EF4-FFF2-40B4-BE49-F238E27FC236}">
+                <a16:creationId xmlns:a16="http://schemas.microsoft.com/office/drawing/2014/main" id="{D92E3172-FA6F-677C-3254-E602B0FE1101}"/>
+              </a:ext>
+            </a:extLst>
+          </p:cNvPr>
+          <p:cNvSpPr>
+            <a:spLocks noGrp="1"/>
+          </p:cNvSpPr>
+          <p:nvPr>
+            <p:ph type="sldNum" sz="quarter" idx="4"/>
+          </p:nvPr>
+        </p:nvSpPr>
+        <p:spPr>
+          <a:xfrm>
+            <a:off x="8610600" y="6356350"/>
+            <a:ext cx="2743200" cy="365125"/>
+          </a:xfrm>
+          <a:prstGeom prst="rect">
+            <a:avLst/>
+          </a:prstGeom>
+        </p:spPr>
+        <p:txBody>
+          <a:bodyPr vert="horz" lIns="91440" tIns="45720" rIns="91440" bIns="45720" rtlCol="0" anchor="ctr"/>
+          <a:lstStyle>
+            <a:lvl1pPr algn="r">
+              <a:defRPr sz="1200">
+                <a:solidFill>
+                  <a:schemeClr val="tx1">
+                    <a:tint val="75000"/>
+                  </a:schemeClr>
+                </a:solidFill>
+              </a:defRPr>
+            </a:lvl1pPr>
+          </a:lstStyle>
+          <a:p>
+            <a:fld id="{35855755-DE42-431D-889F-A55AD89DA05D}" type="slidenum">
+              <a:rPr lang="sv-SE" smtClean="0"/>
+              <a:t>‹#›</a:t>
+            </a:fld>
+            <a:endParaRPr lang="sv-SE"/>
+          </a:p>
+        </p:txBody>
+      </p:sp>
+    </p:spTree>
+    <p:extLst>
+      <p:ext uri="{BB962C8B-B14F-4D97-AF65-F5344CB8AC3E}">
+        <p14:creationId xmlns:p14="http://schemas.microsoft.com/office/powerpoint/2010/main" val="1507322467"/>
+      </p:ext>
+    </p:extLst>
+  </p:cSld>
+  <p:clrMap bg1="lt1" tx1="dk1" bg2="lt2" tx2="dk2" accent1="accent1" accent2="accent2" accent3="accent3" accent4="accent4" accent5="accent5" accent6="accent6" hlink="hlink" folHlink="folHlink"/>
+  <p:sldLayoutIdLst>
+    <p:sldLayoutId id="2147483661" r:id="rId1"/>
+    <p:sldLayoutId id="2147483662" r:id="rId2"/>
+    <p:sldLayoutId id="2147483663" r:id="rId3"/>
+    <p:sldLayoutId id="2147483664" r:id="rId4"/>
+    <p:sldLayoutId id="2147483665" r:id="rId5"/>
+    <p:sldLayoutId id="2147483666" r:id="rId6"/>
+    <p:sldLayoutId id="2147483667" r:id="rId7"/>
+    <p:sldLayoutId id="2147483668" r:id="rId8"/>
+    <p:sldLayoutId id="2147483669" r:id="rId9"/>
+    <p:sldLayoutId id="2147483670" r:id="rId10"/>
+    <p:sldLayoutId id="2147483671" r:id="rId11"/>
+  </p:sldLayoutIdLst>
+  <p:txStyles>
+    <p:titleStyle>
+      <a:lvl1pPr algn="l" defTabSz="914400" rtl="0" eaLnBrk="1" latinLnBrk="0" hangingPunct="1">
+        <a:lnSpc>
+          <a:spcPct val="90000"/>
+        </a:lnSpc>
+        <a:spcBef>
+          <a:spcPct val="0"/>
+        </a:spcBef>
+        <a:buNone/>
+        <a:defRPr sz="4400" kern="1200">
+          <a:solidFill>
+            <a:schemeClr val="tx1"/>
+          </a:solidFill>
+          <a:latin typeface="+mj-lt"/>
+          <a:ea typeface="+mj-ea"/>
+          <a:cs typeface="+mj-cs"/>
+        </a:defRPr>
+      </a:lvl1pPr>
+    </p:titleStyle>
+    <p:bodyStyle>
+      <a:lvl1pPr marL="228600" indent="-228600" algn="l" defTabSz="914400" rtl="0" eaLnBrk="1" latinLnBrk="0" hangingPunct="1">
+        <a:lnSpc>
+          <a:spcPct val="90000"/>
+        </a:lnSpc>
+        <a:spcBef>
+          <a:spcPts val="1000"/>
+        </a:spcBef>
+        <a:buFont typeface="Arial" panose="020B0604020202020204" pitchFamily="34" charset="0"/>
+        <a:buChar char="•"/>
+        <a:defRPr sz="2800" kern="1200">
+          <a:solidFill>
+            <a:schemeClr val="tx1"/>
+          </a:solidFill>
+          <a:latin typeface="+mn-lt"/>
+          <a:ea typeface="+mn-ea"/>
+          <a:cs typeface="+mn-cs"/>
+        </a:defRPr>
+      </a:lvl1pPr>
+      <a:lvl2pPr marL="685800" indent="-228600" algn="l" defTabSz="914400" rtl="0" eaLnBrk="1" latinLnBrk="0" hangingPunct="1">
+        <a:lnSpc>
+          <a:spcPct val="90000"/>
+        </a:lnSpc>
+        <a:spcBef>
+          <a:spcPts val="500"/>
+        </a:spcBef>
+        <a:buFont typeface="Arial" panose="020B0604020202020204" pitchFamily="34" charset="0"/>
+        <a:buChar char="•"/>
+        <a:defRPr sz="2400" kern="1200">
+          <a:solidFill>
+            <a:schemeClr val="tx1"/>
+          </a:solidFill>
+          <a:latin typeface="+mn-lt"/>
+          <a:ea typeface="+mn-ea"/>
+          <a:cs typeface="+mn-cs"/>
+        </a:defRPr>
+      </a:lvl2pPr>
+      <a:lvl3pPr marL="1143000" indent="-228600" algn="l" defTabSz="914400" rtl="0" eaLnBrk="1" latinLnBrk="0" hangingPunct="1">
+        <a:lnSpc>
+          <a:spcPct val="90000"/>
+        </a:lnSpc>
+        <a:spcBef>
+          <a:spcPts val="500"/>
+        </a:spcBef>
+        <a:buFont typeface="Arial" panose="020B0604020202020204" pitchFamily="34" charset="0"/>
+        <a:buChar char="•"/>
+        <a:defRPr sz="2000" kern="1200">
+          <a:solidFill>
+            <a:schemeClr val="tx1"/>
+          </a:solidFill>
+          <a:latin typeface="+mn-lt"/>
+          <a:ea typeface="+mn-ea"/>
+          <a:cs typeface="+mn-cs"/>
+        </a:defRPr>
+      </a:lvl3pPr>
+      <a:lvl4pPr marL="1600200" indent="-228600" algn="l" defTabSz="914400" rtl="0" eaLnBrk="1" latinLnBrk="0" hangingPunct="1">
+        <a:lnSpc>
+          <a:spcPct val="90000"/>
+        </a:lnSpc>
+        <a:spcBef>
+          <a:spcPts val="500"/>
+        </a:spcBef>
+        <a:buFont typeface="Arial" panose="020B0604020202020204" pitchFamily="34" charset="0"/>
+        <a:buChar char="•"/>
+        <a:defRPr sz="1800" kern="1200">
+          <a:solidFill>
+            <a:schemeClr val="tx1"/>
+          </a:solidFill>
+          <a:latin typeface="+mn-lt"/>
+          <a:ea typeface="+mn-ea"/>
+          <a:cs typeface="+mn-cs"/>
+        </a:defRPr>
+      </a:lvl4pPr>
+      <a:lvl5pPr marL="2057400" indent="-228600" algn="l" defTabSz="914400" rtl="0" eaLnBrk="1" latinLnBrk="0" hangingPunct="1">
+        <a:lnSpc>
+          <a:spcPct val="90000"/>
+        </a:lnSpc>
+        <a:spcBef>
+          <a:spcPts val="500"/>
+        </a:spcBef>
+        <a:buFont typeface="Arial" panose="020B0604020202020204" pitchFamily="34" charset="0"/>
+        <a:buChar char="•"/>
+        <a:defRPr sz="1800" kern="1200">
+          <a:solidFill>
+            <a:schemeClr val="tx1"/>
+          </a:solidFill>
+          <a:latin typeface="+mn-lt"/>
+          <a:ea typeface="+mn-ea"/>
+          <a:cs typeface="+mn-cs"/>
+        </a:defRPr>
+      </a:lvl5pPr>
+      <a:lvl6pPr marL="2514600" indent="-228600" algn="l" defTabSz="914400" rtl="0" eaLnBrk="1" latinLnBrk="0" hangingPunct="1">
+        <a:lnSpc>
+          <a:spcPct val="90000"/>
+        </a:lnSpc>
+        <a:spcBef>
+          <a:spcPts val="500"/>
+        </a:spcBef>
+        <a:buFont typeface="Arial" panose="020B0604020202020204" pitchFamily="34" charset="0"/>
+        <a:buChar char="•"/>
+        <a:defRPr sz="1800" kern="1200">
+          <a:solidFill>
+            <a:schemeClr val="tx1"/>
+          </a:solidFill>
+          <a:latin typeface="+mn-lt"/>
+          <a:ea typeface="+mn-ea"/>
+          <a:cs typeface="+mn-cs"/>
+        </a:defRPr>
+      </a:lvl6pPr>
+      <a:lvl7pPr marL="2971800" indent="-228600" algn="l" defTabSz="914400" rtl="0" eaLnBrk="1" latinLnBrk="0" hangingPunct="1">
+        <a:lnSpc>
+          <a:spcPct val="90000"/>
+        </a:lnSpc>
+        <a:spcBef>
+          <a:spcPts val="500"/>
+        </a:spcBef>
+        <a:buFont typeface="Arial" panose="020B0604020202020204" pitchFamily="34" charset="0"/>
+        <a:buChar char="•"/>
+        <a:defRPr sz="1800" kern="1200">
+          <a:solidFill>
+            <a:schemeClr val="tx1"/>
+          </a:solidFill>
+          <a:latin typeface="+mn-lt"/>
+          <a:ea typeface="+mn-ea"/>
+          <a:cs typeface="+mn-cs"/>
+        </a:defRPr>
+      </a:lvl7pPr>
+      <a:lvl8pPr marL="3429000" indent="-228600" algn="l" defTabSz="914400" rtl="0" eaLnBrk="1" latinLnBrk="0" hangingPunct="1">
+        <a:lnSpc>
+          <a:spcPct val="90000"/>
+        </a:lnSpc>
+        <a:spcBef>
+          <a:spcPts val="500"/>
+        </a:spcBef>
+        <a:buFont typeface="Arial" panose="020B0604020202020204" pitchFamily="34" charset="0"/>
+        <a:buChar char="•"/>
+        <a:defRPr sz="1800" kern="1200">
+          <a:solidFill>
+            <a:schemeClr val="tx1"/>
+          </a:solidFill>
+          <a:latin typeface="+mn-lt"/>
+          <a:ea typeface="+mn-ea"/>
+          <a:cs typeface="+mn-cs"/>
+        </a:defRPr>
+      </a:lvl8pPr>
+      <a:lvl9pPr marL="3886200" indent="-228600" algn="l" defTabSz="914400" rtl="0" eaLnBrk="1" latinLnBrk="0" hangingPunct="1">
+        <a:lnSpc>
+          <a:spcPct val="90000"/>
+        </a:lnSpc>
+        <a:spcBef>
+          <a:spcPts val="500"/>
+        </a:spcBef>
+        <a:buFont typeface="Arial" panose="020B0604020202020204" pitchFamily="34" charset="0"/>
+        <a:buChar char="•"/>
+        <a:defRPr sz="1800" kern="1200">
+          <a:solidFill>
+            <a:schemeClr val="tx1"/>
+          </a:solidFill>
+          <a:latin typeface="+mn-lt"/>
+          <a:ea typeface="+mn-ea"/>
+          <a:cs typeface="+mn-cs"/>
+        </a:defRPr>
+      </a:lvl9pPr>
+    </p:bodyStyle>
+    <p:otherStyle>
+      <a:defPPr>
+        <a:defRPr lang="sv-SE"/>
+      </a:defPPr>
+      <a:lvl1pPr marL="0" algn="l" defTabSz="914400" rtl="0" eaLnBrk="1" latinLnBrk="0" hangingPunct="1">
+        <a:defRPr sz="1800" kern="1200">
+          <a:solidFill>
+            <a:schemeClr val="tx1"/>
+          </a:solidFill>
+          <a:latin typeface="+mn-lt"/>
+          <a:ea typeface="+mn-ea"/>
+          <a:cs typeface="+mn-cs"/>
+        </a:defRPr>
+      </a:lvl1pPr>
+      <a:lvl2pPr marL="457200" algn="l" defTabSz="914400" rtl="0" eaLnBrk="1" latinLnBrk="0" hangingPunct="1">
+        <a:defRPr sz="1800" kern="1200">
+          <a:solidFill>
+            <a:schemeClr val="tx1"/>
+          </a:solidFill>
+          <a:latin typeface="+mn-lt"/>
+          <a:ea typeface="+mn-ea"/>
+          <a:cs typeface="+mn-cs"/>
+        </a:defRPr>
+      </a:lvl2pPr>
+      <a:lvl3pPr marL="914400" algn="l" defTabSz="914400" rtl="0" eaLnBrk="1" latinLnBrk="0" hangingPunct="1">
+        <a:defRPr sz="1800" kern="1200">
+          <a:solidFill>
+            <a:schemeClr val="tx1"/>
+          </a:solidFill>
+          <a:latin typeface="+mn-lt"/>
+          <a:ea typeface="+mn-ea"/>
+          <a:cs typeface="+mn-cs"/>
+        </a:defRPr>
+      </a:lvl3pPr>
+      <a:lvl4pPr marL="1371600" algn="l" defTabSz="914400" rtl="0" eaLnBrk="1" latinLnBrk="0" hangingPunct="1">
+        <a:defRPr sz="1800" kern="1200">
+          <a:solidFill>
+            <a:schemeClr val="tx1"/>
+          </a:solidFill>
+          <a:latin typeface="+mn-lt"/>
+          <a:ea typeface="+mn-ea"/>
+          <a:cs typeface="+mn-cs"/>
+        </a:defRPr>
+      </a:lvl4pPr>
+      <a:lvl5pPr marL="1828800" algn="l" defTabSz="914400" rtl="0" eaLnBrk="1" latinLnBrk="0" hangingPunct="1">
+        <a:defRPr sz="1800" kern="1200">
+          <a:solidFill>
+            <a:schemeClr val="tx1"/>
+          </a:solidFill>
+          <a:latin typeface="+mn-lt"/>
+          <a:ea typeface="+mn-ea"/>
+          <a:cs typeface="+mn-cs"/>
+        </a:defRPr>
+      </a:lvl5pPr>
+      <a:lvl6pPr marL="2286000" algn="l" defTabSz="914400" rtl="0" eaLnBrk="1" latinLnBrk="0" hangingPunct="1">
+        <a:defRPr sz="1800" kern="1200">
+          <a:solidFill>
+            <a:schemeClr val="tx1"/>
+          </a:solidFill>
+          <a:latin typeface="+mn-lt"/>
+          <a:ea typeface="+mn-ea"/>
+          <a:cs typeface="+mn-cs"/>
+        </a:defRPr>
+      </a:lvl6pPr>
+      <a:lvl7pPr marL="2743200" algn="l" defTabSz="914400" rtl="0" eaLnBrk="1" latinLnBrk="0" hangingPunct="1">
+        <a:defRPr sz="1800" kern="1200">
+          <a:solidFill>
+            <a:schemeClr val="tx1"/>
+          </a:solidFill>
+          <a:latin typeface="+mn-lt"/>
+          <a:ea typeface="+mn-ea"/>
+          <a:cs typeface="+mn-cs"/>
+        </a:defRPr>
+      </a:lvl7pPr>
+      <a:lvl8pPr marL="3200400" algn="l" defTabSz="914400" rtl="0" eaLnBrk="1" latinLnBrk="0" hangingPunct="1">
+        <a:defRPr sz="1800" kern="1200">
+          <a:solidFill>
+            <a:schemeClr val="tx1"/>
+          </a:solidFill>
+          <a:latin typeface="+mn-lt"/>
+          <a:ea typeface="+mn-ea"/>
+          <a:cs typeface="+mn-cs"/>
+        </a:defRPr>
+      </a:lvl8pPr>
+      <a:lvl9pPr marL="3657600" algn="l" defTabSz="914400" rtl="0" eaLnBrk="1" latinLnBrk="0" hangingPunct="1">
+        <a:defRPr sz="1800" kern="1200">
+          <a:solidFill>
+            <a:schemeClr val="tx1"/>
+          </a:solidFill>
+          <a:latin typeface="+mn-lt"/>
+          <a:ea typeface="+mn-ea"/>
+          <a:cs typeface="+mn-cs"/>
+        </a:defRPr>
+      </a:lvl9pPr>
+    </p:otherStyle>
+  </p:txStyles>
+</p:sldMaster>
+</file>
+
 <file path=ppt/slides/slide1.xml><?xml version="1.0" encoding="utf-8"?>
 <p:sld xmlns:a="http://schemas.openxmlformats.org/drawingml/2006/main" xmlns:r="http://schemas.openxmlformats.org/officeDocument/2006/relationships" xmlns:p="http://schemas.openxmlformats.org/presentationml/2006/main">
   <p:cSld>
@@ -18283,6 +21485,497 @@
 </file>
 
 <file path=ppt/slides/slide10.xml><?xml version="1.0" encoding="utf-8"?>
+<p:sld xmlns:a="http://schemas.openxmlformats.org/drawingml/2006/main" xmlns:r="http://schemas.openxmlformats.org/officeDocument/2006/relationships" xmlns:p="http://schemas.openxmlformats.org/presentationml/2006/main">
+  <p:cSld>
+    <p:bg>
+      <p:bgPr>
+        <a:solidFill>
+          <a:schemeClr val="bg1"/>
+        </a:solidFill>
+        <a:effectLst/>
+      </p:bgPr>
+    </p:bg>
+    <p:spTree>
+      <p:nvGrpSpPr>
+        <p:cNvPr id="1" name=""/>
+        <p:cNvGrpSpPr/>
+        <p:nvPr/>
+      </p:nvGrpSpPr>
+      <p:grpSpPr>
+        <a:xfrm>
+          <a:off x="0" y="0"/>
+          <a:ext cx="0" cy="0"/>
+          <a:chOff x="0" y="0"/>
+          <a:chExt cx="0" cy="0"/>
+        </a:xfrm>
+      </p:grpSpPr>
+      <p:sp useBgFill="1">
+        <p:nvSpPr>
+          <p:cNvPr id="40" name="Rectangle 39">
+            <a:extLst>
+              <a:ext uri="{FF2B5EF4-FFF2-40B4-BE49-F238E27FC236}">
+                <a16:creationId xmlns:a16="http://schemas.microsoft.com/office/drawing/2014/main" id="{DCC231C8-C761-4B31-9B1C-C6D19248C6B3}"/>
+              </a:ext>
+              <a:ext uri="{C183D7F6-B498-43B3-948B-1728B52AA6E4}">
+                <adec:decorative xmlns:adec="http://schemas.microsoft.com/office/drawing/2017/decorative" val="1"/>
+              </a:ext>
+            </a:extLst>
+          </p:cNvPr>
+          <p:cNvSpPr>
+            <a:spLocks noGrp="1" noRot="1" noChangeAspect="1" noMove="1" noResize="1" noEditPoints="1" noAdjustHandles="1" noChangeArrowheads="1" noChangeShapeType="1" noTextEdit="1"/>
+          </p:cNvSpPr>
+          <p:nvPr>
+            <p:extLst>
+              <p:ext uri="{386F3935-93C4-4BCD-93E2-E3B085C9AB24}">
+                <p16:designElem xmlns:p16="http://schemas.microsoft.com/office/powerpoint/2015/main" val="1"/>
+              </p:ext>
+            </p:extLst>
+          </p:nvPr>
+        </p:nvSpPr>
+        <p:spPr>
+          <a:xfrm>
+            <a:off x="-1" y="0"/>
+            <a:ext cx="12188952" cy="6858000"/>
+          </a:xfrm>
+          <a:prstGeom prst="rect">
+            <a:avLst/>
+          </a:prstGeom>
+          <a:ln>
+            <a:noFill/>
+          </a:ln>
+        </p:spPr>
+        <p:style>
+          <a:lnRef idx="2">
+            <a:schemeClr val="accent1">
+              <a:shade val="50000"/>
+            </a:schemeClr>
+          </a:lnRef>
+          <a:fillRef idx="1">
+            <a:schemeClr val="accent1"/>
+          </a:fillRef>
+          <a:effectRef idx="0">
+            <a:schemeClr val="accent1"/>
+          </a:effectRef>
+          <a:fontRef idx="minor">
+            <a:schemeClr val="lt1"/>
+          </a:fontRef>
+        </p:style>
+        <p:txBody>
+          <a:bodyPr rtlCol="0" anchor="ctr"/>
+          <a:lstStyle/>
+          <a:p>
+            <a:pPr algn="ctr"/>
+            <a:endParaRPr lang="en-US"/>
+          </a:p>
+        </p:txBody>
+      </p:sp>
+      <p:sp>
+        <p:nvSpPr>
+          <p:cNvPr id="3" name="Title 2">
+            <a:extLst>
+              <a:ext uri="{FF2B5EF4-FFF2-40B4-BE49-F238E27FC236}">
+                <a16:creationId xmlns:a16="http://schemas.microsoft.com/office/drawing/2014/main" id="{B6216841-A2AF-90DB-DC18-1EF591C2E2B1}"/>
+              </a:ext>
+            </a:extLst>
+          </p:cNvPr>
+          <p:cNvSpPr>
+            <a:spLocks noGrp="1"/>
+          </p:cNvSpPr>
+          <p:nvPr>
+            <p:ph type="title"/>
+          </p:nvPr>
+        </p:nvSpPr>
+        <p:spPr>
+          <a:xfrm>
+            <a:off x="838200" y="557189"/>
+            <a:ext cx="3374136" cy="5567891"/>
+          </a:xfrm>
+        </p:spPr>
+        <p:txBody>
+          <a:bodyPr>
+            <a:normAutofit/>
+          </a:bodyPr>
+          <a:lstStyle/>
+          <a:p>
+            <a:r>
+              <a:rPr lang="en-GB" sz="5200"/>
+              <a:t>Why metadata?</a:t>
+            </a:r>
+            <a:endParaRPr lang="LID4096" sz="5200"/>
+          </a:p>
+        </p:txBody>
+      </p:sp>
+      <p:graphicFrame>
+        <p:nvGraphicFramePr>
+          <p:cNvPr id="20" name="Content Placeholder 3">
+            <a:extLst>
+              <a:ext uri="{FF2B5EF4-FFF2-40B4-BE49-F238E27FC236}">
+                <a16:creationId xmlns:a16="http://schemas.microsoft.com/office/drawing/2014/main" id="{468D409A-A049-6F78-AD9B-AEE7C44AA34E}"/>
+              </a:ext>
+            </a:extLst>
+          </p:cNvPr>
+          <p:cNvGraphicFramePr>
+            <a:graphicFrameLocks noGrp="1"/>
+          </p:cNvGraphicFramePr>
+          <p:nvPr>
+            <p:ph idx="1"/>
+            <p:extLst>
+              <p:ext uri="{D42A27DB-BD31-4B8C-83A1-F6EECF244321}">
+                <p14:modId xmlns:p14="http://schemas.microsoft.com/office/powerpoint/2010/main" val="2846124245"/>
+              </p:ext>
+            </p:extLst>
+          </p:nvPr>
+        </p:nvGraphicFramePr>
+        <p:xfrm>
+          <a:off x="5093208" y="620392"/>
+          <a:ext cx="6263640" cy="5504688"/>
+        </p:xfrm>
+        <a:graphic>
+          <a:graphicData uri="http://schemas.openxmlformats.org/drawingml/2006/diagram">
+            <dgm:relIds xmlns:dgm="http://schemas.openxmlformats.org/drawingml/2006/diagram" xmlns:r="http://schemas.openxmlformats.org/officeDocument/2006/relationships" r:dm="rId2" r:lo="rId3" r:qs="rId4" r:cs="rId5"/>
+          </a:graphicData>
+        </a:graphic>
+      </p:graphicFrame>
+    </p:spTree>
+    <p:extLst>
+      <p:ext uri="{BB962C8B-B14F-4D97-AF65-F5344CB8AC3E}">
+        <p14:creationId xmlns:p14="http://schemas.microsoft.com/office/powerpoint/2010/main" val="4031301538"/>
+      </p:ext>
+    </p:extLst>
+  </p:cSld>
+  <p:clrMapOvr>
+    <a:masterClrMapping/>
+  </p:clrMapOvr>
+</p:sld>
+</file>
+
+<file path=ppt/slides/slide11.xml><?xml version="1.0" encoding="utf-8"?>
+<p:sld xmlns:a="http://schemas.openxmlformats.org/drawingml/2006/main" xmlns:r="http://schemas.openxmlformats.org/officeDocument/2006/relationships" xmlns:p="http://schemas.openxmlformats.org/presentationml/2006/main">
+  <p:cSld>
+    <p:bg>
+      <p:bgPr>
+        <a:solidFill>
+          <a:schemeClr val="bg1"/>
+        </a:solidFill>
+        <a:effectLst/>
+      </p:bgPr>
+    </p:bg>
+    <p:spTree>
+      <p:nvGrpSpPr>
+        <p:cNvPr id="1" name=""/>
+        <p:cNvGrpSpPr/>
+        <p:nvPr/>
+      </p:nvGrpSpPr>
+      <p:grpSpPr>
+        <a:xfrm>
+          <a:off x="0" y="0"/>
+          <a:ext cx="0" cy="0"/>
+          <a:chOff x="0" y="0"/>
+          <a:chExt cx="0" cy="0"/>
+        </a:xfrm>
+      </p:grpSpPr>
+      <p:sp>
+        <p:nvSpPr>
+          <p:cNvPr id="2" name="Title 1">
+            <a:extLst>
+              <a:ext uri="{FF2B5EF4-FFF2-40B4-BE49-F238E27FC236}">
+                <a16:creationId xmlns:a16="http://schemas.microsoft.com/office/drawing/2014/main" id="{77B55B23-6C19-78DC-A809-6B91765B073A}"/>
+              </a:ext>
+            </a:extLst>
+          </p:cNvPr>
+          <p:cNvSpPr>
+            <a:spLocks noGrp="1"/>
+          </p:cNvSpPr>
+          <p:nvPr>
+            <p:ph type="title"/>
+          </p:nvPr>
+        </p:nvSpPr>
+        <p:spPr>
+          <a:xfrm>
+            <a:off x="6823878" y="741391"/>
+            <a:ext cx="4491821" cy="1616203"/>
+          </a:xfrm>
+        </p:spPr>
+        <p:txBody>
+          <a:bodyPr anchor="b">
+            <a:normAutofit/>
+          </a:bodyPr>
+          <a:lstStyle/>
+          <a:p>
+            <a:r>
+              <a:rPr lang="en-GB" sz="3200"/>
+              <a:t>Why metadata?</a:t>
+            </a:r>
+            <a:endParaRPr lang="LID4096" sz="3200"/>
+          </a:p>
+        </p:txBody>
+      </p:sp>
+      <p:pic>
+        <p:nvPicPr>
+          <p:cNvPr id="16" name="Picture 15" descr="Digital art of brain">
+            <a:extLst>
+              <a:ext uri="{FF2B5EF4-FFF2-40B4-BE49-F238E27FC236}">
+                <a16:creationId xmlns:a16="http://schemas.microsoft.com/office/drawing/2014/main" id="{495C5AE0-6FDD-2026-14D0-33BFF46FEA45}"/>
+              </a:ext>
+            </a:extLst>
+          </p:cNvPr>
+          <p:cNvPicPr>
+            <a:picLocks noChangeAspect="1"/>
+          </p:cNvPicPr>
+          <p:nvPr/>
+        </p:nvPicPr>
+        <p:blipFill rotWithShape="1">
+          <a:blip r:embed="rId2"/>
+          <a:srcRect l="29346" r="20654"/>
+          <a:stretch/>
+        </p:blipFill>
+        <p:spPr>
+          <a:xfrm>
+            <a:off x="20" y="10"/>
+            <a:ext cx="6095980" cy="6857990"/>
+          </a:xfrm>
+          <a:prstGeom prst="rect">
+            <a:avLst/>
+          </a:prstGeom>
+        </p:spPr>
+      </p:pic>
+      <p:grpSp>
+        <p:nvGrpSpPr>
+          <p:cNvPr id="20" name="Group 19">
+            <a:extLst>
+              <a:ext uri="{FF2B5EF4-FFF2-40B4-BE49-F238E27FC236}">
+                <a16:creationId xmlns:a16="http://schemas.microsoft.com/office/drawing/2014/main" id="{5EFBDE31-BB3E-6CFC-23CD-B5976DA38438}"/>
+              </a:ext>
+              <a:ext uri="{C183D7F6-B498-43B3-948B-1728B52AA6E4}">
+                <adec:decorative xmlns:adec="http://schemas.microsoft.com/office/drawing/2017/decorative" val="1"/>
+              </a:ext>
+            </a:extLst>
+          </p:cNvPr>
+          <p:cNvGrpSpPr>
+            <a:grpSpLocks noGrp="1" noUngrp="1" noRot="1" noChangeAspect="1" noMove="1" noResize="1"/>
+          </p:cNvGrpSpPr>
+          <p:nvPr>
+            <p:extLst>
+              <p:ext uri="{386F3935-93C4-4BCD-93E2-E3B085C9AB24}">
+                <p16:designElem xmlns:p16="http://schemas.microsoft.com/office/powerpoint/2015/main" val="1"/>
+              </p:ext>
+            </p:extLst>
+          </p:nvPr>
+        </p:nvGrpSpPr>
+        <p:grpSpPr>
+          <a:xfrm>
+            <a:off x="0" y="0"/>
+            <a:ext cx="123362" cy="6858000"/>
+            <a:chOff x="12068638" y="0"/>
+            <a:chExt cx="123362" cy="6858000"/>
+          </a:xfrm>
+        </p:grpSpPr>
+        <p:sp>
+          <p:nvSpPr>
+            <p:cNvPr id="21" name="Rectangle 20">
+              <a:extLst>
+                <a:ext uri="{FF2B5EF4-FFF2-40B4-BE49-F238E27FC236}">
+                  <a16:creationId xmlns:a16="http://schemas.microsoft.com/office/drawing/2014/main" id="{180A60EC-72BB-121F-556A-E2837FD99A87}"/>
+                </a:ext>
+                <a:ext uri="{C183D7F6-B498-43B3-948B-1728B52AA6E4}">
+                  <adec:decorative xmlns:adec="http://schemas.microsoft.com/office/drawing/2017/decorative" val="1"/>
+                </a:ext>
+              </a:extLst>
+            </p:cNvPr>
+            <p:cNvSpPr/>
+            <p:nvPr>
+              <p:extLst>
+                <p:ext uri="{386F3935-93C4-4BCD-93E2-E3B085C9AB24}">
+                  <p16:designElem xmlns:p16="http://schemas.microsoft.com/office/powerpoint/2015/main" val="1"/>
+                </p:ext>
+              </p:extLst>
+            </p:nvPr>
+          </p:nvSpPr>
+          <p:spPr>
+            <a:xfrm>
+              <a:off x="12068638" y="0"/>
+              <a:ext cx="123362" cy="6858000"/>
+            </a:xfrm>
+            <a:prstGeom prst="rect">
+              <a:avLst/>
+            </a:prstGeom>
+            <a:gradFill>
+              <a:gsLst>
+                <a:gs pos="0">
+                  <a:schemeClr val="accent2"/>
+                </a:gs>
+                <a:gs pos="100000">
+                  <a:schemeClr val="accent5"/>
+                </a:gs>
+              </a:gsLst>
+              <a:lin ang="1800000" scaled="0"/>
+            </a:gradFill>
+            <a:ln>
+              <a:noFill/>
+            </a:ln>
+          </p:spPr>
+          <p:style>
+            <a:lnRef idx="2">
+              <a:schemeClr val="accent1">
+                <a:shade val="50000"/>
+              </a:schemeClr>
+            </a:lnRef>
+            <a:fillRef idx="1">
+              <a:schemeClr val="accent1"/>
+            </a:fillRef>
+            <a:effectRef idx="0">
+              <a:schemeClr val="accent1"/>
+            </a:effectRef>
+            <a:fontRef idx="minor">
+              <a:schemeClr val="lt1"/>
+            </a:fontRef>
+          </p:style>
+          <p:txBody>
+            <a:bodyPr rtlCol="0" anchor="ctr"/>
+            <a:lstStyle/>
+            <a:p>
+              <a:pPr algn="ctr"/>
+              <a:endParaRPr lang="en-US"/>
+            </a:p>
+          </p:txBody>
+        </p:sp>
+        <p:sp>
+          <p:nvSpPr>
+            <p:cNvPr id="22" name="Rectangle 21">
+              <a:extLst>
+                <a:ext uri="{FF2B5EF4-FFF2-40B4-BE49-F238E27FC236}">
+                  <a16:creationId xmlns:a16="http://schemas.microsoft.com/office/drawing/2014/main" id="{F91A2FAE-D41C-FF5D-B0A0-7808248EDC94}"/>
+                </a:ext>
+                <a:ext uri="{C183D7F6-B498-43B3-948B-1728B52AA6E4}">
+                  <adec:decorative xmlns:adec="http://schemas.microsoft.com/office/drawing/2017/decorative" val="1"/>
+                </a:ext>
+              </a:extLst>
+            </p:cNvPr>
+            <p:cNvSpPr/>
+            <p:nvPr>
+              <p:extLst>
+                <p:ext uri="{386F3935-93C4-4BCD-93E2-E3B085C9AB24}">
+                  <p16:designElem xmlns:p16="http://schemas.microsoft.com/office/powerpoint/2015/main" val="1"/>
+                </p:ext>
+              </p:extLst>
+            </p:nvPr>
+          </p:nvSpPr>
+          <p:spPr>
+            <a:xfrm>
+              <a:off x="12068638" y="4139706"/>
+              <a:ext cx="123362" cy="2718294"/>
+            </a:xfrm>
+            <a:prstGeom prst="rect">
+              <a:avLst/>
+            </a:prstGeom>
+            <a:gradFill>
+              <a:gsLst>
+                <a:gs pos="19000">
+                  <a:schemeClr val="accent5">
+                    <a:alpha val="0"/>
+                  </a:schemeClr>
+                </a:gs>
+                <a:gs pos="100000">
+                  <a:schemeClr val="accent5">
+                    <a:lumMod val="60000"/>
+                    <a:lumOff val="40000"/>
+                  </a:schemeClr>
+                </a:gs>
+              </a:gsLst>
+              <a:lin ang="600000" scaled="0"/>
+            </a:gradFill>
+            <a:ln>
+              <a:noFill/>
+            </a:ln>
+          </p:spPr>
+          <p:style>
+            <a:lnRef idx="2">
+              <a:schemeClr val="accent1">
+                <a:shade val="50000"/>
+              </a:schemeClr>
+            </a:lnRef>
+            <a:fillRef idx="1">
+              <a:schemeClr val="accent1"/>
+            </a:fillRef>
+            <a:effectRef idx="0">
+              <a:schemeClr val="accent1"/>
+            </a:effectRef>
+            <a:fontRef idx="minor">
+              <a:schemeClr val="lt1"/>
+            </a:fontRef>
+          </p:style>
+          <p:txBody>
+            <a:bodyPr rtlCol="0" anchor="ctr"/>
+            <a:lstStyle/>
+            <a:p>
+              <a:pPr algn="ctr"/>
+              <a:endParaRPr lang="en-US"/>
+            </a:p>
+          </p:txBody>
+        </p:sp>
+      </p:grpSp>
+      <p:sp>
+        <p:nvSpPr>
+          <p:cNvPr id="3" name="Content Placeholder 2">
+            <a:extLst>
+              <a:ext uri="{FF2B5EF4-FFF2-40B4-BE49-F238E27FC236}">
+                <a16:creationId xmlns:a16="http://schemas.microsoft.com/office/drawing/2014/main" id="{CE95D58E-4E49-2237-5F83-246B11373749}"/>
+              </a:ext>
+            </a:extLst>
+          </p:cNvPr>
+          <p:cNvSpPr>
+            <a:spLocks noGrp="1"/>
+          </p:cNvSpPr>
+          <p:nvPr>
+            <p:ph idx="1"/>
+          </p:nvPr>
+        </p:nvSpPr>
+        <p:spPr>
+          <a:xfrm>
+            <a:off x="6823878" y="2533476"/>
+            <a:ext cx="4491820" cy="3447832"/>
+          </a:xfrm>
+        </p:spPr>
+        <p:txBody>
+          <a:bodyPr anchor="t">
+            <a:normAutofit/>
+          </a:bodyPr>
+          <a:lstStyle/>
+          <a:p>
+            <a:r>
+              <a:rPr lang="en-GB" sz="2000" dirty="0"/>
+              <a:t>Even the incredible DBA can’t keep all this in their head</a:t>
+            </a:r>
+          </a:p>
+          <a:p>
+            <a:r>
+              <a:rPr lang="en-GB" sz="2000" dirty="0"/>
+              <a:t>Automation at scale is possible through well formed and well maintained metadata</a:t>
+            </a:r>
+          </a:p>
+          <a:p>
+            <a:r>
+              <a:rPr lang="en-GB" sz="2000" dirty="0"/>
+              <a:t>Think of it as a code first model for databases</a:t>
+            </a:r>
+            <a:endParaRPr lang="LID4096" sz="2000" dirty="0"/>
+          </a:p>
+        </p:txBody>
+      </p:sp>
+    </p:spTree>
+    <p:extLst>
+      <p:ext uri="{BB962C8B-B14F-4D97-AF65-F5344CB8AC3E}">
+        <p14:creationId xmlns:p14="http://schemas.microsoft.com/office/powerpoint/2010/main" val="3740780917"/>
+      </p:ext>
+    </p:extLst>
+  </p:cSld>
+  <p:clrMapOvr>
+    <a:masterClrMapping/>
+  </p:clrMapOvr>
+</p:sld>
+</file>
+
+<file path=ppt/slides/slide12.xml><?xml version="1.0" encoding="utf-8"?>
 <p:sld xmlns:a="http://schemas.openxmlformats.org/drawingml/2006/main" xmlns:r="http://schemas.openxmlformats.org/officeDocument/2006/relationships" xmlns:p="http://schemas.openxmlformats.org/presentationml/2006/main">
   <p:cSld>
     <p:bg>
@@ -19219,7 +22912,7 @@
 </p:sld>
 </file>
 
-<file path=ppt/slides/slide11.xml><?xml version="1.0" encoding="utf-8"?>
+<file path=ppt/slides/slide13.xml><?xml version="1.0" encoding="utf-8"?>
 <p:sld xmlns:a="http://schemas.openxmlformats.org/drawingml/2006/main" xmlns:r="http://schemas.openxmlformats.org/officeDocument/2006/relationships" xmlns:p="http://schemas.openxmlformats.org/presentationml/2006/main">
   <p:cSld>
     <p:bg>
@@ -21779,7 +25472,7 @@
 </p:sld>
 </file>
 
-<file path=ppt/slides/slide12.xml><?xml version="1.0" encoding="utf-8"?>
+<file path=ppt/slides/slide14.xml><?xml version="1.0" encoding="utf-8"?>
 <p:sld xmlns:a="http://schemas.openxmlformats.org/drawingml/2006/main" xmlns:r="http://schemas.openxmlformats.org/officeDocument/2006/relationships" xmlns:p="http://schemas.openxmlformats.org/presentationml/2006/main">
   <p:cSld>
     <p:bg>
@@ -22365,7 +26058,7 @@
 </p:sld>
 </file>
 
-<file path=ppt/slides/slide13.xml><?xml version="1.0" encoding="utf-8"?>
+<file path=ppt/slides/slide15.xml><?xml version="1.0" encoding="utf-8"?>
 <p:sld xmlns:a="http://schemas.openxmlformats.org/drawingml/2006/main" xmlns:r="http://schemas.openxmlformats.org/officeDocument/2006/relationships" xmlns:p="http://schemas.openxmlformats.org/presentationml/2006/main">
   <p:cSld>
     <p:bg>
@@ -22781,7 +26474,7 @@
 </p:sld>
 </file>
 
-<file path=ppt/slides/slide14.xml><?xml version="1.0" encoding="utf-8"?>
+<file path=ppt/slides/slide16.xml><?xml version="1.0" encoding="utf-8"?>
 <p:sld xmlns:a="http://schemas.openxmlformats.org/drawingml/2006/main" xmlns:r="http://schemas.openxmlformats.org/officeDocument/2006/relationships" xmlns:p="http://schemas.openxmlformats.org/presentationml/2006/main">
   <p:cSld>
     <p:bg>
@@ -23144,6 +26837,678 @@
     <p:extLst>
       <p:ext uri="{BB962C8B-B14F-4D97-AF65-F5344CB8AC3E}">
         <p14:creationId xmlns:p14="http://schemas.microsoft.com/office/powerpoint/2010/main" val="3370798772"/>
+      </p:ext>
+    </p:extLst>
+  </p:cSld>
+  <p:clrMapOvr>
+    <a:masterClrMapping/>
+  </p:clrMapOvr>
+</p:sld>
+</file>
+
+<file path=ppt/slides/slide17.xml><?xml version="1.0" encoding="utf-8"?>
+<p:sld xmlns:a="http://schemas.openxmlformats.org/drawingml/2006/main" xmlns:r="http://schemas.openxmlformats.org/officeDocument/2006/relationships" xmlns:p="http://schemas.openxmlformats.org/presentationml/2006/main">
+  <p:cSld>
+    <p:spTree>
+      <p:nvGrpSpPr>
+        <p:cNvPr id="1" name=""/>
+        <p:cNvGrpSpPr/>
+        <p:nvPr/>
+      </p:nvGrpSpPr>
+      <p:grpSpPr>
+        <a:xfrm>
+          <a:off x="0" y="0"/>
+          <a:ext cx="0" cy="0"/>
+          <a:chOff x="0" y="0"/>
+          <a:chExt cx="0" cy="0"/>
+        </a:xfrm>
+      </p:grpSpPr>
+      <p:sp>
+        <p:nvSpPr>
+          <p:cNvPr id="4" name="textruta 3">
+            <a:extLst>
+              <a:ext uri="{FF2B5EF4-FFF2-40B4-BE49-F238E27FC236}">
+                <a16:creationId xmlns:a16="http://schemas.microsoft.com/office/drawing/2014/main" id="{7B6ECFC8-D962-81BC-8CD8-9E0404E25B1B}"/>
+              </a:ext>
+            </a:extLst>
+          </p:cNvPr>
+          <p:cNvSpPr txBox="1"/>
+          <p:nvPr/>
+        </p:nvSpPr>
+        <p:spPr>
+          <a:xfrm>
+            <a:off x="0" y="366420"/>
+            <a:ext cx="12192000" cy="830997"/>
+          </a:xfrm>
+          <a:prstGeom prst="rect">
+            <a:avLst/>
+          </a:prstGeom>
+          <a:noFill/>
+        </p:spPr>
+        <p:txBody>
+          <a:bodyPr wrap="square" rtlCol="0">
+            <a:spAutoFit/>
+          </a:bodyPr>
+          <a:lstStyle/>
+          <a:p>
+            <a:pPr marL="0" marR="0" lvl="0" indent="0" algn="ctr" defTabSz="914400" rtl="0" eaLnBrk="1" fontAlgn="auto" latinLnBrk="0" hangingPunct="1">
+              <a:lnSpc>
+                <a:spcPct val="100000"/>
+              </a:lnSpc>
+              <a:spcBef>
+                <a:spcPts val="0"/>
+              </a:spcBef>
+              <a:spcAft>
+                <a:spcPts val="0"/>
+              </a:spcAft>
+              <a:buClrTx/>
+              <a:buSzTx/>
+              <a:buFontTx/>
+              <a:buNone/>
+              <a:tabLst/>
+              <a:defRPr/>
+            </a:pPr>
+            <a:r>
+              <a:rPr kumimoji="0" lang="sv-SE" sz="4800" b="0" i="0" u="none" strike="noStrike" kern="1200" cap="none" spc="0" normalizeH="0" baseline="0" noProof="0" dirty="0">
+                <a:ln>
+                  <a:noFill/>
+                </a:ln>
+                <a:solidFill>
+                  <a:srgbClr val="4472C4">
+                    <a:lumMod val="75000"/>
+                  </a:srgbClr>
+                </a:solidFill>
+                <a:effectLst/>
+                <a:uLnTx/>
+                <a:uFillTx/>
+                <a:latin typeface="Calibri" panose="020F0502020204030204"/>
+                <a:ea typeface="+mn-ea"/>
+                <a:cs typeface="+mn-cs"/>
+              </a:rPr>
+              <a:t>Data </a:t>
+            </a:r>
+            <a:r>
+              <a:rPr kumimoji="0" lang="sv-SE" sz="4800" b="0" i="0" u="none" strike="noStrike" kern="1200" cap="none" spc="0" normalizeH="0" baseline="0" noProof="0" dirty="0" err="1">
+                <a:ln>
+                  <a:noFill/>
+                </a:ln>
+                <a:solidFill>
+                  <a:srgbClr val="4472C4">
+                    <a:lumMod val="75000"/>
+                  </a:srgbClr>
+                </a:solidFill>
+                <a:effectLst/>
+                <a:uLnTx/>
+                <a:uFillTx/>
+                <a:latin typeface="Calibri" panose="020F0502020204030204"/>
+                <a:ea typeface="+mn-ea"/>
+                <a:cs typeface="+mn-cs"/>
+              </a:rPr>
+              <a:t>Saturday</a:t>
+            </a:r>
+            <a:r>
+              <a:rPr kumimoji="0" lang="sv-SE" sz="4800" b="0" i="0" u="none" strike="noStrike" kern="1200" cap="none" spc="0" normalizeH="0" baseline="0" noProof="0" dirty="0">
+                <a:ln>
+                  <a:noFill/>
+                </a:ln>
+                <a:solidFill>
+                  <a:srgbClr val="4472C4">
+                    <a:lumMod val="75000"/>
+                  </a:srgbClr>
+                </a:solidFill>
+                <a:effectLst/>
+                <a:uLnTx/>
+                <a:uFillTx/>
+                <a:latin typeface="Calibri" panose="020F0502020204030204"/>
+                <a:ea typeface="+mn-ea"/>
+                <a:cs typeface="+mn-cs"/>
+              </a:rPr>
+              <a:t> Gothenburg 2024</a:t>
+            </a:r>
+          </a:p>
+        </p:txBody>
+      </p:sp>
+      <p:sp>
+        <p:nvSpPr>
+          <p:cNvPr id="5" name="textruta 4">
+            <a:extLst>
+              <a:ext uri="{FF2B5EF4-FFF2-40B4-BE49-F238E27FC236}">
+                <a16:creationId xmlns:a16="http://schemas.microsoft.com/office/drawing/2014/main" id="{4DEFE1A2-D309-13ED-8FEF-45BF7CFE4747}"/>
+              </a:ext>
+            </a:extLst>
+          </p:cNvPr>
+          <p:cNvSpPr txBox="1"/>
+          <p:nvPr/>
+        </p:nvSpPr>
+        <p:spPr>
+          <a:xfrm>
+            <a:off x="0" y="1197417"/>
+            <a:ext cx="12192000" cy="646331"/>
+          </a:xfrm>
+          <a:prstGeom prst="rect">
+            <a:avLst/>
+          </a:prstGeom>
+          <a:noFill/>
+        </p:spPr>
+        <p:txBody>
+          <a:bodyPr wrap="square" rtlCol="0">
+            <a:spAutoFit/>
+          </a:bodyPr>
+          <a:lstStyle/>
+          <a:p>
+            <a:pPr marL="0" marR="0" lvl="0" indent="0" algn="ctr" defTabSz="914400" rtl="0" eaLnBrk="1" fontAlgn="auto" latinLnBrk="0" hangingPunct="1">
+              <a:lnSpc>
+                <a:spcPct val="100000"/>
+              </a:lnSpc>
+              <a:spcBef>
+                <a:spcPts val="0"/>
+              </a:spcBef>
+              <a:spcAft>
+                <a:spcPts val="0"/>
+              </a:spcAft>
+              <a:buClrTx/>
+              <a:buSzTx/>
+              <a:buFontTx/>
+              <a:buNone/>
+              <a:tabLst/>
+              <a:defRPr/>
+            </a:pPr>
+            <a:r>
+              <a:rPr kumimoji="0" lang="sv-SE" sz="3600" b="0" i="0" u="none" strike="noStrike" kern="1200" cap="none" spc="0" normalizeH="0" baseline="0" noProof="0" dirty="0">
+                <a:ln>
+                  <a:noFill/>
+                </a:ln>
+                <a:solidFill>
+                  <a:srgbClr val="4472C4">
+                    <a:lumMod val="75000"/>
+                  </a:srgbClr>
+                </a:solidFill>
+                <a:effectLst/>
+                <a:uLnTx/>
+                <a:uFillTx/>
+                <a:latin typeface="Calibri" panose="020F0502020204030204"/>
+                <a:ea typeface="+mn-ea"/>
+                <a:cs typeface="+mn-cs"/>
+              </a:rPr>
+              <a:t>Sponsors</a:t>
+            </a:r>
+          </a:p>
+        </p:txBody>
+      </p:sp>
+      <p:pic>
+        <p:nvPicPr>
+          <p:cNvPr id="3" name="Bildobjekt 2">
+            <a:extLst>
+              <a:ext uri="{FF2B5EF4-FFF2-40B4-BE49-F238E27FC236}">
+                <a16:creationId xmlns:a16="http://schemas.microsoft.com/office/drawing/2014/main" id="{25D87688-2C1D-CC29-07BE-0E9F33D77686}"/>
+              </a:ext>
+            </a:extLst>
+          </p:cNvPr>
+          <p:cNvPicPr>
+            <a:picLocks noChangeAspect="1"/>
+          </p:cNvPicPr>
+          <p:nvPr/>
+        </p:nvPicPr>
+        <p:blipFill>
+          <a:blip r:embed="rId2">
+            <a:extLst>
+              <a:ext uri="{28A0092B-C50C-407E-A947-70E740481C1C}">
+                <a14:useLocalDpi xmlns:a14="http://schemas.microsoft.com/office/drawing/2010/main" val="0"/>
+              </a:ext>
+            </a:extLst>
+          </a:blip>
+          <a:stretch>
+            <a:fillRect/>
+          </a:stretch>
+        </p:blipFill>
+        <p:spPr>
+          <a:xfrm>
+            <a:off x="5193271" y="2011777"/>
+            <a:ext cx="2847038" cy="2447453"/>
+          </a:xfrm>
+          <a:prstGeom prst="rect">
+            <a:avLst/>
+          </a:prstGeom>
+        </p:spPr>
+      </p:pic>
+      <p:pic>
+        <p:nvPicPr>
+          <p:cNvPr id="7" name="Bildobjekt 6">
+            <a:extLst>
+              <a:ext uri="{FF2B5EF4-FFF2-40B4-BE49-F238E27FC236}">
+                <a16:creationId xmlns:a16="http://schemas.microsoft.com/office/drawing/2014/main" id="{66C0E78F-5E57-44E8-1A2D-E435DDB36C1E}"/>
+              </a:ext>
+            </a:extLst>
+          </p:cNvPr>
+          <p:cNvPicPr>
+            <a:picLocks noChangeAspect="1"/>
+          </p:cNvPicPr>
+          <p:nvPr/>
+        </p:nvPicPr>
+        <p:blipFill>
+          <a:blip r:embed="rId3">
+            <a:extLst>
+              <a:ext uri="{28A0092B-C50C-407E-A947-70E740481C1C}">
+                <a14:useLocalDpi xmlns:a14="http://schemas.microsoft.com/office/drawing/2010/main" val="0"/>
+              </a:ext>
+            </a:extLst>
+          </a:blip>
+          <a:stretch>
+            <a:fillRect/>
+          </a:stretch>
+        </p:blipFill>
+        <p:spPr>
+          <a:xfrm>
+            <a:off x="9010389" y="3107484"/>
+            <a:ext cx="1464479" cy="1642407"/>
+          </a:xfrm>
+          <a:prstGeom prst="rect">
+            <a:avLst/>
+          </a:prstGeom>
+        </p:spPr>
+      </p:pic>
+      <p:sp>
+        <p:nvSpPr>
+          <p:cNvPr id="14" name="textruta 13">
+            <a:extLst>
+              <a:ext uri="{FF2B5EF4-FFF2-40B4-BE49-F238E27FC236}">
+                <a16:creationId xmlns:a16="http://schemas.microsoft.com/office/drawing/2014/main" id="{43BFEBBE-BC81-EE8B-9C5A-85333ED88EC4}"/>
+              </a:ext>
+            </a:extLst>
+          </p:cNvPr>
+          <p:cNvSpPr txBox="1"/>
+          <p:nvPr/>
+        </p:nvSpPr>
+        <p:spPr>
+          <a:xfrm>
+            <a:off x="5458464" y="3793671"/>
+            <a:ext cx="2400978" cy="369332"/>
+          </a:xfrm>
+          <a:prstGeom prst="rect">
+            <a:avLst/>
+          </a:prstGeom>
+          <a:noFill/>
+        </p:spPr>
+        <p:txBody>
+          <a:bodyPr wrap="none" rtlCol="0">
+            <a:spAutoFit/>
+          </a:bodyPr>
+          <a:lstStyle/>
+          <a:p>
+            <a:pPr marL="0" marR="0" lvl="0" indent="0" algn="l" defTabSz="914400" rtl="0" eaLnBrk="1" fontAlgn="auto" latinLnBrk="0" hangingPunct="1">
+              <a:lnSpc>
+                <a:spcPct val="100000"/>
+              </a:lnSpc>
+              <a:spcBef>
+                <a:spcPts val="0"/>
+              </a:spcBef>
+              <a:spcAft>
+                <a:spcPts val="0"/>
+              </a:spcAft>
+              <a:buClrTx/>
+              <a:buSzTx/>
+              <a:buFontTx/>
+              <a:buNone/>
+              <a:tabLst/>
+              <a:defRPr/>
+            </a:pPr>
+            <a:r>
+              <a:rPr kumimoji="0" lang="sv-SE" sz="1800" b="0" i="0" u="none" strike="noStrike" kern="1200" cap="none" spc="0" normalizeH="0" baseline="0" noProof="0" dirty="0">
+                <a:ln>
+                  <a:noFill/>
+                </a:ln>
+                <a:solidFill>
+                  <a:prstClr val="black"/>
+                </a:solidFill>
+                <a:effectLst/>
+                <a:uLnTx/>
+                <a:uFillTx/>
+                <a:latin typeface="Calibri" panose="020F0502020204030204"/>
+                <a:ea typeface="+mn-ea"/>
+                <a:cs typeface="+mn-cs"/>
+              </a:rPr>
+              <a:t>The </a:t>
+            </a:r>
+            <a:r>
+              <a:rPr kumimoji="0" lang="sv-SE" sz="1800" b="0" i="0" u="none" strike="noStrike" kern="1200" cap="none" spc="0" normalizeH="0" baseline="0" noProof="0" dirty="0" err="1">
+                <a:ln>
+                  <a:noFill/>
+                </a:ln>
+                <a:solidFill>
+                  <a:prstClr val="black"/>
+                </a:solidFill>
+                <a:effectLst/>
+                <a:uLnTx/>
+                <a:uFillTx/>
+                <a:latin typeface="Calibri" panose="020F0502020204030204"/>
+                <a:ea typeface="+mn-ea"/>
+                <a:cs typeface="+mn-cs"/>
+              </a:rPr>
+              <a:t>after</a:t>
+            </a:r>
+            <a:r>
+              <a:rPr kumimoji="0" lang="sv-SE" sz="1800" b="0" i="0" u="none" strike="noStrike" kern="1200" cap="none" spc="0" normalizeH="0" baseline="0" noProof="0" dirty="0">
+                <a:ln>
+                  <a:noFill/>
+                </a:ln>
+                <a:solidFill>
+                  <a:prstClr val="black"/>
+                </a:solidFill>
+                <a:effectLst/>
+                <a:uLnTx/>
+                <a:uFillTx/>
+                <a:latin typeface="Calibri" panose="020F0502020204030204"/>
+                <a:ea typeface="+mn-ea"/>
+                <a:cs typeface="+mn-cs"/>
+              </a:rPr>
+              <a:t>-party sponsor</a:t>
+            </a:r>
+          </a:p>
+        </p:txBody>
+      </p:sp>
+      <p:pic>
+        <p:nvPicPr>
+          <p:cNvPr id="11" name="Bildobjekt 10">
+            <a:extLst>
+              <a:ext uri="{FF2B5EF4-FFF2-40B4-BE49-F238E27FC236}">
+                <a16:creationId xmlns:a16="http://schemas.microsoft.com/office/drawing/2014/main" id="{63CC983B-87A9-E1A1-DCB8-D2EC93CAAC27}"/>
+              </a:ext>
+            </a:extLst>
+          </p:cNvPr>
+          <p:cNvPicPr>
+            <a:picLocks noChangeAspect="1"/>
+          </p:cNvPicPr>
+          <p:nvPr/>
+        </p:nvPicPr>
+        <p:blipFill>
+          <a:blip r:embed="rId4">
+            <a:extLst>
+              <a:ext uri="{28A0092B-C50C-407E-A947-70E740481C1C}">
+                <a14:useLocalDpi xmlns:a14="http://schemas.microsoft.com/office/drawing/2010/main" val="0"/>
+              </a:ext>
+            </a:extLst>
+          </a:blip>
+          <a:stretch>
+            <a:fillRect/>
+          </a:stretch>
+        </p:blipFill>
+        <p:spPr>
+          <a:xfrm>
+            <a:off x="10286336" y="6214734"/>
+            <a:ext cx="1664079" cy="457304"/>
+          </a:xfrm>
+          <a:prstGeom prst="rect">
+            <a:avLst/>
+          </a:prstGeom>
+        </p:spPr>
+      </p:pic>
+      <p:pic>
+        <p:nvPicPr>
+          <p:cNvPr id="8" name="Bildobjekt 7" descr="En bild som visar röd, Grafik, Karmin, design&#10;&#10;Automatiskt genererad beskrivning">
+            <a:extLst>
+              <a:ext uri="{FF2B5EF4-FFF2-40B4-BE49-F238E27FC236}">
+                <a16:creationId xmlns:a16="http://schemas.microsoft.com/office/drawing/2014/main" id="{3B4639CF-F594-D639-81A7-3B0A25C56BBB}"/>
+              </a:ext>
+            </a:extLst>
+          </p:cNvPr>
+          <p:cNvPicPr>
+            <a:picLocks noChangeAspect="1"/>
+          </p:cNvPicPr>
+          <p:nvPr/>
+        </p:nvPicPr>
+        <p:blipFill>
+          <a:blip r:embed="rId5">
+            <a:extLst>
+              <a:ext uri="{28A0092B-C50C-407E-A947-70E740481C1C}">
+                <a14:useLocalDpi xmlns:a14="http://schemas.microsoft.com/office/drawing/2010/main" val="0"/>
+              </a:ext>
+            </a:extLst>
+          </a:blip>
+          <a:stretch>
+            <a:fillRect/>
+          </a:stretch>
+        </p:blipFill>
+        <p:spPr>
+          <a:xfrm>
+            <a:off x="747953" y="2805600"/>
+            <a:ext cx="3586752" cy="859809"/>
+          </a:xfrm>
+          <a:prstGeom prst="rect">
+            <a:avLst/>
+          </a:prstGeom>
+        </p:spPr>
+      </p:pic>
+      <p:pic>
+        <p:nvPicPr>
+          <p:cNvPr id="12" name="Bildobjekt 11" descr="En bild som visar svart, mörker&#10;&#10;Automatiskt genererad beskrivning">
+            <a:extLst>
+              <a:ext uri="{FF2B5EF4-FFF2-40B4-BE49-F238E27FC236}">
+                <a16:creationId xmlns:a16="http://schemas.microsoft.com/office/drawing/2014/main" id="{095F5C9C-4F9C-985A-DA14-6DD6AC5F858F}"/>
+              </a:ext>
+            </a:extLst>
+          </p:cNvPr>
+          <p:cNvPicPr>
+            <a:picLocks noChangeAspect="1"/>
+          </p:cNvPicPr>
+          <p:nvPr/>
+        </p:nvPicPr>
+        <p:blipFill>
+          <a:blip r:embed="rId6">
+            <a:extLst>
+              <a:ext uri="{28A0092B-C50C-407E-A947-70E740481C1C}">
+                <a14:useLocalDpi xmlns:a14="http://schemas.microsoft.com/office/drawing/2010/main" val="0"/>
+              </a:ext>
+            </a:extLst>
+          </a:blip>
+          <a:stretch>
+            <a:fillRect/>
+          </a:stretch>
+        </p:blipFill>
+        <p:spPr>
+          <a:xfrm>
+            <a:off x="347174" y="4459230"/>
+            <a:ext cx="4045212" cy="1330137"/>
+          </a:xfrm>
+          <a:prstGeom prst="rect">
+            <a:avLst/>
+          </a:prstGeom>
+        </p:spPr>
+      </p:pic>
+      <p:pic>
+        <p:nvPicPr>
+          <p:cNvPr id="16" name="Bild 15">
+            <a:extLst>
+              <a:ext uri="{FF2B5EF4-FFF2-40B4-BE49-F238E27FC236}">
+                <a16:creationId xmlns:a16="http://schemas.microsoft.com/office/drawing/2014/main" id="{F7720950-5BCF-4931-E663-312FBD0AF678}"/>
+              </a:ext>
+            </a:extLst>
+          </p:cNvPr>
+          <p:cNvPicPr>
+            <a:picLocks noChangeAspect="1"/>
+          </p:cNvPicPr>
+          <p:nvPr/>
+        </p:nvPicPr>
+        <p:blipFill>
+          <a:blip r:embed="rId7">
+            <a:extLst>
+              <a:ext uri="{96DAC541-7B7A-43D3-8B79-37D633B846F1}">
+                <asvg:svgBlip xmlns:asvg="http://schemas.microsoft.com/office/drawing/2016/SVG/main" r:embed="rId8"/>
+              </a:ext>
+            </a:extLst>
+          </a:blip>
+          <a:stretch>
+            <a:fillRect/>
+          </a:stretch>
+        </p:blipFill>
+        <p:spPr>
+          <a:xfrm>
+            <a:off x="5252357" y="4967968"/>
+            <a:ext cx="3200400" cy="1200150"/>
+          </a:xfrm>
+          <a:prstGeom prst="rect">
+            <a:avLst/>
+          </a:prstGeom>
+        </p:spPr>
+      </p:pic>
+    </p:spTree>
+    <p:extLst>
+      <p:ext uri="{BB962C8B-B14F-4D97-AF65-F5344CB8AC3E}">
+        <p14:creationId xmlns:p14="http://schemas.microsoft.com/office/powerpoint/2010/main" val="1567241970"/>
+      </p:ext>
+    </p:extLst>
+  </p:cSld>
+  <p:clrMapOvr>
+    <a:masterClrMapping/>
+  </p:clrMapOvr>
+</p:sld>
+</file>
+
+<file path=ppt/slides/slide18.xml><?xml version="1.0" encoding="utf-8"?>
+<p:sld xmlns:a="http://schemas.openxmlformats.org/drawingml/2006/main" xmlns:r="http://schemas.openxmlformats.org/officeDocument/2006/relationships" xmlns:p="http://schemas.openxmlformats.org/presentationml/2006/main">
+  <p:cSld>
+    <p:spTree>
+      <p:nvGrpSpPr>
+        <p:cNvPr id="1" name=""/>
+        <p:cNvGrpSpPr/>
+        <p:nvPr/>
+      </p:nvGrpSpPr>
+      <p:grpSpPr>
+        <a:xfrm>
+          <a:off x="0" y="0"/>
+          <a:ext cx="0" cy="0"/>
+          <a:chOff x="0" y="0"/>
+          <a:chExt cx="0" cy="0"/>
+        </a:xfrm>
+      </p:grpSpPr>
+      <p:sp>
+        <p:nvSpPr>
+          <p:cNvPr id="2" name="Rubrik 1">
+            <a:extLst>
+              <a:ext uri="{FF2B5EF4-FFF2-40B4-BE49-F238E27FC236}">
+                <a16:creationId xmlns:a16="http://schemas.microsoft.com/office/drawing/2014/main" id="{88648668-72EC-B84A-CF41-78CB99E439F6}"/>
+              </a:ext>
+            </a:extLst>
+          </p:cNvPr>
+          <p:cNvSpPr>
+            <a:spLocks noGrp="1"/>
+          </p:cNvSpPr>
+          <p:nvPr>
+            <p:ph type="ctrTitle"/>
+          </p:nvPr>
+        </p:nvSpPr>
+        <p:spPr>
+          <a:xfrm>
+            <a:off x="1524000" y="1122363"/>
+            <a:ext cx="9144000" cy="1141866"/>
+          </a:xfrm>
+        </p:spPr>
+        <p:txBody>
+          <a:bodyPr/>
+          <a:lstStyle/>
+          <a:p>
+            <a:r>
+              <a:rPr lang="sv-SE" dirty="0"/>
+              <a:t>Data </a:t>
+            </a:r>
+            <a:r>
+              <a:rPr lang="sv-SE" dirty="0" err="1"/>
+              <a:t>Saturday</a:t>
+            </a:r>
+            <a:r>
+              <a:rPr lang="sv-SE" dirty="0"/>
+              <a:t> 2025</a:t>
+            </a:r>
+          </a:p>
+        </p:txBody>
+      </p:sp>
+      <p:sp>
+        <p:nvSpPr>
+          <p:cNvPr id="4" name="Rubrik 1">
+            <a:extLst>
+              <a:ext uri="{FF2B5EF4-FFF2-40B4-BE49-F238E27FC236}">
+                <a16:creationId xmlns:a16="http://schemas.microsoft.com/office/drawing/2014/main" id="{1EDBABA1-4495-4312-255E-3EC57EC4C19C}"/>
+              </a:ext>
+            </a:extLst>
+          </p:cNvPr>
+          <p:cNvSpPr txBox="1">
+            <a:spLocks/>
+          </p:cNvSpPr>
+          <p:nvPr/>
+        </p:nvSpPr>
+        <p:spPr>
+          <a:xfrm>
+            <a:off x="1404257" y="2264229"/>
+            <a:ext cx="9144000" cy="1141866"/>
+          </a:xfrm>
+          <a:prstGeom prst="rect">
+            <a:avLst/>
+          </a:prstGeom>
+        </p:spPr>
+        <p:txBody>
+          <a:bodyPr vert="horz" lIns="91440" tIns="45720" rIns="91440" bIns="45720" rtlCol="0" anchor="b">
+            <a:normAutofit/>
+          </a:bodyPr>
+          <a:lstStyle>
+            <a:lvl1pPr algn="ctr" defTabSz="914400" rtl="0" eaLnBrk="1" latinLnBrk="0" hangingPunct="1">
+              <a:lnSpc>
+                <a:spcPct val="90000"/>
+              </a:lnSpc>
+              <a:spcBef>
+                <a:spcPct val="0"/>
+              </a:spcBef>
+              <a:buNone/>
+              <a:defRPr sz="6000" kern="1200">
+                <a:solidFill>
+                  <a:schemeClr val="tx1"/>
+                </a:solidFill>
+                <a:latin typeface="+mj-lt"/>
+                <a:ea typeface="+mj-ea"/>
+                <a:cs typeface="+mj-cs"/>
+              </a:defRPr>
+            </a:lvl1pPr>
+          </a:lstStyle>
+          <a:p>
+            <a:pPr marL="0" marR="0" lvl="0" indent="0" algn="ctr" defTabSz="914400" rtl="0" eaLnBrk="1" fontAlgn="auto" latinLnBrk="0" hangingPunct="1">
+              <a:lnSpc>
+                <a:spcPct val="90000"/>
+              </a:lnSpc>
+              <a:spcBef>
+                <a:spcPct val="0"/>
+              </a:spcBef>
+              <a:spcAft>
+                <a:spcPts val="0"/>
+              </a:spcAft>
+              <a:buClrTx/>
+              <a:buSzTx/>
+              <a:buFontTx/>
+              <a:buNone/>
+              <a:tabLst/>
+              <a:defRPr/>
+            </a:pPr>
+            <a:r>
+              <a:rPr kumimoji="0" lang="sv-SE" sz="6000" b="0" i="0" u="none" strike="noStrike" kern="1200" cap="none" spc="0" normalizeH="0" baseline="0" noProof="0" dirty="0">
+                <a:ln>
+                  <a:noFill/>
+                </a:ln>
+                <a:solidFill>
+                  <a:prstClr val="black"/>
+                </a:solidFill>
+                <a:effectLst/>
+                <a:uLnTx/>
+                <a:uFillTx/>
+                <a:latin typeface="Calibri Light" panose="020F0302020204030204"/>
+                <a:ea typeface="+mj-ea"/>
+                <a:cs typeface="+mj-cs"/>
+              </a:rPr>
+              <a:t>September 6.</a:t>
+            </a:r>
+          </a:p>
+        </p:txBody>
+      </p:sp>
+    </p:spTree>
+    <p:extLst>
+      <p:ext uri="{BB962C8B-B14F-4D97-AF65-F5344CB8AC3E}">
+        <p14:creationId xmlns:p14="http://schemas.microsoft.com/office/powerpoint/2010/main" val="1437444705"/>
       </p:ext>
     </p:extLst>
   </p:cSld>
@@ -23661,6 +28026,678 @@
 </file>
 
 <file path=ppt/slides/slide4.xml><?xml version="1.0" encoding="utf-8"?>
+<p:sld xmlns:a="http://schemas.openxmlformats.org/drawingml/2006/main" xmlns:r="http://schemas.openxmlformats.org/officeDocument/2006/relationships" xmlns:p="http://schemas.openxmlformats.org/presentationml/2006/main">
+  <p:cSld>
+    <p:spTree>
+      <p:nvGrpSpPr>
+        <p:cNvPr id="1" name=""/>
+        <p:cNvGrpSpPr/>
+        <p:nvPr/>
+      </p:nvGrpSpPr>
+      <p:grpSpPr>
+        <a:xfrm>
+          <a:off x="0" y="0"/>
+          <a:ext cx="0" cy="0"/>
+          <a:chOff x="0" y="0"/>
+          <a:chExt cx="0" cy="0"/>
+        </a:xfrm>
+      </p:grpSpPr>
+      <p:sp>
+        <p:nvSpPr>
+          <p:cNvPr id="4" name="textruta 3">
+            <a:extLst>
+              <a:ext uri="{FF2B5EF4-FFF2-40B4-BE49-F238E27FC236}">
+                <a16:creationId xmlns:a16="http://schemas.microsoft.com/office/drawing/2014/main" id="{7B6ECFC8-D962-81BC-8CD8-9E0404E25B1B}"/>
+              </a:ext>
+            </a:extLst>
+          </p:cNvPr>
+          <p:cNvSpPr txBox="1"/>
+          <p:nvPr/>
+        </p:nvSpPr>
+        <p:spPr>
+          <a:xfrm>
+            <a:off x="0" y="366420"/>
+            <a:ext cx="12192000" cy="830997"/>
+          </a:xfrm>
+          <a:prstGeom prst="rect">
+            <a:avLst/>
+          </a:prstGeom>
+          <a:noFill/>
+        </p:spPr>
+        <p:txBody>
+          <a:bodyPr wrap="square" rtlCol="0">
+            <a:spAutoFit/>
+          </a:bodyPr>
+          <a:lstStyle/>
+          <a:p>
+            <a:pPr marL="0" marR="0" lvl="0" indent="0" algn="ctr" defTabSz="914400" rtl="0" eaLnBrk="1" fontAlgn="auto" latinLnBrk="0" hangingPunct="1">
+              <a:lnSpc>
+                <a:spcPct val="100000"/>
+              </a:lnSpc>
+              <a:spcBef>
+                <a:spcPts val="0"/>
+              </a:spcBef>
+              <a:spcAft>
+                <a:spcPts val="0"/>
+              </a:spcAft>
+              <a:buClrTx/>
+              <a:buSzTx/>
+              <a:buFontTx/>
+              <a:buNone/>
+              <a:tabLst/>
+              <a:defRPr/>
+            </a:pPr>
+            <a:r>
+              <a:rPr kumimoji="0" lang="sv-SE" sz="4800" b="0" i="0" u="none" strike="noStrike" kern="1200" cap="none" spc="0" normalizeH="0" baseline="0" noProof="0" dirty="0">
+                <a:ln>
+                  <a:noFill/>
+                </a:ln>
+                <a:solidFill>
+                  <a:srgbClr val="4472C4">
+                    <a:lumMod val="75000"/>
+                  </a:srgbClr>
+                </a:solidFill>
+                <a:effectLst/>
+                <a:uLnTx/>
+                <a:uFillTx/>
+                <a:latin typeface="Calibri" panose="020F0502020204030204"/>
+                <a:ea typeface="+mn-ea"/>
+                <a:cs typeface="+mn-cs"/>
+              </a:rPr>
+              <a:t>Data </a:t>
+            </a:r>
+            <a:r>
+              <a:rPr kumimoji="0" lang="sv-SE" sz="4800" b="0" i="0" u="none" strike="noStrike" kern="1200" cap="none" spc="0" normalizeH="0" baseline="0" noProof="0" dirty="0" err="1">
+                <a:ln>
+                  <a:noFill/>
+                </a:ln>
+                <a:solidFill>
+                  <a:srgbClr val="4472C4">
+                    <a:lumMod val="75000"/>
+                  </a:srgbClr>
+                </a:solidFill>
+                <a:effectLst/>
+                <a:uLnTx/>
+                <a:uFillTx/>
+                <a:latin typeface="Calibri" panose="020F0502020204030204"/>
+                <a:ea typeface="+mn-ea"/>
+                <a:cs typeface="+mn-cs"/>
+              </a:rPr>
+              <a:t>Saturday</a:t>
+            </a:r>
+            <a:r>
+              <a:rPr kumimoji="0" lang="sv-SE" sz="4800" b="0" i="0" u="none" strike="noStrike" kern="1200" cap="none" spc="0" normalizeH="0" baseline="0" noProof="0" dirty="0">
+                <a:ln>
+                  <a:noFill/>
+                </a:ln>
+                <a:solidFill>
+                  <a:srgbClr val="4472C4">
+                    <a:lumMod val="75000"/>
+                  </a:srgbClr>
+                </a:solidFill>
+                <a:effectLst/>
+                <a:uLnTx/>
+                <a:uFillTx/>
+                <a:latin typeface="Calibri" panose="020F0502020204030204"/>
+                <a:ea typeface="+mn-ea"/>
+                <a:cs typeface="+mn-cs"/>
+              </a:rPr>
+              <a:t> Gothenburg 2024</a:t>
+            </a:r>
+          </a:p>
+        </p:txBody>
+      </p:sp>
+      <p:sp>
+        <p:nvSpPr>
+          <p:cNvPr id="5" name="textruta 4">
+            <a:extLst>
+              <a:ext uri="{FF2B5EF4-FFF2-40B4-BE49-F238E27FC236}">
+                <a16:creationId xmlns:a16="http://schemas.microsoft.com/office/drawing/2014/main" id="{4DEFE1A2-D309-13ED-8FEF-45BF7CFE4747}"/>
+              </a:ext>
+            </a:extLst>
+          </p:cNvPr>
+          <p:cNvSpPr txBox="1"/>
+          <p:nvPr/>
+        </p:nvSpPr>
+        <p:spPr>
+          <a:xfrm>
+            <a:off x="0" y="1197417"/>
+            <a:ext cx="12192000" cy="646331"/>
+          </a:xfrm>
+          <a:prstGeom prst="rect">
+            <a:avLst/>
+          </a:prstGeom>
+          <a:noFill/>
+        </p:spPr>
+        <p:txBody>
+          <a:bodyPr wrap="square" rtlCol="0">
+            <a:spAutoFit/>
+          </a:bodyPr>
+          <a:lstStyle/>
+          <a:p>
+            <a:pPr marL="0" marR="0" lvl="0" indent="0" algn="ctr" defTabSz="914400" rtl="0" eaLnBrk="1" fontAlgn="auto" latinLnBrk="0" hangingPunct="1">
+              <a:lnSpc>
+                <a:spcPct val="100000"/>
+              </a:lnSpc>
+              <a:spcBef>
+                <a:spcPts val="0"/>
+              </a:spcBef>
+              <a:spcAft>
+                <a:spcPts val="0"/>
+              </a:spcAft>
+              <a:buClrTx/>
+              <a:buSzTx/>
+              <a:buFontTx/>
+              <a:buNone/>
+              <a:tabLst/>
+              <a:defRPr/>
+            </a:pPr>
+            <a:r>
+              <a:rPr kumimoji="0" lang="sv-SE" sz="3600" b="0" i="0" u="none" strike="noStrike" kern="1200" cap="none" spc="0" normalizeH="0" baseline="0" noProof="0" dirty="0">
+                <a:ln>
+                  <a:noFill/>
+                </a:ln>
+                <a:solidFill>
+                  <a:srgbClr val="4472C4">
+                    <a:lumMod val="75000"/>
+                  </a:srgbClr>
+                </a:solidFill>
+                <a:effectLst/>
+                <a:uLnTx/>
+                <a:uFillTx/>
+                <a:latin typeface="Calibri" panose="020F0502020204030204"/>
+                <a:ea typeface="+mn-ea"/>
+                <a:cs typeface="+mn-cs"/>
+              </a:rPr>
+              <a:t>Sponsors</a:t>
+            </a:r>
+          </a:p>
+        </p:txBody>
+      </p:sp>
+      <p:pic>
+        <p:nvPicPr>
+          <p:cNvPr id="3" name="Bildobjekt 2">
+            <a:extLst>
+              <a:ext uri="{FF2B5EF4-FFF2-40B4-BE49-F238E27FC236}">
+                <a16:creationId xmlns:a16="http://schemas.microsoft.com/office/drawing/2014/main" id="{25D87688-2C1D-CC29-07BE-0E9F33D77686}"/>
+              </a:ext>
+            </a:extLst>
+          </p:cNvPr>
+          <p:cNvPicPr>
+            <a:picLocks noChangeAspect="1"/>
+          </p:cNvPicPr>
+          <p:nvPr/>
+        </p:nvPicPr>
+        <p:blipFill>
+          <a:blip r:embed="rId2">
+            <a:extLst>
+              <a:ext uri="{28A0092B-C50C-407E-A947-70E740481C1C}">
+                <a14:useLocalDpi xmlns:a14="http://schemas.microsoft.com/office/drawing/2010/main" val="0"/>
+              </a:ext>
+            </a:extLst>
+          </a:blip>
+          <a:stretch>
+            <a:fillRect/>
+          </a:stretch>
+        </p:blipFill>
+        <p:spPr>
+          <a:xfrm>
+            <a:off x="5193271" y="2011777"/>
+            <a:ext cx="2847038" cy="2447453"/>
+          </a:xfrm>
+          <a:prstGeom prst="rect">
+            <a:avLst/>
+          </a:prstGeom>
+        </p:spPr>
+      </p:pic>
+      <p:pic>
+        <p:nvPicPr>
+          <p:cNvPr id="7" name="Bildobjekt 6">
+            <a:extLst>
+              <a:ext uri="{FF2B5EF4-FFF2-40B4-BE49-F238E27FC236}">
+                <a16:creationId xmlns:a16="http://schemas.microsoft.com/office/drawing/2014/main" id="{66C0E78F-5E57-44E8-1A2D-E435DDB36C1E}"/>
+              </a:ext>
+            </a:extLst>
+          </p:cNvPr>
+          <p:cNvPicPr>
+            <a:picLocks noChangeAspect="1"/>
+          </p:cNvPicPr>
+          <p:nvPr/>
+        </p:nvPicPr>
+        <p:blipFill>
+          <a:blip r:embed="rId3">
+            <a:extLst>
+              <a:ext uri="{28A0092B-C50C-407E-A947-70E740481C1C}">
+                <a14:useLocalDpi xmlns:a14="http://schemas.microsoft.com/office/drawing/2010/main" val="0"/>
+              </a:ext>
+            </a:extLst>
+          </a:blip>
+          <a:stretch>
+            <a:fillRect/>
+          </a:stretch>
+        </p:blipFill>
+        <p:spPr>
+          <a:xfrm>
+            <a:off x="9010389" y="3107484"/>
+            <a:ext cx="1464479" cy="1642407"/>
+          </a:xfrm>
+          <a:prstGeom prst="rect">
+            <a:avLst/>
+          </a:prstGeom>
+        </p:spPr>
+      </p:pic>
+      <p:sp>
+        <p:nvSpPr>
+          <p:cNvPr id="14" name="textruta 13">
+            <a:extLst>
+              <a:ext uri="{FF2B5EF4-FFF2-40B4-BE49-F238E27FC236}">
+                <a16:creationId xmlns:a16="http://schemas.microsoft.com/office/drawing/2014/main" id="{43BFEBBE-BC81-EE8B-9C5A-85333ED88EC4}"/>
+              </a:ext>
+            </a:extLst>
+          </p:cNvPr>
+          <p:cNvSpPr txBox="1"/>
+          <p:nvPr/>
+        </p:nvSpPr>
+        <p:spPr>
+          <a:xfrm>
+            <a:off x="5458464" y="3793671"/>
+            <a:ext cx="2400978" cy="369332"/>
+          </a:xfrm>
+          <a:prstGeom prst="rect">
+            <a:avLst/>
+          </a:prstGeom>
+          <a:noFill/>
+        </p:spPr>
+        <p:txBody>
+          <a:bodyPr wrap="none" rtlCol="0">
+            <a:spAutoFit/>
+          </a:bodyPr>
+          <a:lstStyle/>
+          <a:p>
+            <a:pPr marL="0" marR="0" lvl="0" indent="0" algn="l" defTabSz="914400" rtl="0" eaLnBrk="1" fontAlgn="auto" latinLnBrk="0" hangingPunct="1">
+              <a:lnSpc>
+                <a:spcPct val="100000"/>
+              </a:lnSpc>
+              <a:spcBef>
+                <a:spcPts val="0"/>
+              </a:spcBef>
+              <a:spcAft>
+                <a:spcPts val="0"/>
+              </a:spcAft>
+              <a:buClrTx/>
+              <a:buSzTx/>
+              <a:buFontTx/>
+              <a:buNone/>
+              <a:tabLst/>
+              <a:defRPr/>
+            </a:pPr>
+            <a:r>
+              <a:rPr kumimoji="0" lang="sv-SE" sz="1800" b="0" i="0" u="none" strike="noStrike" kern="1200" cap="none" spc="0" normalizeH="0" baseline="0" noProof="0" dirty="0">
+                <a:ln>
+                  <a:noFill/>
+                </a:ln>
+                <a:solidFill>
+                  <a:prstClr val="black"/>
+                </a:solidFill>
+                <a:effectLst/>
+                <a:uLnTx/>
+                <a:uFillTx/>
+                <a:latin typeface="Calibri" panose="020F0502020204030204"/>
+                <a:ea typeface="+mn-ea"/>
+                <a:cs typeface="+mn-cs"/>
+              </a:rPr>
+              <a:t>The </a:t>
+            </a:r>
+            <a:r>
+              <a:rPr kumimoji="0" lang="sv-SE" sz="1800" b="0" i="0" u="none" strike="noStrike" kern="1200" cap="none" spc="0" normalizeH="0" baseline="0" noProof="0" dirty="0" err="1">
+                <a:ln>
+                  <a:noFill/>
+                </a:ln>
+                <a:solidFill>
+                  <a:prstClr val="black"/>
+                </a:solidFill>
+                <a:effectLst/>
+                <a:uLnTx/>
+                <a:uFillTx/>
+                <a:latin typeface="Calibri" panose="020F0502020204030204"/>
+                <a:ea typeface="+mn-ea"/>
+                <a:cs typeface="+mn-cs"/>
+              </a:rPr>
+              <a:t>after</a:t>
+            </a:r>
+            <a:r>
+              <a:rPr kumimoji="0" lang="sv-SE" sz="1800" b="0" i="0" u="none" strike="noStrike" kern="1200" cap="none" spc="0" normalizeH="0" baseline="0" noProof="0" dirty="0">
+                <a:ln>
+                  <a:noFill/>
+                </a:ln>
+                <a:solidFill>
+                  <a:prstClr val="black"/>
+                </a:solidFill>
+                <a:effectLst/>
+                <a:uLnTx/>
+                <a:uFillTx/>
+                <a:latin typeface="Calibri" panose="020F0502020204030204"/>
+                <a:ea typeface="+mn-ea"/>
+                <a:cs typeface="+mn-cs"/>
+              </a:rPr>
+              <a:t>-party sponsor</a:t>
+            </a:r>
+          </a:p>
+        </p:txBody>
+      </p:sp>
+      <p:pic>
+        <p:nvPicPr>
+          <p:cNvPr id="11" name="Bildobjekt 10">
+            <a:extLst>
+              <a:ext uri="{FF2B5EF4-FFF2-40B4-BE49-F238E27FC236}">
+                <a16:creationId xmlns:a16="http://schemas.microsoft.com/office/drawing/2014/main" id="{63CC983B-87A9-E1A1-DCB8-D2EC93CAAC27}"/>
+              </a:ext>
+            </a:extLst>
+          </p:cNvPr>
+          <p:cNvPicPr>
+            <a:picLocks noChangeAspect="1"/>
+          </p:cNvPicPr>
+          <p:nvPr/>
+        </p:nvPicPr>
+        <p:blipFill>
+          <a:blip r:embed="rId4">
+            <a:extLst>
+              <a:ext uri="{28A0092B-C50C-407E-A947-70E740481C1C}">
+                <a14:useLocalDpi xmlns:a14="http://schemas.microsoft.com/office/drawing/2010/main" val="0"/>
+              </a:ext>
+            </a:extLst>
+          </a:blip>
+          <a:stretch>
+            <a:fillRect/>
+          </a:stretch>
+        </p:blipFill>
+        <p:spPr>
+          <a:xfrm>
+            <a:off x="10286336" y="6214734"/>
+            <a:ext cx="1664079" cy="457304"/>
+          </a:xfrm>
+          <a:prstGeom prst="rect">
+            <a:avLst/>
+          </a:prstGeom>
+        </p:spPr>
+      </p:pic>
+      <p:pic>
+        <p:nvPicPr>
+          <p:cNvPr id="8" name="Bildobjekt 7" descr="En bild som visar röd, Grafik, Karmin, design&#10;&#10;Automatiskt genererad beskrivning">
+            <a:extLst>
+              <a:ext uri="{FF2B5EF4-FFF2-40B4-BE49-F238E27FC236}">
+                <a16:creationId xmlns:a16="http://schemas.microsoft.com/office/drawing/2014/main" id="{3B4639CF-F594-D639-81A7-3B0A25C56BBB}"/>
+              </a:ext>
+            </a:extLst>
+          </p:cNvPr>
+          <p:cNvPicPr>
+            <a:picLocks noChangeAspect="1"/>
+          </p:cNvPicPr>
+          <p:nvPr/>
+        </p:nvPicPr>
+        <p:blipFill>
+          <a:blip r:embed="rId5">
+            <a:extLst>
+              <a:ext uri="{28A0092B-C50C-407E-A947-70E740481C1C}">
+                <a14:useLocalDpi xmlns:a14="http://schemas.microsoft.com/office/drawing/2010/main" val="0"/>
+              </a:ext>
+            </a:extLst>
+          </a:blip>
+          <a:stretch>
+            <a:fillRect/>
+          </a:stretch>
+        </p:blipFill>
+        <p:spPr>
+          <a:xfrm>
+            <a:off x="747953" y="2805600"/>
+            <a:ext cx="3586752" cy="859809"/>
+          </a:xfrm>
+          <a:prstGeom prst="rect">
+            <a:avLst/>
+          </a:prstGeom>
+        </p:spPr>
+      </p:pic>
+      <p:pic>
+        <p:nvPicPr>
+          <p:cNvPr id="12" name="Bildobjekt 11" descr="En bild som visar svart, mörker&#10;&#10;Automatiskt genererad beskrivning">
+            <a:extLst>
+              <a:ext uri="{FF2B5EF4-FFF2-40B4-BE49-F238E27FC236}">
+                <a16:creationId xmlns:a16="http://schemas.microsoft.com/office/drawing/2014/main" id="{095F5C9C-4F9C-985A-DA14-6DD6AC5F858F}"/>
+              </a:ext>
+            </a:extLst>
+          </p:cNvPr>
+          <p:cNvPicPr>
+            <a:picLocks noChangeAspect="1"/>
+          </p:cNvPicPr>
+          <p:nvPr/>
+        </p:nvPicPr>
+        <p:blipFill>
+          <a:blip r:embed="rId6">
+            <a:extLst>
+              <a:ext uri="{28A0092B-C50C-407E-A947-70E740481C1C}">
+                <a14:useLocalDpi xmlns:a14="http://schemas.microsoft.com/office/drawing/2010/main" val="0"/>
+              </a:ext>
+            </a:extLst>
+          </a:blip>
+          <a:stretch>
+            <a:fillRect/>
+          </a:stretch>
+        </p:blipFill>
+        <p:spPr>
+          <a:xfrm>
+            <a:off x="347174" y="4459230"/>
+            <a:ext cx="4045212" cy="1330137"/>
+          </a:xfrm>
+          <a:prstGeom prst="rect">
+            <a:avLst/>
+          </a:prstGeom>
+        </p:spPr>
+      </p:pic>
+      <p:pic>
+        <p:nvPicPr>
+          <p:cNvPr id="16" name="Bild 15">
+            <a:extLst>
+              <a:ext uri="{FF2B5EF4-FFF2-40B4-BE49-F238E27FC236}">
+                <a16:creationId xmlns:a16="http://schemas.microsoft.com/office/drawing/2014/main" id="{F7720950-5BCF-4931-E663-312FBD0AF678}"/>
+              </a:ext>
+            </a:extLst>
+          </p:cNvPr>
+          <p:cNvPicPr>
+            <a:picLocks noChangeAspect="1"/>
+          </p:cNvPicPr>
+          <p:nvPr/>
+        </p:nvPicPr>
+        <p:blipFill>
+          <a:blip r:embed="rId7">
+            <a:extLst>
+              <a:ext uri="{96DAC541-7B7A-43D3-8B79-37D633B846F1}">
+                <asvg:svgBlip xmlns:asvg="http://schemas.microsoft.com/office/drawing/2016/SVG/main" r:embed="rId8"/>
+              </a:ext>
+            </a:extLst>
+          </a:blip>
+          <a:stretch>
+            <a:fillRect/>
+          </a:stretch>
+        </p:blipFill>
+        <p:spPr>
+          <a:xfrm>
+            <a:off x="5252357" y="4967968"/>
+            <a:ext cx="3200400" cy="1200150"/>
+          </a:xfrm>
+          <a:prstGeom prst="rect">
+            <a:avLst/>
+          </a:prstGeom>
+        </p:spPr>
+      </p:pic>
+    </p:spTree>
+    <p:extLst>
+      <p:ext uri="{BB962C8B-B14F-4D97-AF65-F5344CB8AC3E}">
+        <p14:creationId xmlns:p14="http://schemas.microsoft.com/office/powerpoint/2010/main" val="1017115347"/>
+      </p:ext>
+    </p:extLst>
+  </p:cSld>
+  <p:clrMapOvr>
+    <a:masterClrMapping/>
+  </p:clrMapOvr>
+</p:sld>
+</file>
+
+<file path=ppt/slides/slide5.xml><?xml version="1.0" encoding="utf-8"?>
+<p:sld xmlns:a="http://schemas.openxmlformats.org/drawingml/2006/main" xmlns:r="http://schemas.openxmlformats.org/officeDocument/2006/relationships" xmlns:p="http://schemas.openxmlformats.org/presentationml/2006/main">
+  <p:cSld>
+    <p:spTree>
+      <p:nvGrpSpPr>
+        <p:cNvPr id="1" name=""/>
+        <p:cNvGrpSpPr/>
+        <p:nvPr/>
+      </p:nvGrpSpPr>
+      <p:grpSpPr>
+        <a:xfrm>
+          <a:off x="0" y="0"/>
+          <a:ext cx="0" cy="0"/>
+          <a:chOff x="0" y="0"/>
+          <a:chExt cx="0" cy="0"/>
+        </a:xfrm>
+      </p:grpSpPr>
+      <p:sp>
+        <p:nvSpPr>
+          <p:cNvPr id="2" name="Rubrik 1">
+            <a:extLst>
+              <a:ext uri="{FF2B5EF4-FFF2-40B4-BE49-F238E27FC236}">
+                <a16:creationId xmlns:a16="http://schemas.microsoft.com/office/drawing/2014/main" id="{88648668-72EC-B84A-CF41-78CB99E439F6}"/>
+              </a:ext>
+            </a:extLst>
+          </p:cNvPr>
+          <p:cNvSpPr>
+            <a:spLocks noGrp="1"/>
+          </p:cNvSpPr>
+          <p:nvPr>
+            <p:ph type="ctrTitle"/>
+          </p:nvPr>
+        </p:nvSpPr>
+        <p:spPr>
+          <a:xfrm>
+            <a:off x="1524000" y="1122363"/>
+            <a:ext cx="9144000" cy="1141866"/>
+          </a:xfrm>
+        </p:spPr>
+        <p:txBody>
+          <a:bodyPr/>
+          <a:lstStyle/>
+          <a:p>
+            <a:r>
+              <a:rPr lang="sv-SE" dirty="0"/>
+              <a:t>Data </a:t>
+            </a:r>
+            <a:r>
+              <a:rPr lang="sv-SE" dirty="0" err="1"/>
+              <a:t>Saturday</a:t>
+            </a:r>
+            <a:r>
+              <a:rPr lang="sv-SE" dirty="0"/>
+              <a:t> 2025</a:t>
+            </a:r>
+          </a:p>
+        </p:txBody>
+      </p:sp>
+      <p:sp>
+        <p:nvSpPr>
+          <p:cNvPr id="4" name="Rubrik 1">
+            <a:extLst>
+              <a:ext uri="{FF2B5EF4-FFF2-40B4-BE49-F238E27FC236}">
+                <a16:creationId xmlns:a16="http://schemas.microsoft.com/office/drawing/2014/main" id="{1EDBABA1-4495-4312-255E-3EC57EC4C19C}"/>
+              </a:ext>
+            </a:extLst>
+          </p:cNvPr>
+          <p:cNvSpPr txBox="1">
+            <a:spLocks/>
+          </p:cNvSpPr>
+          <p:nvPr/>
+        </p:nvSpPr>
+        <p:spPr>
+          <a:xfrm>
+            <a:off x="1404257" y="2264229"/>
+            <a:ext cx="9144000" cy="1141866"/>
+          </a:xfrm>
+          <a:prstGeom prst="rect">
+            <a:avLst/>
+          </a:prstGeom>
+        </p:spPr>
+        <p:txBody>
+          <a:bodyPr vert="horz" lIns="91440" tIns="45720" rIns="91440" bIns="45720" rtlCol="0" anchor="b">
+            <a:normAutofit/>
+          </a:bodyPr>
+          <a:lstStyle>
+            <a:lvl1pPr algn="ctr" defTabSz="914400" rtl="0" eaLnBrk="1" latinLnBrk="0" hangingPunct="1">
+              <a:lnSpc>
+                <a:spcPct val="90000"/>
+              </a:lnSpc>
+              <a:spcBef>
+                <a:spcPct val="0"/>
+              </a:spcBef>
+              <a:buNone/>
+              <a:defRPr sz="6000" kern="1200">
+                <a:solidFill>
+                  <a:schemeClr val="tx1"/>
+                </a:solidFill>
+                <a:latin typeface="+mj-lt"/>
+                <a:ea typeface="+mj-ea"/>
+                <a:cs typeface="+mj-cs"/>
+              </a:defRPr>
+            </a:lvl1pPr>
+          </a:lstStyle>
+          <a:p>
+            <a:pPr marL="0" marR="0" lvl="0" indent="0" algn="ctr" defTabSz="914400" rtl="0" eaLnBrk="1" fontAlgn="auto" latinLnBrk="0" hangingPunct="1">
+              <a:lnSpc>
+                <a:spcPct val="90000"/>
+              </a:lnSpc>
+              <a:spcBef>
+                <a:spcPct val="0"/>
+              </a:spcBef>
+              <a:spcAft>
+                <a:spcPts val="0"/>
+              </a:spcAft>
+              <a:buClrTx/>
+              <a:buSzTx/>
+              <a:buFontTx/>
+              <a:buNone/>
+              <a:tabLst/>
+              <a:defRPr/>
+            </a:pPr>
+            <a:r>
+              <a:rPr kumimoji="0" lang="sv-SE" sz="6000" b="0" i="0" u="none" strike="noStrike" kern="1200" cap="none" spc="0" normalizeH="0" baseline="0" noProof="0" dirty="0">
+                <a:ln>
+                  <a:noFill/>
+                </a:ln>
+                <a:solidFill>
+                  <a:prstClr val="black"/>
+                </a:solidFill>
+                <a:effectLst/>
+                <a:uLnTx/>
+                <a:uFillTx/>
+                <a:latin typeface="Calibri Light" panose="020F0302020204030204"/>
+                <a:ea typeface="+mj-ea"/>
+                <a:cs typeface="+mj-cs"/>
+              </a:rPr>
+              <a:t>September 6.</a:t>
+            </a:r>
+          </a:p>
+        </p:txBody>
+      </p:sp>
+    </p:spTree>
+    <p:extLst>
+      <p:ext uri="{BB962C8B-B14F-4D97-AF65-F5344CB8AC3E}">
+        <p14:creationId xmlns:p14="http://schemas.microsoft.com/office/powerpoint/2010/main" val="872838195"/>
+      </p:ext>
+    </p:extLst>
+  </p:cSld>
+  <p:clrMapOvr>
+    <a:masterClrMapping/>
+  </p:clrMapOvr>
+</p:sld>
+</file>
+
+<file path=ppt/slides/slide6.xml><?xml version="1.0" encoding="utf-8"?>
 <p:sld xmlns:a="http://schemas.openxmlformats.org/drawingml/2006/main" xmlns:r="http://schemas.openxmlformats.org/officeDocument/2006/relationships" xmlns:p="http://schemas.openxmlformats.org/presentationml/2006/main">
   <p:cSld>
     <p:bg>
@@ -24478,7 +29515,7 @@
 </p:sld>
 </file>
 
-<file path=ppt/slides/slide5.xml><?xml version="1.0" encoding="utf-8"?>
+<file path=ppt/slides/slide7.xml><?xml version="1.0" encoding="utf-8"?>
 <p:sld xmlns:a="http://schemas.openxmlformats.org/drawingml/2006/main" xmlns:r="http://schemas.openxmlformats.org/officeDocument/2006/relationships" xmlns:p="http://schemas.openxmlformats.org/presentationml/2006/main">
   <p:cSld>
     <p:bg>
@@ -25005,7 +30042,7 @@
 </p:sld>
 </file>
 
-<file path=ppt/slides/slide6.xml><?xml version="1.0" encoding="utf-8"?>
+<file path=ppt/slides/slide8.xml><?xml version="1.0" encoding="utf-8"?>
 <p:sld xmlns:a="http://schemas.openxmlformats.org/drawingml/2006/main" xmlns:r="http://schemas.openxmlformats.org/officeDocument/2006/relationships" xmlns:p="http://schemas.openxmlformats.org/presentationml/2006/main">
   <p:cSld>
     <p:bg>
@@ -25177,7 +30214,7 @@
 </p:sld>
 </file>
 
-<file path=ppt/slides/slide7.xml><?xml version="1.0" encoding="utf-8"?>
+<file path=ppt/slides/slide9.xml><?xml version="1.0" encoding="utf-8"?>
 <p:sld xmlns:a="http://schemas.openxmlformats.org/drawingml/2006/main" xmlns:r="http://schemas.openxmlformats.org/officeDocument/2006/relationships" xmlns:p="http://schemas.openxmlformats.org/presentationml/2006/main">
   <p:cSld>
     <p:bg>
@@ -25503,497 +30540,6 @@
 </p:sld>
 </file>
 
-<file path=ppt/slides/slide8.xml><?xml version="1.0" encoding="utf-8"?>
-<p:sld xmlns:a="http://schemas.openxmlformats.org/drawingml/2006/main" xmlns:r="http://schemas.openxmlformats.org/officeDocument/2006/relationships" xmlns:p="http://schemas.openxmlformats.org/presentationml/2006/main">
-  <p:cSld>
-    <p:bg>
-      <p:bgPr>
-        <a:solidFill>
-          <a:schemeClr val="bg1"/>
-        </a:solidFill>
-        <a:effectLst/>
-      </p:bgPr>
-    </p:bg>
-    <p:spTree>
-      <p:nvGrpSpPr>
-        <p:cNvPr id="1" name=""/>
-        <p:cNvGrpSpPr/>
-        <p:nvPr/>
-      </p:nvGrpSpPr>
-      <p:grpSpPr>
-        <a:xfrm>
-          <a:off x="0" y="0"/>
-          <a:ext cx="0" cy="0"/>
-          <a:chOff x="0" y="0"/>
-          <a:chExt cx="0" cy="0"/>
-        </a:xfrm>
-      </p:grpSpPr>
-      <p:sp useBgFill="1">
-        <p:nvSpPr>
-          <p:cNvPr id="40" name="Rectangle 39">
-            <a:extLst>
-              <a:ext uri="{FF2B5EF4-FFF2-40B4-BE49-F238E27FC236}">
-                <a16:creationId xmlns:a16="http://schemas.microsoft.com/office/drawing/2014/main" id="{DCC231C8-C761-4B31-9B1C-C6D19248C6B3}"/>
-              </a:ext>
-              <a:ext uri="{C183D7F6-B498-43B3-948B-1728B52AA6E4}">
-                <adec:decorative xmlns:adec="http://schemas.microsoft.com/office/drawing/2017/decorative" val="1"/>
-              </a:ext>
-            </a:extLst>
-          </p:cNvPr>
-          <p:cNvSpPr>
-            <a:spLocks noGrp="1" noRot="1" noChangeAspect="1" noMove="1" noResize="1" noEditPoints="1" noAdjustHandles="1" noChangeArrowheads="1" noChangeShapeType="1" noTextEdit="1"/>
-          </p:cNvSpPr>
-          <p:nvPr>
-            <p:extLst>
-              <p:ext uri="{386F3935-93C4-4BCD-93E2-E3B085C9AB24}">
-                <p16:designElem xmlns:p16="http://schemas.microsoft.com/office/powerpoint/2015/main" val="1"/>
-              </p:ext>
-            </p:extLst>
-          </p:nvPr>
-        </p:nvSpPr>
-        <p:spPr>
-          <a:xfrm>
-            <a:off x="-1" y="0"/>
-            <a:ext cx="12188952" cy="6858000"/>
-          </a:xfrm>
-          <a:prstGeom prst="rect">
-            <a:avLst/>
-          </a:prstGeom>
-          <a:ln>
-            <a:noFill/>
-          </a:ln>
-        </p:spPr>
-        <p:style>
-          <a:lnRef idx="2">
-            <a:schemeClr val="accent1">
-              <a:shade val="50000"/>
-            </a:schemeClr>
-          </a:lnRef>
-          <a:fillRef idx="1">
-            <a:schemeClr val="accent1"/>
-          </a:fillRef>
-          <a:effectRef idx="0">
-            <a:schemeClr val="accent1"/>
-          </a:effectRef>
-          <a:fontRef idx="minor">
-            <a:schemeClr val="lt1"/>
-          </a:fontRef>
-        </p:style>
-        <p:txBody>
-          <a:bodyPr rtlCol="0" anchor="ctr"/>
-          <a:lstStyle/>
-          <a:p>
-            <a:pPr algn="ctr"/>
-            <a:endParaRPr lang="en-US"/>
-          </a:p>
-        </p:txBody>
-      </p:sp>
-      <p:sp>
-        <p:nvSpPr>
-          <p:cNvPr id="3" name="Title 2">
-            <a:extLst>
-              <a:ext uri="{FF2B5EF4-FFF2-40B4-BE49-F238E27FC236}">
-                <a16:creationId xmlns:a16="http://schemas.microsoft.com/office/drawing/2014/main" id="{B6216841-A2AF-90DB-DC18-1EF591C2E2B1}"/>
-              </a:ext>
-            </a:extLst>
-          </p:cNvPr>
-          <p:cNvSpPr>
-            <a:spLocks noGrp="1"/>
-          </p:cNvSpPr>
-          <p:nvPr>
-            <p:ph type="title"/>
-          </p:nvPr>
-        </p:nvSpPr>
-        <p:spPr>
-          <a:xfrm>
-            <a:off x="838200" y="557189"/>
-            <a:ext cx="3374136" cy="5567891"/>
-          </a:xfrm>
-        </p:spPr>
-        <p:txBody>
-          <a:bodyPr>
-            <a:normAutofit/>
-          </a:bodyPr>
-          <a:lstStyle/>
-          <a:p>
-            <a:r>
-              <a:rPr lang="en-GB" sz="5200"/>
-              <a:t>Why metadata?</a:t>
-            </a:r>
-            <a:endParaRPr lang="LID4096" sz="5200"/>
-          </a:p>
-        </p:txBody>
-      </p:sp>
-      <p:graphicFrame>
-        <p:nvGraphicFramePr>
-          <p:cNvPr id="20" name="Content Placeholder 3">
-            <a:extLst>
-              <a:ext uri="{FF2B5EF4-FFF2-40B4-BE49-F238E27FC236}">
-                <a16:creationId xmlns:a16="http://schemas.microsoft.com/office/drawing/2014/main" id="{468D409A-A049-6F78-AD9B-AEE7C44AA34E}"/>
-              </a:ext>
-            </a:extLst>
-          </p:cNvPr>
-          <p:cNvGraphicFramePr>
-            <a:graphicFrameLocks noGrp="1"/>
-          </p:cNvGraphicFramePr>
-          <p:nvPr>
-            <p:ph idx="1"/>
-            <p:extLst>
-              <p:ext uri="{D42A27DB-BD31-4B8C-83A1-F6EECF244321}">
-                <p14:modId xmlns:p14="http://schemas.microsoft.com/office/powerpoint/2010/main" val="2846124245"/>
-              </p:ext>
-            </p:extLst>
-          </p:nvPr>
-        </p:nvGraphicFramePr>
-        <p:xfrm>
-          <a:off x="5093208" y="620392"/>
-          <a:ext cx="6263640" cy="5504688"/>
-        </p:xfrm>
-        <a:graphic>
-          <a:graphicData uri="http://schemas.openxmlformats.org/drawingml/2006/diagram">
-            <dgm:relIds xmlns:dgm="http://schemas.openxmlformats.org/drawingml/2006/diagram" xmlns:r="http://schemas.openxmlformats.org/officeDocument/2006/relationships" r:dm="rId2" r:lo="rId3" r:qs="rId4" r:cs="rId5"/>
-          </a:graphicData>
-        </a:graphic>
-      </p:graphicFrame>
-    </p:spTree>
-    <p:extLst>
-      <p:ext uri="{BB962C8B-B14F-4D97-AF65-F5344CB8AC3E}">
-        <p14:creationId xmlns:p14="http://schemas.microsoft.com/office/powerpoint/2010/main" val="4031301538"/>
-      </p:ext>
-    </p:extLst>
-  </p:cSld>
-  <p:clrMapOvr>
-    <a:masterClrMapping/>
-  </p:clrMapOvr>
-</p:sld>
-</file>
-
-<file path=ppt/slides/slide9.xml><?xml version="1.0" encoding="utf-8"?>
-<p:sld xmlns:a="http://schemas.openxmlformats.org/drawingml/2006/main" xmlns:r="http://schemas.openxmlformats.org/officeDocument/2006/relationships" xmlns:p="http://schemas.openxmlformats.org/presentationml/2006/main">
-  <p:cSld>
-    <p:bg>
-      <p:bgPr>
-        <a:solidFill>
-          <a:schemeClr val="bg1"/>
-        </a:solidFill>
-        <a:effectLst/>
-      </p:bgPr>
-    </p:bg>
-    <p:spTree>
-      <p:nvGrpSpPr>
-        <p:cNvPr id="1" name=""/>
-        <p:cNvGrpSpPr/>
-        <p:nvPr/>
-      </p:nvGrpSpPr>
-      <p:grpSpPr>
-        <a:xfrm>
-          <a:off x="0" y="0"/>
-          <a:ext cx="0" cy="0"/>
-          <a:chOff x="0" y="0"/>
-          <a:chExt cx="0" cy="0"/>
-        </a:xfrm>
-      </p:grpSpPr>
-      <p:sp>
-        <p:nvSpPr>
-          <p:cNvPr id="2" name="Title 1">
-            <a:extLst>
-              <a:ext uri="{FF2B5EF4-FFF2-40B4-BE49-F238E27FC236}">
-                <a16:creationId xmlns:a16="http://schemas.microsoft.com/office/drawing/2014/main" id="{77B55B23-6C19-78DC-A809-6B91765B073A}"/>
-              </a:ext>
-            </a:extLst>
-          </p:cNvPr>
-          <p:cNvSpPr>
-            <a:spLocks noGrp="1"/>
-          </p:cNvSpPr>
-          <p:nvPr>
-            <p:ph type="title"/>
-          </p:nvPr>
-        </p:nvSpPr>
-        <p:spPr>
-          <a:xfrm>
-            <a:off x="6823878" y="741391"/>
-            <a:ext cx="4491821" cy="1616203"/>
-          </a:xfrm>
-        </p:spPr>
-        <p:txBody>
-          <a:bodyPr anchor="b">
-            <a:normAutofit/>
-          </a:bodyPr>
-          <a:lstStyle/>
-          <a:p>
-            <a:r>
-              <a:rPr lang="en-GB" sz="3200"/>
-              <a:t>Why metadata?</a:t>
-            </a:r>
-            <a:endParaRPr lang="LID4096" sz="3200"/>
-          </a:p>
-        </p:txBody>
-      </p:sp>
-      <p:pic>
-        <p:nvPicPr>
-          <p:cNvPr id="16" name="Picture 15" descr="Digital art of brain">
-            <a:extLst>
-              <a:ext uri="{FF2B5EF4-FFF2-40B4-BE49-F238E27FC236}">
-                <a16:creationId xmlns:a16="http://schemas.microsoft.com/office/drawing/2014/main" id="{495C5AE0-6FDD-2026-14D0-33BFF46FEA45}"/>
-              </a:ext>
-            </a:extLst>
-          </p:cNvPr>
-          <p:cNvPicPr>
-            <a:picLocks noChangeAspect="1"/>
-          </p:cNvPicPr>
-          <p:nvPr/>
-        </p:nvPicPr>
-        <p:blipFill rotWithShape="1">
-          <a:blip r:embed="rId2"/>
-          <a:srcRect l="29346" r="20654"/>
-          <a:stretch/>
-        </p:blipFill>
-        <p:spPr>
-          <a:xfrm>
-            <a:off x="20" y="10"/>
-            <a:ext cx="6095980" cy="6857990"/>
-          </a:xfrm>
-          <a:prstGeom prst="rect">
-            <a:avLst/>
-          </a:prstGeom>
-        </p:spPr>
-      </p:pic>
-      <p:grpSp>
-        <p:nvGrpSpPr>
-          <p:cNvPr id="20" name="Group 19">
-            <a:extLst>
-              <a:ext uri="{FF2B5EF4-FFF2-40B4-BE49-F238E27FC236}">
-                <a16:creationId xmlns:a16="http://schemas.microsoft.com/office/drawing/2014/main" id="{5EFBDE31-BB3E-6CFC-23CD-B5976DA38438}"/>
-              </a:ext>
-              <a:ext uri="{C183D7F6-B498-43B3-948B-1728B52AA6E4}">
-                <adec:decorative xmlns:adec="http://schemas.microsoft.com/office/drawing/2017/decorative" val="1"/>
-              </a:ext>
-            </a:extLst>
-          </p:cNvPr>
-          <p:cNvGrpSpPr>
-            <a:grpSpLocks noGrp="1" noUngrp="1" noRot="1" noChangeAspect="1" noMove="1" noResize="1"/>
-          </p:cNvGrpSpPr>
-          <p:nvPr>
-            <p:extLst>
-              <p:ext uri="{386F3935-93C4-4BCD-93E2-E3B085C9AB24}">
-                <p16:designElem xmlns:p16="http://schemas.microsoft.com/office/powerpoint/2015/main" val="1"/>
-              </p:ext>
-            </p:extLst>
-          </p:nvPr>
-        </p:nvGrpSpPr>
-        <p:grpSpPr>
-          <a:xfrm>
-            <a:off x="0" y="0"/>
-            <a:ext cx="123362" cy="6858000"/>
-            <a:chOff x="12068638" y="0"/>
-            <a:chExt cx="123362" cy="6858000"/>
-          </a:xfrm>
-        </p:grpSpPr>
-        <p:sp>
-          <p:nvSpPr>
-            <p:cNvPr id="21" name="Rectangle 20">
-              <a:extLst>
-                <a:ext uri="{FF2B5EF4-FFF2-40B4-BE49-F238E27FC236}">
-                  <a16:creationId xmlns:a16="http://schemas.microsoft.com/office/drawing/2014/main" id="{180A60EC-72BB-121F-556A-E2837FD99A87}"/>
-                </a:ext>
-                <a:ext uri="{C183D7F6-B498-43B3-948B-1728B52AA6E4}">
-                  <adec:decorative xmlns:adec="http://schemas.microsoft.com/office/drawing/2017/decorative" val="1"/>
-                </a:ext>
-              </a:extLst>
-            </p:cNvPr>
-            <p:cNvSpPr/>
-            <p:nvPr>
-              <p:extLst>
-                <p:ext uri="{386F3935-93C4-4BCD-93E2-E3B085C9AB24}">
-                  <p16:designElem xmlns:p16="http://schemas.microsoft.com/office/powerpoint/2015/main" val="1"/>
-                </p:ext>
-              </p:extLst>
-            </p:nvPr>
-          </p:nvSpPr>
-          <p:spPr>
-            <a:xfrm>
-              <a:off x="12068638" y="0"/>
-              <a:ext cx="123362" cy="6858000"/>
-            </a:xfrm>
-            <a:prstGeom prst="rect">
-              <a:avLst/>
-            </a:prstGeom>
-            <a:gradFill>
-              <a:gsLst>
-                <a:gs pos="0">
-                  <a:schemeClr val="accent2"/>
-                </a:gs>
-                <a:gs pos="100000">
-                  <a:schemeClr val="accent5"/>
-                </a:gs>
-              </a:gsLst>
-              <a:lin ang="1800000" scaled="0"/>
-            </a:gradFill>
-            <a:ln>
-              <a:noFill/>
-            </a:ln>
-          </p:spPr>
-          <p:style>
-            <a:lnRef idx="2">
-              <a:schemeClr val="accent1">
-                <a:shade val="50000"/>
-              </a:schemeClr>
-            </a:lnRef>
-            <a:fillRef idx="1">
-              <a:schemeClr val="accent1"/>
-            </a:fillRef>
-            <a:effectRef idx="0">
-              <a:schemeClr val="accent1"/>
-            </a:effectRef>
-            <a:fontRef idx="minor">
-              <a:schemeClr val="lt1"/>
-            </a:fontRef>
-          </p:style>
-          <p:txBody>
-            <a:bodyPr rtlCol="0" anchor="ctr"/>
-            <a:lstStyle/>
-            <a:p>
-              <a:pPr algn="ctr"/>
-              <a:endParaRPr lang="en-US"/>
-            </a:p>
-          </p:txBody>
-        </p:sp>
-        <p:sp>
-          <p:nvSpPr>
-            <p:cNvPr id="22" name="Rectangle 21">
-              <a:extLst>
-                <a:ext uri="{FF2B5EF4-FFF2-40B4-BE49-F238E27FC236}">
-                  <a16:creationId xmlns:a16="http://schemas.microsoft.com/office/drawing/2014/main" id="{F91A2FAE-D41C-FF5D-B0A0-7808248EDC94}"/>
-                </a:ext>
-                <a:ext uri="{C183D7F6-B498-43B3-948B-1728B52AA6E4}">
-                  <adec:decorative xmlns:adec="http://schemas.microsoft.com/office/drawing/2017/decorative" val="1"/>
-                </a:ext>
-              </a:extLst>
-            </p:cNvPr>
-            <p:cNvSpPr/>
-            <p:nvPr>
-              <p:extLst>
-                <p:ext uri="{386F3935-93C4-4BCD-93E2-E3B085C9AB24}">
-                  <p16:designElem xmlns:p16="http://schemas.microsoft.com/office/powerpoint/2015/main" val="1"/>
-                </p:ext>
-              </p:extLst>
-            </p:nvPr>
-          </p:nvSpPr>
-          <p:spPr>
-            <a:xfrm>
-              <a:off x="12068638" y="4139706"/>
-              <a:ext cx="123362" cy="2718294"/>
-            </a:xfrm>
-            <a:prstGeom prst="rect">
-              <a:avLst/>
-            </a:prstGeom>
-            <a:gradFill>
-              <a:gsLst>
-                <a:gs pos="19000">
-                  <a:schemeClr val="accent5">
-                    <a:alpha val="0"/>
-                  </a:schemeClr>
-                </a:gs>
-                <a:gs pos="100000">
-                  <a:schemeClr val="accent5">
-                    <a:lumMod val="60000"/>
-                    <a:lumOff val="40000"/>
-                  </a:schemeClr>
-                </a:gs>
-              </a:gsLst>
-              <a:lin ang="600000" scaled="0"/>
-            </a:gradFill>
-            <a:ln>
-              <a:noFill/>
-            </a:ln>
-          </p:spPr>
-          <p:style>
-            <a:lnRef idx="2">
-              <a:schemeClr val="accent1">
-                <a:shade val="50000"/>
-              </a:schemeClr>
-            </a:lnRef>
-            <a:fillRef idx="1">
-              <a:schemeClr val="accent1"/>
-            </a:fillRef>
-            <a:effectRef idx="0">
-              <a:schemeClr val="accent1"/>
-            </a:effectRef>
-            <a:fontRef idx="minor">
-              <a:schemeClr val="lt1"/>
-            </a:fontRef>
-          </p:style>
-          <p:txBody>
-            <a:bodyPr rtlCol="0" anchor="ctr"/>
-            <a:lstStyle/>
-            <a:p>
-              <a:pPr algn="ctr"/>
-              <a:endParaRPr lang="en-US"/>
-            </a:p>
-          </p:txBody>
-        </p:sp>
-      </p:grpSp>
-      <p:sp>
-        <p:nvSpPr>
-          <p:cNvPr id="3" name="Content Placeholder 2">
-            <a:extLst>
-              <a:ext uri="{FF2B5EF4-FFF2-40B4-BE49-F238E27FC236}">
-                <a16:creationId xmlns:a16="http://schemas.microsoft.com/office/drawing/2014/main" id="{CE95D58E-4E49-2237-5F83-246B11373749}"/>
-              </a:ext>
-            </a:extLst>
-          </p:cNvPr>
-          <p:cNvSpPr>
-            <a:spLocks noGrp="1"/>
-          </p:cNvSpPr>
-          <p:nvPr>
-            <p:ph idx="1"/>
-          </p:nvPr>
-        </p:nvSpPr>
-        <p:spPr>
-          <a:xfrm>
-            <a:off x="6823878" y="2533476"/>
-            <a:ext cx="4491820" cy="3447832"/>
-          </a:xfrm>
-        </p:spPr>
-        <p:txBody>
-          <a:bodyPr anchor="t">
-            <a:normAutofit/>
-          </a:bodyPr>
-          <a:lstStyle/>
-          <a:p>
-            <a:r>
-              <a:rPr lang="en-GB" sz="2000" dirty="0"/>
-              <a:t>Even the incredible DBA can’t keep all this in their head</a:t>
-            </a:r>
-          </a:p>
-          <a:p>
-            <a:r>
-              <a:rPr lang="en-GB" sz="2000" dirty="0"/>
-              <a:t>Automation at scale is possible through well formed and well maintained metadata</a:t>
-            </a:r>
-          </a:p>
-          <a:p>
-            <a:r>
-              <a:rPr lang="en-GB" sz="2000" dirty="0"/>
-              <a:t>Think of it as a code first model for databases</a:t>
-            </a:r>
-            <a:endParaRPr lang="LID4096" sz="2000" dirty="0"/>
-          </a:p>
-        </p:txBody>
-      </p:sp>
-    </p:spTree>
-    <p:extLst>
-      <p:ext uri="{BB962C8B-B14F-4D97-AF65-F5344CB8AC3E}">
-        <p14:creationId xmlns:p14="http://schemas.microsoft.com/office/powerpoint/2010/main" val="3740780917"/>
-      </p:ext>
-    </p:extLst>
-  </p:cSld>
-  <p:clrMapOvr>
-    <a:masterClrMapping/>
-  </p:clrMapOvr>
-</p:sld>
-</file>
-
 <file path=ppt/theme/theme1.xml><?xml version="1.0" encoding="utf-8"?>
 <a:theme xmlns:a="http://schemas.openxmlformats.org/drawingml/2006/main" name="Office Theme">
   <a:themeElements>
@@ -26307,4 +30853,299 @@
     </a:ext>
   </a:extLst>
 </a:theme>
+</file>
+
+<file path=ppt/theme/theme2.xml><?xml version="1.0" encoding="utf-8"?>
+<a:theme xmlns:a="http://schemas.openxmlformats.org/drawingml/2006/main" name="Office-tema">
+  <a:themeElements>
+    <a:clrScheme name="Office">
+      <a:dk1>
+        <a:sysClr val="windowText" lastClr="000000"/>
+      </a:dk1>
+      <a:lt1>
+        <a:sysClr val="window" lastClr="FFFFFF"/>
+      </a:lt1>
+      <a:dk2>
+        <a:srgbClr val="44546A"/>
+      </a:dk2>
+      <a:lt2>
+        <a:srgbClr val="E7E6E6"/>
+      </a:lt2>
+      <a:accent1>
+        <a:srgbClr val="4472C4"/>
+      </a:accent1>
+      <a:accent2>
+        <a:srgbClr val="ED7D31"/>
+      </a:accent2>
+      <a:accent3>
+        <a:srgbClr val="A5A5A5"/>
+      </a:accent3>
+      <a:accent4>
+        <a:srgbClr val="FFC000"/>
+      </a:accent4>
+      <a:accent5>
+        <a:srgbClr val="5B9BD5"/>
+      </a:accent5>
+      <a:accent6>
+        <a:srgbClr val="70AD47"/>
+      </a:accent6>
+      <a:hlink>
+        <a:srgbClr val="0563C1"/>
+      </a:hlink>
+      <a:folHlink>
+        <a:srgbClr val="954F72"/>
+      </a:folHlink>
+    </a:clrScheme>
+    <a:fontScheme name="Office">
+      <a:majorFont>
+        <a:latin typeface="Calibri Light" panose="020F0302020204030204"/>
+        <a:ea typeface=""/>
+        <a:cs typeface=""/>
+        <a:font script="Jpan" typeface="游ゴシック Light"/>
+        <a:font script="Hang" typeface="맑은 고딕"/>
+        <a:font script="Hans" typeface="等线 Light"/>
+        <a:font script="Hant" typeface="新細明體"/>
+        <a:font script="Arab" typeface="Times New Roman"/>
+        <a:font script="Hebr" typeface="Times New Roman"/>
+        <a:font script="Thai" typeface="Angsana New"/>
+        <a:font script="Ethi" typeface="Nyala"/>
+        <a:font script="Beng" typeface="Vrinda"/>
+        <a:font script="Gujr" typeface="Shruti"/>
+        <a:font script="Khmr" typeface="MoolBoran"/>
+        <a:font script="Knda" typeface="Tunga"/>
+        <a:font script="Guru" typeface="Raavi"/>
+        <a:font script="Cans" typeface="Euphemia"/>
+        <a:font script="Cher" typeface="Plantagenet Cherokee"/>
+        <a:font script="Yiii" typeface="Microsoft Yi Baiti"/>
+        <a:font script="Tibt" typeface="Microsoft Himalaya"/>
+        <a:font script="Thaa" typeface="MV Boli"/>
+        <a:font script="Deva" typeface="Mangal"/>
+        <a:font script="Telu" typeface="Gautami"/>
+        <a:font script="Taml" typeface="Latha"/>
+        <a:font script="Syrc" typeface="Estrangelo Edessa"/>
+        <a:font script="Orya" typeface="Kalinga"/>
+        <a:font script="Mlym" typeface="Kartika"/>
+        <a:font script="Laoo" typeface="DokChampa"/>
+        <a:font script="Sinh" typeface="Iskoola Pota"/>
+        <a:font script="Mong" typeface="Mongolian Baiti"/>
+        <a:font script="Viet" typeface="Times New Roman"/>
+        <a:font script="Uigh" typeface="Microsoft Uighur"/>
+        <a:font script="Geor" typeface="Sylfaen"/>
+        <a:font script="Armn" typeface="Arial"/>
+        <a:font script="Bugi" typeface="Leelawadee UI"/>
+        <a:font script="Bopo" typeface="Microsoft JhengHei"/>
+        <a:font script="Java" typeface="Javanese Text"/>
+        <a:font script="Lisu" typeface="Segoe UI"/>
+        <a:font script="Mymr" typeface="Myanmar Text"/>
+        <a:font script="Nkoo" typeface="Ebrima"/>
+        <a:font script="Olck" typeface="Nirmala UI"/>
+        <a:font script="Osma" typeface="Ebrima"/>
+        <a:font script="Phag" typeface="Phagspa"/>
+        <a:font script="Syrn" typeface="Estrangelo Edessa"/>
+        <a:font script="Syrj" typeface="Estrangelo Edessa"/>
+        <a:font script="Syre" typeface="Estrangelo Edessa"/>
+        <a:font script="Sora" typeface="Nirmala UI"/>
+        <a:font script="Tale" typeface="Microsoft Tai Le"/>
+        <a:font script="Talu" typeface="Microsoft New Tai Lue"/>
+        <a:font script="Tfng" typeface="Ebrima"/>
+      </a:majorFont>
+      <a:minorFont>
+        <a:latin typeface="Calibri" panose="020F0502020204030204"/>
+        <a:ea typeface=""/>
+        <a:cs typeface=""/>
+        <a:font script="Jpan" typeface="游ゴシック"/>
+        <a:font script="Hang" typeface="맑은 고딕"/>
+        <a:font script="Hans" typeface="等线"/>
+        <a:font script="Hant" typeface="新細明體"/>
+        <a:font script="Arab" typeface="Arial"/>
+        <a:font script="Hebr" typeface="Arial"/>
+        <a:font script="Thai" typeface="Cordia New"/>
+        <a:font script="Ethi" typeface="Nyala"/>
+        <a:font script="Beng" typeface="Vrinda"/>
+        <a:font script="Gujr" typeface="Shruti"/>
+        <a:font script="Khmr" typeface="DaunPenh"/>
+        <a:font script="Knda" typeface="Tunga"/>
+        <a:font script="Guru" typeface="Raavi"/>
+        <a:font script="Cans" typeface="Euphemia"/>
+        <a:font script="Cher" typeface="Plantagenet Cherokee"/>
+        <a:font script="Yiii" typeface="Microsoft Yi Baiti"/>
+        <a:font script="Tibt" typeface="Microsoft Himalaya"/>
+        <a:font script="Thaa" typeface="MV Boli"/>
+        <a:font script="Deva" typeface="Mangal"/>
+        <a:font script="Telu" typeface="Gautami"/>
+        <a:font script="Taml" typeface="Latha"/>
+        <a:font script="Syrc" typeface="Estrangelo Edessa"/>
+        <a:font script="Orya" typeface="Kalinga"/>
+        <a:font script="Mlym" typeface="Kartika"/>
+        <a:font script="Laoo" typeface="DokChampa"/>
+        <a:font script="Sinh" typeface="Iskoola Pota"/>
+        <a:font script="Mong" typeface="Mongolian Baiti"/>
+        <a:font script="Viet" typeface="Arial"/>
+        <a:font script="Uigh" typeface="Microsoft Uighur"/>
+        <a:font script="Geor" typeface="Sylfaen"/>
+        <a:font script="Armn" typeface="Arial"/>
+        <a:font script="Bugi" typeface="Leelawadee UI"/>
+        <a:font script="Bopo" typeface="Microsoft JhengHei"/>
+        <a:font script="Java" typeface="Javanese Text"/>
+        <a:font script="Lisu" typeface="Segoe UI"/>
+        <a:font script="Mymr" typeface="Myanmar Text"/>
+        <a:font script="Nkoo" typeface="Ebrima"/>
+        <a:font script="Olck" typeface="Nirmala UI"/>
+        <a:font script="Osma" typeface="Ebrima"/>
+        <a:font script="Phag" typeface="Phagspa"/>
+        <a:font script="Syrn" typeface="Estrangelo Edessa"/>
+        <a:font script="Syrj" typeface="Estrangelo Edessa"/>
+        <a:font script="Syre" typeface="Estrangelo Edessa"/>
+        <a:font script="Sora" typeface="Nirmala UI"/>
+        <a:font script="Tale" typeface="Microsoft Tai Le"/>
+        <a:font script="Talu" typeface="Microsoft New Tai Lue"/>
+        <a:font script="Tfng" typeface="Ebrima"/>
+      </a:minorFont>
+    </a:fontScheme>
+    <a:fmtScheme name="Office">
+      <a:fillStyleLst>
+        <a:solidFill>
+          <a:schemeClr val="phClr"/>
+        </a:solidFill>
+        <a:gradFill rotWithShape="1">
+          <a:gsLst>
+            <a:gs pos="0">
+              <a:schemeClr val="phClr">
+                <a:lumMod val="110000"/>
+                <a:satMod val="105000"/>
+                <a:tint val="67000"/>
+              </a:schemeClr>
+            </a:gs>
+            <a:gs pos="50000">
+              <a:schemeClr val="phClr">
+                <a:lumMod val="105000"/>
+                <a:satMod val="103000"/>
+                <a:tint val="73000"/>
+              </a:schemeClr>
+            </a:gs>
+            <a:gs pos="100000">
+              <a:schemeClr val="phClr">
+                <a:lumMod val="105000"/>
+                <a:satMod val="109000"/>
+                <a:tint val="81000"/>
+              </a:schemeClr>
+            </a:gs>
+          </a:gsLst>
+          <a:lin ang="5400000" scaled="0"/>
+        </a:gradFill>
+        <a:gradFill rotWithShape="1">
+          <a:gsLst>
+            <a:gs pos="0">
+              <a:schemeClr val="phClr">
+                <a:satMod val="103000"/>
+                <a:lumMod val="102000"/>
+                <a:tint val="94000"/>
+              </a:schemeClr>
+            </a:gs>
+            <a:gs pos="50000">
+              <a:schemeClr val="phClr">
+                <a:satMod val="110000"/>
+                <a:lumMod val="100000"/>
+                <a:shade val="100000"/>
+              </a:schemeClr>
+            </a:gs>
+            <a:gs pos="100000">
+              <a:schemeClr val="phClr">
+                <a:lumMod val="99000"/>
+                <a:satMod val="120000"/>
+                <a:shade val="78000"/>
+              </a:schemeClr>
+            </a:gs>
+          </a:gsLst>
+          <a:lin ang="5400000" scaled="0"/>
+        </a:gradFill>
+      </a:fillStyleLst>
+      <a:lnStyleLst>
+        <a:ln w="6350" cap="flat" cmpd="sng" algn="ctr">
+          <a:solidFill>
+            <a:schemeClr val="phClr"/>
+          </a:solidFill>
+          <a:prstDash val="solid"/>
+          <a:miter lim="800000"/>
+        </a:ln>
+        <a:ln w="12700" cap="flat" cmpd="sng" algn="ctr">
+          <a:solidFill>
+            <a:schemeClr val="phClr"/>
+          </a:solidFill>
+          <a:prstDash val="solid"/>
+          <a:miter lim="800000"/>
+        </a:ln>
+        <a:ln w="19050" cap="flat" cmpd="sng" algn="ctr">
+          <a:solidFill>
+            <a:schemeClr val="phClr"/>
+          </a:solidFill>
+          <a:prstDash val="solid"/>
+          <a:miter lim="800000"/>
+        </a:ln>
+      </a:lnStyleLst>
+      <a:effectStyleLst>
+        <a:effectStyle>
+          <a:effectLst/>
+        </a:effectStyle>
+        <a:effectStyle>
+          <a:effectLst/>
+        </a:effectStyle>
+        <a:effectStyle>
+          <a:effectLst>
+            <a:outerShdw blurRad="57150" dist="19050" dir="5400000" algn="ctr" rotWithShape="0">
+              <a:srgbClr val="000000">
+                <a:alpha val="63000"/>
+              </a:srgbClr>
+            </a:outerShdw>
+          </a:effectLst>
+        </a:effectStyle>
+      </a:effectStyleLst>
+      <a:bgFillStyleLst>
+        <a:solidFill>
+          <a:schemeClr val="phClr"/>
+        </a:solidFill>
+        <a:solidFill>
+          <a:schemeClr val="phClr">
+            <a:tint val="95000"/>
+            <a:satMod val="170000"/>
+          </a:schemeClr>
+        </a:solidFill>
+        <a:gradFill rotWithShape="1">
+          <a:gsLst>
+            <a:gs pos="0">
+              <a:schemeClr val="phClr">
+                <a:tint val="93000"/>
+                <a:satMod val="150000"/>
+                <a:shade val="98000"/>
+                <a:lumMod val="102000"/>
+              </a:schemeClr>
+            </a:gs>
+            <a:gs pos="50000">
+              <a:schemeClr val="phClr">
+                <a:tint val="98000"/>
+                <a:satMod val="130000"/>
+                <a:shade val="90000"/>
+                <a:lumMod val="103000"/>
+              </a:schemeClr>
+            </a:gs>
+            <a:gs pos="100000">
+              <a:schemeClr val="phClr">
+                <a:shade val="63000"/>
+                <a:satMod val="120000"/>
+              </a:schemeClr>
+            </a:gs>
+          </a:gsLst>
+          <a:lin ang="5400000" scaled="0"/>
+        </a:gradFill>
+      </a:bgFillStyleLst>
+    </a:fmtScheme>
+  </a:themeElements>
+  <a:objectDefaults/>
+  <a:extraClrSchemeLst/>
+  <a:extLst>
+    <a:ext uri="{05A4C25C-085E-4340-85A3-A5531E510DB2}">
+      <thm15:themeFamily xmlns:thm15="http://schemas.microsoft.com/office/thememl/2012/main" name="Office Theme" id="{62F939B6-93AF-4DB8-9C6B-D6C7DFDC589F}" vid="{4A3C46E8-61CC-4603-A589-7422A47A8E4A}"/>
+    </a:ext>
+  </a:extLst>
+</a:theme>
 </file>